--- a/COPd_plots_summary.pptx
+++ b/COPd_plots_summary.pptx
@@ -4,19 +4,24 @@
   <p:sldMasterIdLst>
     <p:sldMasterId id="2147483648" r:id="rId1"/>
   </p:sldMasterIdLst>
+  <p:notesMasterIdLst>
+    <p:notesMasterId r:id="rId16"/>
+  </p:notesMasterIdLst>
   <p:sldIdLst>
     <p:sldId id="256" r:id="rId2"/>
     <p:sldId id="259" r:id="rId3"/>
     <p:sldId id="257" r:id="rId4"/>
     <p:sldId id="258" r:id="rId5"/>
-    <p:sldId id="262" r:id="rId6"/>
-    <p:sldId id="263" r:id="rId7"/>
-    <p:sldId id="264" r:id="rId8"/>
-    <p:sldId id="265" r:id="rId9"/>
-    <p:sldId id="266" r:id="rId10"/>
-    <p:sldId id="267" r:id="rId11"/>
-    <p:sldId id="260" r:id="rId12"/>
-    <p:sldId id="261" r:id="rId13"/>
+    <p:sldId id="260" r:id="rId6"/>
+    <p:sldId id="261" r:id="rId7"/>
+    <p:sldId id="269" r:id="rId8"/>
+    <p:sldId id="270" r:id="rId9"/>
+    <p:sldId id="268" r:id="rId10"/>
+    <p:sldId id="262" r:id="rId11"/>
+    <p:sldId id="263" r:id="rId12"/>
+    <p:sldId id="265" r:id="rId13"/>
+    <p:sldId id="271" r:id="rId14"/>
+    <p:sldId id="272" r:id="rId15"/>
   </p:sldIdLst>
   <p:sldSz cx="12192000" cy="6858000"/>
   <p:notesSz cx="6858000" cy="9144000"/>
@@ -115,7 +120,2966 @@
       </a:defRPr>
     </a:lvl9pPr>
   </p:defaultTextStyle>
+  <p:extLst>
+    <p:ext uri="{EFAFB233-063F-42B5-8137-9DF3F51BA10A}">
+      <p15:sldGuideLst xmlns:p15="http://schemas.microsoft.com/office/powerpoint/2012/main"/>
+    </p:ext>
+  </p:extLst>
 </p:presentation>
+</file>
+
+<file path=ppt/charts/chart1.xml><?xml version="1.0" encoding="utf-8"?>
+<c:chartSpace xmlns:c="http://schemas.openxmlformats.org/drawingml/2006/chart" xmlns:a="http://schemas.openxmlformats.org/drawingml/2006/main" xmlns:r="http://schemas.openxmlformats.org/officeDocument/2006/relationships" xmlns:c16r2="http://schemas.microsoft.com/office/drawing/2015/06/chart">
+  <c:date1904 val="0"/>
+  <c:lang val="en-US"/>
+  <c:roundedCorners val="0"/>
+  <mc:AlternateContent xmlns:mc="http://schemas.openxmlformats.org/markup-compatibility/2006">
+    <mc:Choice xmlns:c14="http://schemas.microsoft.com/office/drawing/2007/8/2/chart" Requires="c14">
+      <c14:style val="102"/>
+    </mc:Choice>
+    <mc:Fallback>
+      <c:style val="2"/>
+    </mc:Fallback>
+  </mc:AlternateContent>
+  <c:chart>
+    <c:title>
+      <c:tx>
+        <c:rich>
+          <a:bodyPr rot="0" spcFirstLastPara="1" vertOverflow="ellipsis" vert="horz" wrap="square" anchor="ctr" anchorCtr="1"/>
+          <a:lstStyle/>
+          <a:p>
+            <a:pPr>
+              <a:defRPr sz="1600" b="0" i="0" u="none" strike="noStrike" kern="1200" spc="0" baseline="0">
+                <a:solidFill>
+                  <a:schemeClr val="tx1"/>
+                </a:solidFill>
+                <a:latin typeface="Times New Roman" panose="02020603050405020304" pitchFamily="18" charset="0"/>
+                <a:ea typeface="+mn-ea"/>
+                <a:cs typeface="Times New Roman" panose="02020603050405020304" pitchFamily="18" charset="0"/>
+              </a:defRPr>
+            </a:pPr>
+            <a:r>
+              <a:rPr lang="en-US" sz="1600">
+                <a:solidFill>
+                  <a:schemeClr val="tx1"/>
+                </a:solidFill>
+                <a:latin typeface="Times New Roman" panose="02020603050405020304" pitchFamily="18" charset="0"/>
+                <a:cs typeface="Times New Roman" panose="02020603050405020304" pitchFamily="18" charset="0"/>
+              </a:rPr>
+              <a:t>Coverage vs wavenumber</a:t>
+            </a:r>
+          </a:p>
+        </c:rich>
+      </c:tx>
+      <c:overlay val="0"/>
+      <c:spPr>
+        <a:noFill/>
+        <a:ln>
+          <a:noFill/>
+        </a:ln>
+        <a:effectLst/>
+      </c:spPr>
+      <c:txPr>
+        <a:bodyPr rot="0" spcFirstLastPara="1" vertOverflow="ellipsis" vert="horz" wrap="square" anchor="ctr" anchorCtr="1"/>
+        <a:lstStyle/>
+        <a:p>
+          <a:pPr>
+            <a:defRPr sz="1600" b="0" i="0" u="none" strike="noStrike" kern="1200" spc="0" baseline="0">
+              <a:solidFill>
+                <a:schemeClr val="tx1"/>
+              </a:solidFill>
+              <a:latin typeface="Times New Roman" panose="02020603050405020304" pitchFamily="18" charset="0"/>
+              <a:ea typeface="+mn-ea"/>
+              <a:cs typeface="Times New Roman" panose="02020603050405020304" pitchFamily="18" charset="0"/>
+            </a:defRPr>
+          </a:pPr>
+          <a:endParaRPr lang="en-US"/>
+        </a:p>
+      </c:txPr>
+    </c:title>
+    <c:autoTitleDeleted val="0"/>
+    <c:plotArea>
+      <c:layout>
+        <c:manualLayout>
+          <c:layoutTarget val="inner"/>
+          <c:xMode val="edge"/>
+          <c:yMode val="edge"/>
+          <c:x val="0.12680245661955072"/>
+          <c:y val="9.2367309879216153E-2"/>
+          <c:w val="0.83933599353113442"/>
+          <c:h val="0.78398178044844868"/>
+        </c:manualLayout>
+      </c:layout>
+      <c:scatterChart>
+        <c:scatterStyle val="smoothMarker"/>
+        <c:varyColors val="0"/>
+        <c:ser>
+          <c:idx val="0"/>
+          <c:order val="0"/>
+          <c:tx>
+            <c:strRef>
+              <c:f>'Data combined'!$A$13</c:f>
+              <c:strCache>
+                <c:ptCount val="1"/>
+                <c:pt idx="0">
+                  <c:v>Hoffman paper (300K)</c:v>
+                </c:pt>
+              </c:strCache>
+            </c:strRef>
+          </c:tx>
+          <c:spPr>
+            <a:ln w="19050" cap="rnd">
+              <a:solidFill>
+                <a:schemeClr val="accent1"/>
+              </a:solidFill>
+              <a:round/>
+            </a:ln>
+            <a:effectLst/>
+          </c:spPr>
+          <c:marker>
+            <c:symbol val="circle"/>
+            <c:size val="5"/>
+            <c:spPr>
+              <a:solidFill>
+                <a:schemeClr val="accent1"/>
+              </a:solidFill>
+              <a:ln w="9525">
+                <a:solidFill>
+                  <a:schemeClr val="accent1"/>
+                </a:solidFill>
+              </a:ln>
+              <a:effectLst/>
+            </c:spPr>
+          </c:marker>
+          <c:xVal>
+            <c:numRef>
+              <c:f>'Data combined'!$A$15:$A$29</c:f>
+              <c:numCache>
+                <c:formatCode>General</c:formatCode>
+                <c:ptCount val="15"/>
+                <c:pt idx="0">
+                  <c:v>1.30388850284448E-2</c:v>
+                </c:pt>
+                <c:pt idx="1">
+                  <c:v>2.9151625058612799E-2</c:v>
+                </c:pt>
+                <c:pt idx="2">
+                  <c:v>5.8573857826438203E-2</c:v>
+                </c:pt>
+                <c:pt idx="3">
+                  <c:v>8.09919269641656E-2</c:v>
+                </c:pt>
+                <c:pt idx="4">
+                  <c:v>9.4303114530899596E-2</c:v>
+                </c:pt>
+                <c:pt idx="5">
+                  <c:v>0.121633928218339</c:v>
+                </c:pt>
+                <c:pt idx="6">
+                  <c:v>0.18187832257116801</c:v>
+                </c:pt>
+                <c:pt idx="7">
+                  <c:v>0.24072561282194599</c:v>
+                </c:pt>
+                <c:pt idx="8">
+                  <c:v>0.29752780932042999</c:v>
+                </c:pt>
+                <c:pt idx="9">
+                  <c:v>0.31924873876469501</c:v>
+                </c:pt>
+                <c:pt idx="10">
+                  <c:v>0.409326644407911</c:v>
+                </c:pt>
+                <c:pt idx="11">
+                  <c:v>0.41921653701224199</c:v>
+                </c:pt>
+                <c:pt idx="12">
+                  <c:v>0.45080193662469098</c:v>
+                </c:pt>
+                <c:pt idx="13">
+                  <c:v>0.478862091758046</c:v>
+                </c:pt>
+                <c:pt idx="14">
+                  <c:v>0.50552344796027304</c:v>
+                </c:pt>
+              </c:numCache>
+            </c:numRef>
+          </c:xVal>
+          <c:yVal>
+            <c:numRef>
+              <c:f>'Data combined'!$B$15:$B$29</c:f>
+              <c:numCache>
+                <c:formatCode>General</c:formatCode>
+                <c:ptCount val="15"/>
+                <c:pt idx="0">
+                  <c:v>1822.8179923054699</c:v>
+                </c:pt>
+                <c:pt idx="1">
+                  <c:v>1822.9303594732401</c:v>
+                </c:pt>
+                <c:pt idx="2">
+                  <c:v>1822.9588326017299</c:v>
+                </c:pt>
+                <c:pt idx="3">
+                  <c:v>1823.17407589444</c:v>
+                </c:pt>
+                <c:pt idx="4">
+                  <c:v>1823.3805060759601</c:v>
+                </c:pt>
+                <c:pt idx="5">
+                  <c:v>1825.1488907343601</c:v>
+                </c:pt>
+                <c:pt idx="6">
+                  <c:v>1825.0136433740599</c:v>
+                </c:pt>
+                <c:pt idx="7">
+                  <c:v>1825.55446333237</c:v>
+                </c:pt>
+                <c:pt idx="8">
+                  <c:v>1835.77072352253</c:v>
+                </c:pt>
+                <c:pt idx="9">
+                  <c:v>1836.5659373252199</c:v>
+                </c:pt>
+                <c:pt idx="10">
+                  <c:v>1906.9111740081</c:v>
+                </c:pt>
+                <c:pt idx="11">
+                  <c:v>1921.0497771299699</c:v>
+                </c:pt>
+                <c:pt idx="12">
+                  <c:v>1931.6287307425</c:v>
+                </c:pt>
+                <c:pt idx="13">
+                  <c:v>1938.33330508618</c:v>
+                </c:pt>
+                <c:pt idx="14">
+                  <c:v>1945.42362252766</c:v>
+                </c:pt>
+              </c:numCache>
+            </c:numRef>
+          </c:yVal>
+          <c:smooth val="1"/>
+          <c:extLst>
+            <c:ext xmlns:c16="http://schemas.microsoft.com/office/drawing/2014/chart" uri="{C3380CC4-5D6E-409C-BE32-E72D297353CC}">
+              <c16:uniqueId val="{00000000-EA54-7A43-8D39-E1C9773C4298}"/>
+            </c:ext>
+          </c:extLst>
+        </c:ser>
+        <c:ser>
+          <c:idx val="1"/>
+          <c:order val="1"/>
+          <c:tx>
+            <c:v>Isotherm + Interpolated (450K)</c:v>
+          </c:tx>
+          <c:spPr>
+            <a:ln w="19050" cap="rnd">
+              <a:solidFill>
+                <a:schemeClr val="accent6"/>
+              </a:solidFill>
+              <a:round/>
+            </a:ln>
+            <a:effectLst/>
+          </c:spPr>
+          <c:marker>
+            <c:symbol val="circle"/>
+            <c:size val="5"/>
+            <c:spPr>
+              <a:solidFill>
+                <a:schemeClr val="accent6"/>
+              </a:solidFill>
+              <a:ln w="9525">
+                <a:solidFill>
+                  <a:schemeClr val="accent6"/>
+                </a:solidFill>
+              </a:ln>
+              <a:effectLst/>
+            </c:spPr>
+          </c:marker>
+          <c:xVal>
+            <c:numRef>
+              <c:f>'Data combined'!$I$3:$I$10</c:f>
+              <c:numCache>
+                <c:formatCode>General</c:formatCode>
+                <c:ptCount val="8"/>
+                <c:pt idx="0">
+                  <c:v>8.6999999999999994E-2</c:v>
+                </c:pt>
+                <c:pt idx="1">
+                  <c:v>0.19700000000000001</c:v>
+                </c:pt>
+                <c:pt idx="2">
+                  <c:v>0.24</c:v>
+                </c:pt>
+                <c:pt idx="3">
+                  <c:v>0.32800000000000001</c:v>
+                </c:pt>
+                <c:pt idx="4">
+                  <c:v>0.35699999999999998</c:v>
+                </c:pt>
+                <c:pt idx="5">
+                  <c:v>0.40799999999999997</c:v>
+                </c:pt>
+                <c:pt idx="6">
+                  <c:v>0.42499999999999999</c:v>
+                </c:pt>
+                <c:pt idx="7">
+                  <c:v>0.45500000000000002</c:v>
+                </c:pt>
+              </c:numCache>
+              <c:extLst xmlns:c15="http://schemas.microsoft.com/office/drawing/2012/chart"/>
+            </c:numRef>
+          </c:xVal>
+          <c:yVal>
+            <c:numRef>
+              <c:f>'Data combined'!$Q$3:$Q$10</c:f>
+              <c:numCache>
+                <c:formatCode>General</c:formatCode>
+                <c:ptCount val="8"/>
+                <c:pt idx="0">
+                  <c:v>1820</c:v>
+                </c:pt>
+                <c:pt idx="1">
+                  <c:v>1830.1546599999999</c:v>
+                </c:pt>
+                <c:pt idx="2">
+                  <c:v>1834.0116800000001</c:v>
+                </c:pt>
+                <c:pt idx="3">
+                  <c:v>1861.0108</c:v>
+                </c:pt>
+                <c:pt idx="4">
+                  <c:v>1872.58185</c:v>
+                </c:pt>
+                <c:pt idx="5">
+                  <c:v>1891.8669400000001</c:v>
+                </c:pt>
+                <c:pt idx="6">
+                  <c:v>1897.65246</c:v>
+                </c:pt>
+                <c:pt idx="7">
+                  <c:v>1913.08053</c:v>
+                </c:pt>
+              </c:numCache>
+              <c:extLst xmlns:c15="http://schemas.microsoft.com/office/drawing/2012/chart"/>
+            </c:numRef>
+          </c:yVal>
+          <c:smooth val="1"/>
+          <c:extLst xmlns:c15="http://schemas.microsoft.com/office/drawing/2012/chart">
+            <c:ext xmlns:c16="http://schemas.microsoft.com/office/drawing/2014/chart" uri="{C3380CC4-5D6E-409C-BE32-E72D297353CC}">
+              <c16:uniqueId val="{00000001-EA54-7A43-8D39-E1C9773C4298}"/>
+            </c:ext>
+          </c:extLst>
+        </c:ser>
+        <c:ser>
+          <c:idx val="5"/>
+          <c:order val="5"/>
+          <c:tx>
+            <c:v>Isotherm + Interpolated (475K)</c:v>
+          </c:tx>
+          <c:spPr>
+            <a:ln w="19050" cap="rnd">
+              <a:solidFill>
+                <a:schemeClr val="accent4"/>
+              </a:solidFill>
+              <a:round/>
+            </a:ln>
+            <a:effectLst/>
+          </c:spPr>
+          <c:marker>
+            <c:symbol val="circle"/>
+            <c:size val="5"/>
+            <c:spPr>
+              <a:solidFill>
+                <a:schemeClr val="accent4"/>
+              </a:solidFill>
+              <a:ln w="9525">
+                <a:solidFill>
+                  <a:schemeClr val="accent4"/>
+                </a:solidFill>
+              </a:ln>
+              <a:effectLst/>
+            </c:spPr>
+          </c:marker>
+          <c:xVal>
+            <c:numRef>
+              <c:f>'Data combined'!$K$3:$K$9</c:f>
+              <c:numCache>
+                <c:formatCode>General</c:formatCode>
+                <c:ptCount val="7"/>
+                <c:pt idx="0">
+                  <c:v>5.2760736196317388E-2</c:v>
+                </c:pt>
+                <c:pt idx="1">
+                  <c:v>0.10828220858895675</c:v>
+                </c:pt>
+                <c:pt idx="2">
+                  <c:v>0.15030674846625763</c:v>
+                </c:pt>
+                <c:pt idx="3">
+                  <c:v>0.22730061349693201</c:v>
+                </c:pt>
+                <c:pt idx="4">
+                  <c:v>0.26395705521472346</c:v>
+                </c:pt>
+                <c:pt idx="5">
+                  <c:v>0.34432515337423297</c:v>
+                </c:pt>
+                <c:pt idx="6">
+                  <c:v>0.371932515337423</c:v>
+                </c:pt>
+              </c:numCache>
+              <c:extLst xmlns:c15="http://schemas.microsoft.com/office/drawing/2012/chart"/>
+            </c:numRef>
+          </c:xVal>
+          <c:yVal>
+            <c:numRef>
+              <c:f>'Data combined'!$AH$3:$AH$9</c:f>
+              <c:numCache>
+                <c:formatCode>General</c:formatCode>
+                <c:ptCount val="7"/>
+                <c:pt idx="0">
+                  <c:v>1814.73</c:v>
+                </c:pt>
+                <c:pt idx="1">
+                  <c:v>1820.51</c:v>
+                </c:pt>
+                <c:pt idx="2">
+                  <c:v>1820.51</c:v>
+                </c:pt>
+                <c:pt idx="3">
+                  <c:v>1839.8</c:v>
+                </c:pt>
+                <c:pt idx="4">
+                  <c:v>1843.65</c:v>
+                </c:pt>
+                <c:pt idx="5">
+                  <c:v>1874.51</c:v>
+                </c:pt>
+                <c:pt idx="6">
+                  <c:v>1882.22</c:v>
+                </c:pt>
+              </c:numCache>
+              <c:extLst xmlns:c15="http://schemas.microsoft.com/office/drawing/2012/chart"/>
+            </c:numRef>
+          </c:yVal>
+          <c:smooth val="1"/>
+          <c:extLst xmlns:c15="http://schemas.microsoft.com/office/drawing/2012/chart">
+            <c:ext xmlns:c16="http://schemas.microsoft.com/office/drawing/2014/chart" uri="{C3380CC4-5D6E-409C-BE32-E72D297353CC}">
+              <c16:uniqueId val="{00000002-EA54-7A43-8D39-E1C9773C4298}"/>
+            </c:ext>
+          </c:extLst>
+        </c:ser>
+        <c:ser>
+          <c:idx val="6"/>
+          <c:order val="6"/>
+          <c:tx>
+            <c:v>Isotherm + Interpolated (490K)</c:v>
+          </c:tx>
+          <c:spPr>
+            <a:ln w="19050" cap="rnd">
+              <a:solidFill>
+                <a:schemeClr val="accent1">
+                  <a:lumMod val="60000"/>
+                </a:schemeClr>
+              </a:solidFill>
+              <a:round/>
+            </a:ln>
+            <a:effectLst/>
+          </c:spPr>
+          <c:marker>
+            <c:symbol val="circle"/>
+            <c:size val="5"/>
+            <c:spPr>
+              <a:solidFill>
+                <a:schemeClr val="accent1">
+                  <a:lumMod val="60000"/>
+                </a:schemeClr>
+              </a:solidFill>
+              <a:ln w="9525">
+                <a:solidFill>
+                  <a:schemeClr val="accent1">
+                    <a:lumMod val="60000"/>
+                  </a:schemeClr>
+                </a:solidFill>
+              </a:ln>
+              <a:effectLst/>
+            </c:spPr>
+          </c:marker>
+          <c:xVal>
+            <c:numRef>
+              <c:f>'Data combined'!$N$3:$N$8</c:f>
+              <c:numCache>
+                <c:formatCode>General</c:formatCode>
+                <c:ptCount val="6"/>
+                <c:pt idx="0">
+                  <c:v>2.2064466615502699E-2</c:v>
+                </c:pt>
+                <c:pt idx="1">
+                  <c:v>5.7060629316960799E-2</c:v>
+                </c:pt>
+                <c:pt idx="2">
+                  <c:v>0.13472755180352999</c:v>
+                </c:pt>
+                <c:pt idx="3">
+                  <c:v>0.18384497313890999</c:v>
+                </c:pt>
+                <c:pt idx="4">
+                  <c:v>0.28975441289332299</c:v>
+                </c:pt>
+                <c:pt idx="5">
+                  <c:v>0.32168073676131997</c:v>
+                </c:pt>
+              </c:numCache>
+            </c:numRef>
+          </c:xVal>
+          <c:yVal>
+            <c:numRef>
+              <c:f>'Data combined'!$AH$4:$AH$9</c:f>
+              <c:numCache>
+                <c:formatCode>General</c:formatCode>
+                <c:ptCount val="6"/>
+                <c:pt idx="0">
+                  <c:v>1820.51</c:v>
+                </c:pt>
+                <c:pt idx="1">
+                  <c:v>1820.51</c:v>
+                </c:pt>
+                <c:pt idx="2">
+                  <c:v>1839.8</c:v>
+                </c:pt>
+                <c:pt idx="3">
+                  <c:v>1843.65</c:v>
+                </c:pt>
+                <c:pt idx="4">
+                  <c:v>1874.51</c:v>
+                </c:pt>
+                <c:pt idx="5">
+                  <c:v>1882.22</c:v>
+                </c:pt>
+              </c:numCache>
+            </c:numRef>
+          </c:yVal>
+          <c:smooth val="1"/>
+          <c:extLst xmlns:c15="http://schemas.microsoft.com/office/drawing/2012/chart">
+            <c:ext xmlns:c16="http://schemas.microsoft.com/office/drawing/2014/chart" uri="{C3380CC4-5D6E-409C-BE32-E72D297353CC}">
+              <c16:uniqueId val="{00000003-EA54-7A43-8D39-E1C9773C4298}"/>
+            </c:ext>
+          </c:extLst>
+        </c:ser>
+        <c:dLbls>
+          <c:showLegendKey val="0"/>
+          <c:showVal val="0"/>
+          <c:showCatName val="0"/>
+          <c:showSerName val="0"/>
+          <c:showPercent val="0"/>
+          <c:showBubbleSize val="0"/>
+        </c:dLbls>
+        <c:axId val="647929440"/>
+        <c:axId val="648033856"/>
+        <c:extLst>
+          <c:ext xmlns:c15="http://schemas.microsoft.com/office/drawing/2012/chart" uri="{02D57815-91ED-43cb-92C2-25804820EDAC}">
+            <c15:filteredScatterSeries>
+              <c15:ser>
+                <c:idx val="2"/>
+                <c:order val="2"/>
+                <c:tx>
+                  <c:v>Isotherm + Experiment Area 450K</c:v>
+                </c:tx>
+                <c:spPr>
+                  <a:ln w="19050" cap="rnd">
+                    <a:solidFill>
+                      <a:schemeClr val="accent4"/>
+                    </a:solidFill>
+                    <a:round/>
+                  </a:ln>
+                  <a:effectLst/>
+                </c:spPr>
+                <c:marker>
+                  <c:symbol val="circle"/>
+                  <c:size val="5"/>
+                  <c:spPr>
+                    <a:solidFill>
+                      <a:schemeClr val="accent4"/>
+                    </a:solidFill>
+                    <a:ln w="9525">
+                      <a:solidFill>
+                        <a:schemeClr val="accent4"/>
+                      </a:solidFill>
+                    </a:ln>
+                    <a:effectLst/>
+                  </c:spPr>
+                </c:marker>
+                <c:xVal>
+                  <c:numRef>
+                    <c:extLst>
+                      <c:ext uri="{02D57815-91ED-43cb-92C2-25804820EDAC}">
+                        <c15:formulaRef>
+                          <c15:sqref>'Data combined'!$S$3:$S$10</c15:sqref>
+                        </c15:formulaRef>
+                      </c:ext>
+                    </c:extLst>
+                    <c:numCache>
+                      <c:formatCode>General</c:formatCode>
+                      <c:ptCount val="8"/>
+                      <c:pt idx="0">
+                        <c:v>6.5669164961222243E-2</c:v>
+                      </c:pt>
+                      <c:pt idx="1">
+                        <c:v>0.168939786726887</c:v>
+                      </c:pt>
+                      <c:pt idx="2">
+                        <c:v>0.224750443923251</c:v>
+                      </c:pt>
+                      <c:pt idx="3">
+                        <c:v>0.35752177021305004</c:v>
+                      </c:pt>
+                      <c:pt idx="4">
+                        <c:v>0.39433074522767003</c:v>
+                      </c:pt>
+                      <c:pt idx="5">
+                        <c:v>0.41859870659617998</c:v>
+                      </c:pt>
+                      <c:pt idx="6">
+                        <c:v>0.43954759100749002</c:v>
+                      </c:pt>
+                      <c:pt idx="7">
+                        <c:v>0.42815735371215247</c:v>
+                      </c:pt>
+                    </c:numCache>
+                  </c:numRef>
+                </c:xVal>
+                <c:yVal>
+                  <c:numRef>
+                    <c:extLst>
+                      <c:ext uri="{02D57815-91ED-43cb-92C2-25804820EDAC}">
+                        <c15:formulaRef>
+                          <c15:sqref>'Data combined'!$Q$3:$Q$10</c15:sqref>
+                        </c15:formulaRef>
+                      </c:ext>
+                    </c:extLst>
+                    <c:numCache>
+                      <c:formatCode>General</c:formatCode>
+                      <c:ptCount val="8"/>
+                      <c:pt idx="0">
+                        <c:v>1820</c:v>
+                      </c:pt>
+                      <c:pt idx="1">
+                        <c:v>1830.1546599999999</c:v>
+                      </c:pt>
+                      <c:pt idx="2">
+                        <c:v>1834.0116800000001</c:v>
+                      </c:pt>
+                      <c:pt idx="3">
+                        <c:v>1861.0108</c:v>
+                      </c:pt>
+                      <c:pt idx="4">
+                        <c:v>1872.58185</c:v>
+                      </c:pt>
+                      <c:pt idx="5">
+                        <c:v>1891.8669400000001</c:v>
+                      </c:pt>
+                      <c:pt idx="6">
+                        <c:v>1897.65246</c:v>
+                      </c:pt>
+                      <c:pt idx="7">
+                        <c:v>1913.08053</c:v>
+                      </c:pt>
+                    </c:numCache>
+                  </c:numRef>
+                </c:yVal>
+                <c:smooth val="1"/>
+                <c:extLst>
+                  <c:ext xmlns:c16="http://schemas.microsoft.com/office/drawing/2014/chart" uri="{C3380CC4-5D6E-409C-BE32-E72D297353CC}">
+                    <c16:uniqueId val="{00000004-EA54-7A43-8D39-E1C9773C4298}"/>
+                  </c:ext>
+                </c:extLst>
+              </c15:ser>
+            </c15:filteredScatterSeries>
+            <c15:filteredScatterSeries>
+              <c15:ser>
+                <c:idx val="3"/>
+                <c:order val="3"/>
+                <c:tx>
+                  <c:v>Isotherm + Experiment Area 490K</c:v>
+                </c:tx>
+                <c:spPr>
+                  <a:ln w="19050" cap="rnd">
+                    <a:solidFill>
+                      <a:srgbClr val="C00000"/>
+                    </a:solidFill>
+                    <a:round/>
+                  </a:ln>
+                  <a:effectLst/>
+                </c:spPr>
+                <c:marker>
+                  <c:symbol val="circle"/>
+                  <c:size val="5"/>
+                  <c:spPr>
+                    <a:solidFill>
+                      <a:srgbClr val="C00000"/>
+                    </a:solidFill>
+                    <a:ln w="9525">
+                      <a:solidFill>
+                        <a:srgbClr val="C00000"/>
+                      </a:solidFill>
+                    </a:ln>
+                    <a:effectLst/>
+                  </c:spPr>
+                </c:marker>
+                <c:xVal>
+                  <c:numRef>
+                    <c:extLst xmlns:c15="http://schemas.microsoft.com/office/drawing/2012/chart">
+                      <c:ext xmlns:c15="http://schemas.microsoft.com/office/drawing/2012/chart" uri="{02D57815-91ED-43cb-92C2-25804820EDAC}">
+                        <c15:formulaRef>
+                          <c15:sqref>'Data combined'!$Z$3:$Z$10</c15:sqref>
+                        </c15:formulaRef>
+                      </c:ext>
+                    </c:extLst>
+                    <c:numCache>
+                      <c:formatCode>General</c:formatCode>
+                      <c:ptCount val="8"/>
+                      <c:pt idx="0">
+                        <c:v>1.44E-2</c:v>
+                      </c:pt>
+                      <c:pt idx="1">
+                        <c:v>2.7099999999999999E-2</c:v>
+                      </c:pt>
+                      <c:pt idx="2">
+                        <c:v>5.0639999999999998E-2</c:v>
+                      </c:pt>
+                      <c:pt idx="3">
+                        <c:v>0.12592</c:v>
+                      </c:pt>
+                      <c:pt idx="4">
+                        <c:v>0.18032000000000001</c:v>
+                      </c:pt>
+                      <c:pt idx="5">
+                        <c:v>0.29014000000000001</c:v>
+                      </c:pt>
+                      <c:pt idx="6">
+                        <c:v>0.32072000000000001</c:v>
+                      </c:pt>
+                      <c:pt idx="7">
+                        <c:v>0.35971999999999998</c:v>
+                      </c:pt>
+                    </c:numCache>
+                  </c:numRef>
+                </c:xVal>
+                <c:yVal>
+                  <c:numRef>
+                    <c:extLst xmlns:c15="http://schemas.microsoft.com/office/drawing/2012/chart">
+                      <c:ext xmlns:c15="http://schemas.microsoft.com/office/drawing/2012/chart" uri="{02D57815-91ED-43cb-92C2-25804820EDAC}">
+                        <c15:formulaRef>
+                          <c15:sqref>'Data combined'!$X$3:$X$10</c15:sqref>
+                        </c15:formulaRef>
+                      </c:ext>
+                    </c:extLst>
+                    <c:numCache>
+                      <c:formatCode>General</c:formatCode>
+                      <c:ptCount val="8"/>
+                      <c:pt idx="0">
+                        <c:v>1812.8</c:v>
+                      </c:pt>
+                      <c:pt idx="1">
+                        <c:v>1818.58</c:v>
+                      </c:pt>
+                      <c:pt idx="2">
+                        <c:v>1820.5</c:v>
+                      </c:pt>
+                      <c:pt idx="3">
+                        <c:v>1824.37</c:v>
+                      </c:pt>
+                      <c:pt idx="4">
+                        <c:v>1834</c:v>
+                      </c:pt>
+                      <c:pt idx="5">
+                        <c:v>1855.23</c:v>
+                      </c:pt>
+                      <c:pt idx="6">
+                        <c:v>1864.87</c:v>
+                      </c:pt>
+                      <c:pt idx="7">
+                        <c:v>1888</c:v>
+                      </c:pt>
+                    </c:numCache>
+                  </c:numRef>
+                </c:yVal>
+                <c:smooth val="1"/>
+                <c:extLst xmlns:c15="http://schemas.microsoft.com/office/drawing/2012/chart">
+                  <c:ext xmlns:c16="http://schemas.microsoft.com/office/drawing/2014/chart" uri="{C3380CC4-5D6E-409C-BE32-E72D297353CC}">
+                    <c16:uniqueId val="{00000005-EA54-7A43-8D39-E1C9773C4298}"/>
+                  </c:ext>
+                </c:extLst>
+              </c15:ser>
+            </c15:filteredScatterSeries>
+            <c15:filteredScatterSeries>
+              <c15:ser>
+                <c:idx val="4"/>
+                <c:order val="4"/>
+                <c:tx>
+                  <c:v>Isotherm + Experiment Area 475K</c:v>
+                </c:tx>
+                <c:spPr>
+                  <a:ln w="19050" cap="rnd">
+                    <a:solidFill>
+                      <a:srgbClr val="7030A0"/>
+                    </a:solidFill>
+                    <a:round/>
+                  </a:ln>
+                  <a:effectLst/>
+                </c:spPr>
+                <c:marker>
+                  <c:symbol val="circle"/>
+                  <c:size val="5"/>
+                  <c:spPr>
+                    <a:solidFill>
+                      <a:srgbClr val="7030A0"/>
+                    </a:solidFill>
+                    <a:ln w="9525">
+                      <a:solidFill>
+                        <a:srgbClr val="7030A0"/>
+                      </a:solidFill>
+                    </a:ln>
+                    <a:effectLst/>
+                  </c:spPr>
+                </c:marker>
+                <c:xVal>
+                  <c:numRef>
+                    <c:extLst xmlns:c15="http://schemas.microsoft.com/office/drawing/2012/chart">
+                      <c:ext xmlns:c15="http://schemas.microsoft.com/office/drawing/2012/chart" uri="{02D57815-91ED-43cb-92C2-25804820EDAC}">
+                        <c15:formulaRef>
+                          <c15:sqref>'Data combined'!$AJ$3:$AJ$10</c15:sqref>
+                        </c15:formulaRef>
+                      </c:ext>
+                    </c:extLst>
+                    <c:numCache>
+                      <c:formatCode>General</c:formatCode>
+                      <c:ptCount val="8"/>
+                      <c:pt idx="0">
+                        <c:v>3.0072000000000002E-2</c:v>
+                      </c:pt>
+                      <c:pt idx="1">
+                        <c:v>8.2005000000000008E-2</c:v>
+                      </c:pt>
+                      <c:pt idx="2">
+                        <c:v>0.13713</c:v>
+                      </c:pt>
+                      <c:pt idx="3">
+                        <c:v>0.23499</c:v>
+                      </c:pt>
+                      <c:pt idx="4">
+                        <c:v>0.28415100000000004</c:v>
+                      </c:pt>
+                      <c:pt idx="5">
+                        <c:v>0.36792000000000002</c:v>
+                      </c:pt>
+                      <c:pt idx="6">
+                        <c:v>0.38262000000000002</c:v>
+                      </c:pt>
+                      <c:pt idx="7">
+                        <c:v>0.40454400000000001</c:v>
+                      </c:pt>
+                    </c:numCache>
+                  </c:numRef>
+                </c:xVal>
+                <c:yVal>
+                  <c:numRef>
+                    <c:extLst xmlns:c15="http://schemas.microsoft.com/office/drawing/2012/chart">
+                      <c:ext xmlns:c15="http://schemas.microsoft.com/office/drawing/2012/chart" uri="{02D57815-91ED-43cb-92C2-25804820EDAC}">
+                        <c15:formulaRef>
+                          <c15:sqref>'Data combined'!$AH$3:$AH$10</c15:sqref>
+                        </c15:formulaRef>
+                      </c:ext>
+                    </c:extLst>
+                    <c:numCache>
+                      <c:formatCode>General</c:formatCode>
+                      <c:ptCount val="8"/>
+                      <c:pt idx="0">
+                        <c:v>1814.73</c:v>
+                      </c:pt>
+                      <c:pt idx="1">
+                        <c:v>1820.51</c:v>
+                      </c:pt>
+                      <c:pt idx="2">
+                        <c:v>1820.51</c:v>
+                      </c:pt>
+                      <c:pt idx="3">
+                        <c:v>1839.8</c:v>
+                      </c:pt>
+                      <c:pt idx="4">
+                        <c:v>1843.65</c:v>
+                      </c:pt>
+                      <c:pt idx="5">
+                        <c:v>1874.51</c:v>
+                      </c:pt>
+                      <c:pt idx="6">
+                        <c:v>1882.22</c:v>
+                      </c:pt>
+                      <c:pt idx="7">
+                        <c:v>1899.58</c:v>
+                      </c:pt>
+                    </c:numCache>
+                  </c:numRef>
+                </c:yVal>
+                <c:smooth val="1"/>
+                <c:extLst xmlns:c15="http://schemas.microsoft.com/office/drawing/2012/chart">
+                  <c:ext xmlns:c16="http://schemas.microsoft.com/office/drawing/2014/chart" uri="{C3380CC4-5D6E-409C-BE32-E72D297353CC}">
+                    <c16:uniqueId val="{00000006-EA54-7A43-8D39-E1C9773C4298}"/>
+                  </c:ext>
+                </c:extLst>
+              </c15:ser>
+            </c15:filteredScatterSeries>
+          </c:ext>
+        </c:extLst>
+      </c:scatterChart>
+      <c:valAx>
+        <c:axId val="647929440"/>
+        <c:scaling>
+          <c:orientation val="minMax"/>
+        </c:scaling>
+        <c:delete val="0"/>
+        <c:axPos val="b"/>
+        <c:majorGridlines>
+          <c:spPr>
+            <a:ln w="9525" cap="flat" cmpd="sng" algn="ctr">
+              <a:solidFill>
+                <a:schemeClr val="tx1">
+                  <a:lumMod val="15000"/>
+                  <a:lumOff val="85000"/>
+                </a:schemeClr>
+              </a:solidFill>
+              <a:round/>
+            </a:ln>
+            <a:effectLst/>
+          </c:spPr>
+        </c:majorGridlines>
+        <c:title>
+          <c:tx>
+            <c:rich>
+              <a:bodyPr rot="0" spcFirstLastPara="1" vertOverflow="ellipsis" vert="horz" wrap="square" anchor="ctr" anchorCtr="1"/>
+              <a:lstStyle/>
+              <a:p>
+                <a:pPr>
+                  <a:defRPr sz="1400" b="0" i="0" u="none" strike="noStrike" kern="1200" baseline="0">
+                    <a:solidFill>
+                      <a:schemeClr val="tx1"/>
+                    </a:solidFill>
+                    <a:latin typeface="Times New Roman" panose="02020603050405020304" pitchFamily="18" charset="0"/>
+                    <a:ea typeface="+mn-ea"/>
+                    <a:cs typeface="Times New Roman" panose="02020603050405020304" pitchFamily="18" charset="0"/>
+                  </a:defRPr>
+                </a:pPr>
+                <a:r>
+                  <a:rPr lang="en-US" sz="1400">
+                    <a:solidFill>
+                      <a:schemeClr val="tx1"/>
+                    </a:solidFill>
+                    <a:latin typeface="Times New Roman" panose="02020603050405020304" pitchFamily="18" charset="0"/>
+                    <a:cs typeface="Times New Roman" panose="02020603050405020304" pitchFamily="18" charset="0"/>
+                  </a:rPr>
+                  <a:t>Coverage</a:t>
+                </a:r>
+              </a:p>
+            </c:rich>
+          </c:tx>
+          <c:overlay val="0"/>
+          <c:spPr>
+            <a:noFill/>
+            <a:ln>
+              <a:noFill/>
+            </a:ln>
+            <a:effectLst/>
+          </c:spPr>
+          <c:txPr>
+            <a:bodyPr rot="0" spcFirstLastPara="1" vertOverflow="ellipsis" vert="horz" wrap="square" anchor="ctr" anchorCtr="1"/>
+            <a:lstStyle/>
+            <a:p>
+              <a:pPr>
+                <a:defRPr sz="1400" b="0" i="0" u="none" strike="noStrike" kern="1200" baseline="0">
+                  <a:solidFill>
+                    <a:schemeClr val="tx1"/>
+                  </a:solidFill>
+                  <a:latin typeface="Times New Roman" panose="02020603050405020304" pitchFamily="18" charset="0"/>
+                  <a:ea typeface="+mn-ea"/>
+                  <a:cs typeface="Times New Roman" panose="02020603050405020304" pitchFamily="18" charset="0"/>
+                </a:defRPr>
+              </a:pPr>
+              <a:endParaRPr lang="en-US"/>
+            </a:p>
+          </c:txPr>
+        </c:title>
+        <c:numFmt formatCode="General" sourceLinked="1"/>
+        <c:majorTickMark val="cross"/>
+        <c:minorTickMark val="in"/>
+        <c:tickLblPos val="nextTo"/>
+        <c:spPr>
+          <a:noFill/>
+          <a:ln w="12700" cap="flat" cmpd="sng" algn="ctr">
+            <a:solidFill>
+              <a:schemeClr val="tx1"/>
+            </a:solidFill>
+            <a:round/>
+          </a:ln>
+          <a:effectLst/>
+        </c:spPr>
+        <c:txPr>
+          <a:bodyPr rot="-60000000" spcFirstLastPara="1" vertOverflow="ellipsis" vert="horz" wrap="square" anchor="ctr" anchorCtr="1"/>
+          <a:lstStyle/>
+          <a:p>
+            <a:pPr>
+              <a:defRPr sz="1400" b="0" i="0" u="none" strike="noStrike" kern="1200" baseline="0">
+                <a:solidFill>
+                  <a:schemeClr val="tx1"/>
+                </a:solidFill>
+                <a:latin typeface="Times New Roman" panose="02020603050405020304" pitchFamily="18" charset="0"/>
+                <a:ea typeface="+mn-ea"/>
+                <a:cs typeface="Times New Roman" panose="02020603050405020304" pitchFamily="18" charset="0"/>
+              </a:defRPr>
+            </a:pPr>
+            <a:endParaRPr lang="en-US"/>
+          </a:p>
+        </c:txPr>
+        <c:crossAx val="648033856"/>
+        <c:crosses val="max"/>
+        <c:crossBetween val="midCat"/>
+      </c:valAx>
+      <c:valAx>
+        <c:axId val="648033856"/>
+        <c:scaling>
+          <c:orientation val="maxMin"/>
+        </c:scaling>
+        <c:delete val="0"/>
+        <c:axPos val="l"/>
+        <c:majorGridlines>
+          <c:spPr>
+            <a:ln w="9525" cap="flat" cmpd="sng" algn="ctr">
+              <a:solidFill>
+                <a:schemeClr val="tx1">
+                  <a:lumMod val="15000"/>
+                  <a:lumOff val="85000"/>
+                </a:schemeClr>
+              </a:solidFill>
+              <a:round/>
+            </a:ln>
+            <a:effectLst/>
+          </c:spPr>
+        </c:majorGridlines>
+        <c:title>
+          <c:tx>
+            <c:rich>
+              <a:bodyPr rot="-5400000" spcFirstLastPara="1" vertOverflow="ellipsis" vert="horz" wrap="square" anchor="ctr" anchorCtr="1"/>
+              <a:lstStyle/>
+              <a:p>
+                <a:pPr>
+                  <a:defRPr sz="1400" b="0" i="0" u="none" strike="noStrike" kern="1200" baseline="0">
+                    <a:solidFill>
+                      <a:schemeClr val="tx1"/>
+                    </a:solidFill>
+                    <a:latin typeface="Times New Roman" panose="02020603050405020304" pitchFamily="18" charset="0"/>
+                    <a:ea typeface="+mn-ea"/>
+                    <a:cs typeface="Times New Roman" panose="02020603050405020304" pitchFamily="18" charset="0"/>
+                  </a:defRPr>
+                </a:pPr>
+                <a:r>
+                  <a:rPr lang="en-US" sz="1400">
+                    <a:solidFill>
+                      <a:schemeClr val="tx1"/>
+                    </a:solidFill>
+                    <a:latin typeface="Times New Roman" panose="02020603050405020304" pitchFamily="18" charset="0"/>
+                    <a:cs typeface="Times New Roman" panose="02020603050405020304" pitchFamily="18" charset="0"/>
+                  </a:rPr>
+                  <a:t>Wavenumber(cm-1)</a:t>
+                </a:r>
+              </a:p>
+            </c:rich>
+          </c:tx>
+          <c:overlay val="0"/>
+          <c:spPr>
+            <a:noFill/>
+            <a:ln>
+              <a:noFill/>
+            </a:ln>
+            <a:effectLst/>
+          </c:spPr>
+          <c:txPr>
+            <a:bodyPr rot="-5400000" spcFirstLastPara="1" vertOverflow="ellipsis" vert="horz" wrap="square" anchor="ctr" anchorCtr="1"/>
+            <a:lstStyle/>
+            <a:p>
+              <a:pPr>
+                <a:defRPr sz="1400" b="0" i="0" u="none" strike="noStrike" kern="1200" baseline="0">
+                  <a:solidFill>
+                    <a:schemeClr val="tx1"/>
+                  </a:solidFill>
+                  <a:latin typeface="Times New Roman" panose="02020603050405020304" pitchFamily="18" charset="0"/>
+                  <a:ea typeface="+mn-ea"/>
+                  <a:cs typeface="Times New Roman" panose="02020603050405020304" pitchFamily="18" charset="0"/>
+                </a:defRPr>
+              </a:pPr>
+              <a:endParaRPr lang="en-US"/>
+            </a:p>
+          </c:txPr>
+        </c:title>
+        <c:numFmt formatCode="General" sourceLinked="1"/>
+        <c:majorTickMark val="cross"/>
+        <c:minorTickMark val="in"/>
+        <c:tickLblPos val="nextTo"/>
+        <c:spPr>
+          <a:noFill/>
+          <a:ln w="12700" cap="flat" cmpd="sng" algn="ctr">
+            <a:solidFill>
+              <a:schemeClr val="tx1"/>
+            </a:solidFill>
+            <a:round/>
+          </a:ln>
+          <a:effectLst/>
+        </c:spPr>
+        <c:txPr>
+          <a:bodyPr rot="-60000000" spcFirstLastPara="1" vertOverflow="ellipsis" vert="horz" wrap="square" anchor="ctr" anchorCtr="1"/>
+          <a:lstStyle/>
+          <a:p>
+            <a:pPr>
+              <a:defRPr sz="1400" b="0" i="0" u="none" strike="noStrike" kern="1200" baseline="0">
+                <a:solidFill>
+                  <a:schemeClr val="tx1"/>
+                </a:solidFill>
+                <a:latin typeface="Times New Roman" panose="02020603050405020304" pitchFamily="18" charset="0"/>
+                <a:ea typeface="+mn-ea"/>
+                <a:cs typeface="Times New Roman" panose="02020603050405020304" pitchFamily="18" charset="0"/>
+              </a:defRPr>
+            </a:pPr>
+            <a:endParaRPr lang="en-US"/>
+          </a:p>
+        </c:txPr>
+        <c:crossAx val="647929440"/>
+        <c:crosses val="autoZero"/>
+        <c:crossBetween val="midCat"/>
+      </c:valAx>
+      <c:spPr>
+        <a:noFill/>
+        <a:ln w="12700">
+          <a:solidFill>
+            <a:schemeClr val="tx1"/>
+          </a:solidFill>
+        </a:ln>
+        <a:effectLst/>
+      </c:spPr>
+    </c:plotArea>
+    <c:legend>
+      <c:legendPos val="r"/>
+      <c:layout>
+        <c:manualLayout>
+          <c:xMode val="edge"/>
+          <c:yMode val="edge"/>
+          <c:x val="0.54743235387256572"/>
+          <c:y val="8.85738587176957E-2"/>
+          <c:w val="0.44601884039103834"/>
+          <c:h val="0.2434198312619435"/>
+        </c:manualLayout>
+      </c:layout>
+      <c:overlay val="0"/>
+      <c:spPr>
+        <a:solidFill>
+          <a:schemeClr val="bg1"/>
+        </a:solidFill>
+        <a:ln w="12700">
+          <a:solidFill>
+            <a:schemeClr val="tx1"/>
+          </a:solidFill>
+        </a:ln>
+        <a:effectLst/>
+      </c:spPr>
+      <c:txPr>
+        <a:bodyPr rot="0" spcFirstLastPara="1" vertOverflow="ellipsis" vert="horz" wrap="square" anchor="ctr" anchorCtr="1"/>
+        <a:lstStyle/>
+        <a:p>
+          <a:pPr>
+            <a:defRPr sz="1200" b="0" i="0" u="none" strike="noStrike" kern="1200" baseline="0">
+              <a:solidFill>
+                <a:schemeClr val="tx1"/>
+              </a:solidFill>
+              <a:latin typeface="Times New Roman" panose="02020603050405020304" pitchFamily="18" charset="0"/>
+              <a:ea typeface="+mn-ea"/>
+              <a:cs typeface="Times New Roman" panose="02020603050405020304" pitchFamily="18" charset="0"/>
+            </a:defRPr>
+          </a:pPr>
+          <a:endParaRPr lang="en-US"/>
+        </a:p>
+      </c:txPr>
+    </c:legend>
+    <c:plotVisOnly val="1"/>
+    <c:dispBlanksAs val="gap"/>
+    <c:extLst>
+      <c:ext xmlns:c16r3="http://schemas.microsoft.com/office/drawing/2017/03/chart" uri="{56B9EC1D-385E-4148-901F-78D8002777C0}">
+        <c16r3:dataDisplayOptions16>
+          <c16r3:dispNaAsBlank val="1"/>
+        </c16r3:dataDisplayOptions16>
+      </c:ext>
+    </c:extLst>
+    <c:showDLblsOverMax val="0"/>
+  </c:chart>
+  <c:spPr>
+    <a:noFill/>
+    <a:ln>
+      <a:noFill/>
+    </a:ln>
+    <a:effectLst/>
+  </c:spPr>
+  <c:txPr>
+    <a:bodyPr/>
+    <a:lstStyle/>
+    <a:p>
+      <a:pPr>
+        <a:defRPr/>
+      </a:pPr>
+      <a:endParaRPr lang="en-US"/>
+    </a:p>
+  </c:txPr>
+  <c:externalData r:id="rId3">
+    <c:autoUpdate val="0"/>
+  </c:externalData>
+</c:chartSpace>
+</file>
+
+<file path=ppt/charts/chart2.xml><?xml version="1.0" encoding="utf-8"?>
+<c:chartSpace xmlns:c="http://schemas.openxmlformats.org/drawingml/2006/chart" xmlns:a="http://schemas.openxmlformats.org/drawingml/2006/main" xmlns:r="http://schemas.openxmlformats.org/officeDocument/2006/relationships" xmlns:c16r2="http://schemas.microsoft.com/office/drawing/2015/06/chart">
+  <c:date1904 val="0"/>
+  <c:lang val="en-US"/>
+  <c:roundedCorners val="0"/>
+  <mc:AlternateContent xmlns:mc="http://schemas.openxmlformats.org/markup-compatibility/2006">
+    <mc:Choice xmlns:c14="http://schemas.microsoft.com/office/drawing/2007/8/2/chart" Requires="c14">
+      <c14:style val="102"/>
+    </mc:Choice>
+    <mc:Fallback>
+      <c:style val="2"/>
+    </mc:Fallback>
+  </mc:AlternateContent>
+  <c:chart>
+    <c:autoTitleDeleted val="1"/>
+    <c:plotArea>
+      <c:layout/>
+      <c:scatterChart>
+        <c:scatterStyle val="smoothMarker"/>
+        <c:varyColors val="0"/>
+        <c:ser>
+          <c:idx val="0"/>
+          <c:order val="0"/>
+          <c:tx>
+            <c:v>450K</c:v>
+          </c:tx>
+          <c:spPr>
+            <a:ln w="19050" cap="rnd">
+              <a:solidFill>
+                <a:schemeClr val="accent1"/>
+              </a:solidFill>
+              <a:round/>
+            </a:ln>
+            <a:effectLst/>
+          </c:spPr>
+          <c:marker>
+            <c:symbol val="circle"/>
+            <c:size val="5"/>
+            <c:spPr>
+              <a:solidFill>
+                <a:schemeClr val="accent1"/>
+              </a:solidFill>
+              <a:ln w="9525">
+                <a:solidFill>
+                  <a:schemeClr val="accent1"/>
+                </a:solidFill>
+              </a:ln>
+              <a:effectLst/>
+            </c:spPr>
+          </c:marker>
+          <c:xVal>
+            <c:numRef>
+              <c:f>'Data combined'!$P$3:$P$9</c:f>
+              <c:numCache>
+                <c:formatCode>0.00E+00</c:formatCode>
+                <c:ptCount val="7"/>
+                <c:pt idx="0">
+                  <c:v>1E-8</c:v>
+                </c:pt>
+                <c:pt idx="1">
+                  <c:v>4.9999999999999998E-8</c:v>
+                </c:pt>
+                <c:pt idx="2">
+                  <c:v>9.9999999999999995E-8</c:v>
+                </c:pt>
+                <c:pt idx="3">
+                  <c:v>4.9999999999999998E-7</c:v>
+                </c:pt>
+                <c:pt idx="4">
+                  <c:v>9.9999999999999995E-7</c:v>
+                </c:pt>
+                <c:pt idx="5">
+                  <c:v>5.0000000000000004E-6</c:v>
+                </c:pt>
+                <c:pt idx="6">
+                  <c:v>1.0000000000000001E-5</c:v>
+                </c:pt>
+              </c:numCache>
+            </c:numRef>
+          </c:xVal>
+          <c:yVal>
+            <c:numRef>
+              <c:f>'Data combined'!$Q$3:$Q$9</c:f>
+              <c:numCache>
+                <c:formatCode>General</c:formatCode>
+                <c:ptCount val="7"/>
+                <c:pt idx="0">
+                  <c:v>1820</c:v>
+                </c:pt>
+                <c:pt idx="1">
+                  <c:v>1830.1546599999999</c:v>
+                </c:pt>
+                <c:pt idx="2">
+                  <c:v>1834.0116800000001</c:v>
+                </c:pt>
+                <c:pt idx="3">
+                  <c:v>1861.0108</c:v>
+                </c:pt>
+                <c:pt idx="4">
+                  <c:v>1872.58185</c:v>
+                </c:pt>
+                <c:pt idx="5">
+                  <c:v>1891.8669400000001</c:v>
+                </c:pt>
+                <c:pt idx="6">
+                  <c:v>1897.65246</c:v>
+                </c:pt>
+              </c:numCache>
+            </c:numRef>
+          </c:yVal>
+          <c:smooth val="1"/>
+          <c:extLst>
+            <c:ext xmlns:c16="http://schemas.microsoft.com/office/drawing/2014/chart" uri="{C3380CC4-5D6E-409C-BE32-E72D297353CC}">
+              <c16:uniqueId val="{00000000-B178-F04E-8D56-C4D0CC478EA9}"/>
+            </c:ext>
+          </c:extLst>
+        </c:ser>
+        <c:ser>
+          <c:idx val="1"/>
+          <c:order val="1"/>
+          <c:tx>
+            <c:v>475K</c:v>
+          </c:tx>
+          <c:spPr>
+            <a:ln w="19050" cap="rnd">
+              <a:solidFill>
+                <a:schemeClr val="accent2"/>
+              </a:solidFill>
+              <a:round/>
+            </a:ln>
+            <a:effectLst/>
+          </c:spPr>
+          <c:marker>
+            <c:symbol val="circle"/>
+            <c:size val="5"/>
+            <c:spPr>
+              <a:solidFill>
+                <a:schemeClr val="accent2"/>
+              </a:solidFill>
+              <a:ln w="9525">
+                <a:solidFill>
+                  <a:schemeClr val="accent2"/>
+                </a:solidFill>
+              </a:ln>
+              <a:effectLst/>
+            </c:spPr>
+          </c:marker>
+          <c:xVal>
+            <c:numRef>
+              <c:f>'Data combined'!$AG$3:$AG$9</c:f>
+              <c:numCache>
+                <c:formatCode>0.00E+00</c:formatCode>
+                <c:ptCount val="7"/>
+                <c:pt idx="0">
+                  <c:v>1.3000000000000001E-8</c:v>
+                </c:pt>
+                <c:pt idx="1">
+                  <c:v>5.2000000000000002E-8</c:v>
+                </c:pt>
+                <c:pt idx="2">
+                  <c:v>1.1600000000000001E-7</c:v>
+                </c:pt>
+                <c:pt idx="3">
+                  <c:v>4.8599999999999998E-7</c:v>
+                </c:pt>
+                <c:pt idx="4">
+                  <c:v>9.7600000000000006E-7</c:v>
+                </c:pt>
+                <c:pt idx="5">
+                  <c:v>5.3759999999999999E-6</c:v>
+                </c:pt>
+                <c:pt idx="6">
+                  <c:v>1.0976E-5</c:v>
+                </c:pt>
+              </c:numCache>
+            </c:numRef>
+          </c:xVal>
+          <c:yVal>
+            <c:numRef>
+              <c:f>'Data combined'!$AH$3:$AH$9</c:f>
+              <c:numCache>
+                <c:formatCode>General</c:formatCode>
+                <c:ptCount val="7"/>
+                <c:pt idx="0">
+                  <c:v>1814.73</c:v>
+                </c:pt>
+                <c:pt idx="1">
+                  <c:v>1820.51</c:v>
+                </c:pt>
+                <c:pt idx="2">
+                  <c:v>1820.51</c:v>
+                </c:pt>
+                <c:pt idx="3">
+                  <c:v>1839.8</c:v>
+                </c:pt>
+                <c:pt idx="4">
+                  <c:v>1843.65</c:v>
+                </c:pt>
+                <c:pt idx="5">
+                  <c:v>1874.51</c:v>
+                </c:pt>
+                <c:pt idx="6">
+                  <c:v>1882.22</c:v>
+                </c:pt>
+              </c:numCache>
+            </c:numRef>
+          </c:yVal>
+          <c:smooth val="1"/>
+          <c:extLst>
+            <c:ext xmlns:c16="http://schemas.microsoft.com/office/drawing/2014/chart" uri="{C3380CC4-5D6E-409C-BE32-E72D297353CC}">
+              <c16:uniqueId val="{00000001-B178-F04E-8D56-C4D0CC478EA9}"/>
+            </c:ext>
+          </c:extLst>
+        </c:ser>
+        <c:ser>
+          <c:idx val="2"/>
+          <c:order val="2"/>
+          <c:tx>
+            <c:v>490K</c:v>
+          </c:tx>
+          <c:spPr>
+            <a:ln w="19050" cap="rnd">
+              <a:solidFill>
+                <a:schemeClr val="accent3"/>
+              </a:solidFill>
+              <a:round/>
+            </a:ln>
+            <a:effectLst/>
+          </c:spPr>
+          <c:marker>
+            <c:symbol val="circle"/>
+            <c:size val="5"/>
+            <c:spPr>
+              <a:solidFill>
+                <a:schemeClr val="accent3"/>
+              </a:solidFill>
+              <a:ln w="9525">
+                <a:solidFill>
+                  <a:schemeClr val="accent3"/>
+                </a:solidFill>
+              </a:ln>
+              <a:effectLst/>
+            </c:spPr>
+          </c:marker>
+          <c:xVal>
+            <c:numRef>
+              <c:f>'Data combined'!$W$3:$W$9</c:f>
+              <c:numCache>
+                <c:formatCode>0.00E+00</c:formatCode>
+                <c:ptCount val="7"/>
+                <c:pt idx="0">
+                  <c:v>1E-8</c:v>
+                </c:pt>
+                <c:pt idx="1">
+                  <c:v>5.1499999999999998E-8</c:v>
+                </c:pt>
+                <c:pt idx="2">
+                  <c:v>1.1999999999999999E-7</c:v>
+                </c:pt>
+                <c:pt idx="3">
+                  <c:v>4.9999999999999998E-7</c:v>
+                </c:pt>
+                <c:pt idx="4">
+                  <c:v>1.1000000000000001E-6</c:v>
+                </c:pt>
+                <c:pt idx="5">
+                  <c:v>6.0000000000000002E-6</c:v>
+                </c:pt>
+                <c:pt idx="6">
+                  <c:v>1.1E-5</c:v>
+                </c:pt>
+              </c:numCache>
+            </c:numRef>
+          </c:xVal>
+          <c:yVal>
+            <c:numRef>
+              <c:f>'Data combined'!$X$3:$X$9</c:f>
+              <c:numCache>
+                <c:formatCode>General</c:formatCode>
+                <c:ptCount val="7"/>
+                <c:pt idx="0">
+                  <c:v>1812.8</c:v>
+                </c:pt>
+                <c:pt idx="1">
+                  <c:v>1818.58</c:v>
+                </c:pt>
+                <c:pt idx="2">
+                  <c:v>1820.5</c:v>
+                </c:pt>
+                <c:pt idx="3">
+                  <c:v>1824.37</c:v>
+                </c:pt>
+                <c:pt idx="4">
+                  <c:v>1834</c:v>
+                </c:pt>
+                <c:pt idx="5">
+                  <c:v>1855.23</c:v>
+                </c:pt>
+                <c:pt idx="6">
+                  <c:v>1864.87</c:v>
+                </c:pt>
+              </c:numCache>
+            </c:numRef>
+          </c:yVal>
+          <c:smooth val="1"/>
+          <c:extLst>
+            <c:ext xmlns:c16="http://schemas.microsoft.com/office/drawing/2014/chart" uri="{C3380CC4-5D6E-409C-BE32-E72D297353CC}">
+              <c16:uniqueId val="{00000002-B178-F04E-8D56-C4D0CC478EA9}"/>
+            </c:ext>
+          </c:extLst>
+        </c:ser>
+        <c:dLbls>
+          <c:showLegendKey val="0"/>
+          <c:showVal val="0"/>
+          <c:showCatName val="0"/>
+          <c:showSerName val="0"/>
+          <c:showPercent val="0"/>
+          <c:showBubbleSize val="0"/>
+        </c:dLbls>
+        <c:axId val="498187728"/>
+        <c:axId val="499081280"/>
+      </c:scatterChart>
+      <c:valAx>
+        <c:axId val="498187728"/>
+        <c:scaling>
+          <c:orientation val="minMax"/>
+        </c:scaling>
+        <c:delete val="0"/>
+        <c:axPos val="b"/>
+        <c:majorGridlines>
+          <c:spPr>
+            <a:ln w="9525" cap="flat" cmpd="sng" algn="ctr">
+              <a:solidFill>
+                <a:schemeClr val="tx1">
+                  <a:lumMod val="15000"/>
+                  <a:lumOff val="85000"/>
+                </a:schemeClr>
+              </a:solidFill>
+              <a:round/>
+            </a:ln>
+            <a:effectLst/>
+          </c:spPr>
+        </c:majorGridlines>
+        <c:title>
+          <c:tx>
+            <c:rich>
+              <a:bodyPr rot="0" spcFirstLastPara="1" vertOverflow="ellipsis" vert="horz" wrap="square" anchor="ctr" anchorCtr="1"/>
+              <a:lstStyle/>
+              <a:p>
+                <a:pPr>
+                  <a:defRPr sz="1000" b="0" i="0" u="none" strike="noStrike" kern="1200" baseline="0">
+                    <a:solidFill>
+                      <a:schemeClr val="tx1">
+                        <a:lumMod val="65000"/>
+                        <a:lumOff val="35000"/>
+                      </a:schemeClr>
+                    </a:solidFill>
+                    <a:latin typeface="+mn-lt"/>
+                    <a:ea typeface="+mn-ea"/>
+                    <a:cs typeface="+mn-cs"/>
+                  </a:defRPr>
+                </a:pPr>
+                <a:r>
+                  <a:rPr lang="en-US" sz="1600"/>
+                  <a:t>Pressure</a:t>
+                </a:r>
+              </a:p>
+            </c:rich>
+          </c:tx>
+          <c:overlay val="0"/>
+          <c:spPr>
+            <a:noFill/>
+            <a:ln>
+              <a:noFill/>
+            </a:ln>
+            <a:effectLst/>
+          </c:spPr>
+          <c:txPr>
+            <a:bodyPr rot="0" spcFirstLastPara="1" vertOverflow="ellipsis" vert="horz" wrap="square" anchor="ctr" anchorCtr="1"/>
+            <a:lstStyle/>
+            <a:p>
+              <a:pPr>
+                <a:defRPr sz="1000" b="0" i="0" u="none" strike="noStrike" kern="1200" baseline="0">
+                  <a:solidFill>
+                    <a:schemeClr val="tx1">
+                      <a:lumMod val="65000"/>
+                      <a:lumOff val="35000"/>
+                    </a:schemeClr>
+                  </a:solidFill>
+                  <a:latin typeface="+mn-lt"/>
+                  <a:ea typeface="+mn-ea"/>
+                  <a:cs typeface="+mn-cs"/>
+                </a:defRPr>
+              </a:pPr>
+              <a:endParaRPr lang="en-US"/>
+            </a:p>
+          </c:txPr>
+        </c:title>
+        <c:numFmt formatCode="0.00E+00" sourceLinked="1"/>
+        <c:majorTickMark val="none"/>
+        <c:minorTickMark val="none"/>
+        <c:tickLblPos val="nextTo"/>
+        <c:spPr>
+          <a:noFill/>
+          <a:ln w="9525" cap="flat" cmpd="sng" algn="ctr">
+            <a:solidFill>
+              <a:schemeClr val="tx1">
+                <a:lumMod val="25000"/>
+                <a:lumOff val="75000"/>
+              </a:schemeClr>
+            </a:solidFill>
+            <a:round/>
+          </a:ln>
+          <a:effectLst/>
+        </c:spPr>
+        <c:txPr>
+          <a:bodyPr rot="-60000000" spcFirstLastPara="1" vertOverflow="ellipsis" vert="horz" wrap="square" anchor="ctr" anchorCtr="1"/>
+          <a:lstStyle/>
+          <a:p>
+            <a:pPr>
+              <a:defRPr sz="900" b="0" i="0" u="none" strike="noStrike" kern="1200" baseline="0">
+                <a:solidFill>
+                  <a:schemeClr val="tx1">
+                    <a:lumMod val="65000"/>
+                    <a:lumOff val="35000"/>
+                  </a:schemeClr>
+                </a:solidFill>
+                <a:latin typeface="+mn-lt"/>
+                <a:ea typeface="+mn-ea"/>
+                <a:cs typeface="+mn-cs"/>
+              </a:defRPr>
+            </a:pPr>
+            <a:endParaRPr lang="en-US"/>
+          </a:p>
+        </c:txPr>
+        <c:crossAx val="499081280"/>
+        <c:crosses val="autoZero"/>
+        <c:crossBetween val="midCat"/>
+      </c:valAx>
+      <c:valAx>
+        <c:axId val="499081280"/>
+        <c:scaling>
+          <c:orientation val="minMax"/>
+        </c:scaling>
+        <c:delete val="0"/>
+        <c:axPos val="l"/>
+        <c:majorGridlines>
+          <c:spPr>
+            <a:ln w="9525" cap="flat" cmpd="sng" algn="ctr">
+              <a:solidFill>
+                <a:schemeClr val="tx1">
+                  <a:lumMod val="15000"/>
+                  <a:lumOff val="85000"/>
+                </a:schemeClr>
+              </a:solidFill>
+              <a:round/>
+            </a:ln>
+            <a:effectLst/>
+          </c:spPr>
+        </c:majorGridlines>
+        <c:title>
+          <c:tx>
+            <c:rich>
+              <a:bodyPr rot="-5400000" spcFirstLastPara="1" vertOverflow="ellipsis" vert="horz" wrap="square" anchor="ctr" anchorCtr="1"/>
+              <a:lstStyle/>
+              <a:p>
+                <a:pPr>
+                  <a:defRPr sz="1000" b="0" i="0" u="none" strike="noStrike" kern="1200" baseline="0">
+                    <a:solidFill>
+                      <a:schemeClr val="tx1">
+                        <a:lumMod val="65000"/>
+                        <a:lumOff val="35000"/>
+                      </a:schemeClr>
+                    </a:solidFill>
+                    <a:latin typeface="+mn-lt"/>
+                    <a:ea typeface="+mn-ea"/>
+                    <a:cs typeface="+mn-cs"/>
+                  </a:defRPr>
+                </a:pPr>
+                <a:r>
+                  <a:rPr lang="en-US" sz="1600"/>
+                  <a:t>Wavenumber</a:t>
+                </a:r>
+              </a:p>
+            </c:rich>
+          </c:tx>
+          <c:overlay val="0"/>
+          <c:spPr>
+            <a:noFill/>
+            <a:ln>
+              <a:noFill/>
+            </a:ln>
+            <a:effectLst/>
+          </c:spPr>
+          <c:txPr>
+            <a:bodyPr rot="-5400000" spcFirstLastPara="1" vertOverflow="ellipsis" vert="horz" wrap="square" anchor="ctr" anchorCtr="1"/>
+            <a:lstStyle/>
+            <a:p>
+              <a:pPr>
+                <a:defRPr sz="1000" b="0" i="0" u="none" strike="noStrike" kern="1200" baseline="0">
+                  <a:solidFill>
+                    <a:schemeClr val="tx1">
+                      <a:lumMod val="65000"/>
+                      <a:lumOff val="35000"/>
+                    </a:schemeClr>
+                  </a:solidFill>
+                  <a:latin typeface="+mn-lt"/>
+                  <a:ea typeface="+mn-ea"/>
+                  <a:cs typeface="+mn-cs"/>
+                </a:defRPr>
+              </a:pPr>
+              <a:endParaRPr lang="en-US"/>
+            </a:p>
+          </c:txPr>
+        </c:title>
+        <c:numFmt formatCode="General" sourceLinked="1"/>
+        <c:majorTickMark val="none"/>
+        <c:minorTickMark val="none"/>
+        <c:tickLblPos val="nextTo"/>
+        <c:spPr>
+          <a:noFill/>
+          <a:ln w="9525" cap="flat" cmpd="sng" algn="ctr">
+            <a:solidFill>
+              <a:schemeClr val="tx1">
+                <a:lumMod val="25000"/>
+                <a:lumOff val="75000"/>
+              </a:schemeClr>
+            </a:solidFill>
+            <a:round/>
+          </a:ln>
+          <a:effectLst/>
+        </c:spPr>
+        <c:txPr>
+          <a:bodyPr rot="-60000000" spcFirstLastPara="1" vertOverflow="ellipsis" vert="horz" wrap="square" anchor="ctr" anchorCtr="1"/>
+          <a:lstStyle/>
+          <a:p>
+            <a:pPr>
+              <a:defRPr sz="900" b="0" i="0" u="none" strike="noStrike" kern="1200" baseline="0">
+                <a:solidFill>
+                  <a:schemeClr val="tx1">
+                    <a:lumMod val="65000"/>
+                    <a:lumOff val="35000"/>
+                  </a:schemeClr>
+                </a:solidFill>
+                <a:latin typeface="+mn-lt"/>
+                <a:ea typeface="+mn-ea"/>
+                <a:cs typeface="+mn-cs"/>
+              </a:defRPr>
+            </a:pPr>
+            <a:endParaRPr lang="en-US"/>
+          </a:p>
+        </c:txPr>
+        <c:crossAx val="498187728"/>
+        <c:crosses val="autoZero"/>
+        <c:crossBetween val="midCat"/>
+      </c:valAx>
+      <c:spPr>
+        <a:noFill/>
+        <a:ln>
+          <a:noFill/>
+        </a:ln>
+        <a:effectLst/>
+      </c:spPr>
+    </c:plotArea>
+    <c:legend>
+      <c:legendPos val="t"/>
+      <c:overlay val="0"/>
+      <c:spPr>
+        <a:noFill/>
+        <a:ln>
+          <a:noFill/>
+        </a:ln>
+        <a:effectLst/>
+      </c:spPr>
+      <c:txPr>
+        <a:bodyPr rot="0" spcFirstLastPara="1" vertOverflow="ellipsis" vert="horz" wrap="square" anchor="ctr" anchorCtr="1"/>
+        <a:lstStyle/>
+        <a:p>
+          <a:pPr>
+            <a:defRPr sz="1600" b="0" i="0" u="none" strike="noStrike" kern="1200" baseline="0">
+              <a:solidFill>
+                <a:schemeClr val="tx1">
+                  <a:lumMod val="65000"/>
+                  <a:lumOff val="35000"/>
+                </a:schemeClr>
+              </a:solidFill>
+              <a:latin typeface="+mn-lt"/>
+              <a:ea typeface="+mn-ea"/>
+              <a:cs typeface="+mn-cs"/>
+            </a:defRPr>
+          </a:pPr>
+          <a:endParaRPr lang="en-US"/>
+        </a:p>
+      </c:txPr>
+    </c:legend>
+    <c:plotVisOnly val="1"/>
+    <c:dispBlanksAs val="gap"/>
+    <c:extLst>
+      <c:ext xmlns:c16r3="http://schemas.microsoft.com/office/drawing/2017/03/chart" uri="{56B9EC1D-385E-4148-901F-78D8002777C0}">
+        <c16r3:dataDisplayOptions16>
+          <c16r3:dispNaAsBlank val="1"/>
+        </c16r3:dataDisplayOptions16>
+      </c:ext>
+    </c:extLst>
+    <c:showDLblsOverMax val="0"/>
+  </c:chart>
+  <c:spPr>
+    <a:noFill/>
+    <a:ln>
+      <a:noFill/>
+    </a:ln>
+    <a:effectLst/>
+  </c:spPr>
+  <c:txPr>
+    <a:bodyPr/>
+    <a:lstStyle/>
+    <a:p>
+      <a:pPr>
+        <a:defRPr/>
+      </a:pPr>
+      <a:endParaRPr lang="en-US"/>
+    </a:p>
+  </c:txPr>
+  <c:externalData r:id="rId3">
+    <c:autoUpdate val="0"/>
+  </c:externalData>
+</c:chartSpace>
+</file>
+
+<file path=ppt/charts/colors1.xml><?xml version="1.0" encoding="utf-8"?>
+<cs:colorStyle xmlns:cs="http://schemas.microsoft.com/office/drawing/2012/chartStyle" xmlns:a="http://schemas.openxmlformats.org/drawingml/2006/main" meth="cycle" id="10">
+  <a:schemeClr val="accent1"/>
+  <a:schemeClr val="accent2"/>
+  <a:schemeClr val="accent3"/>
+  <a:schemeClr val="accent4"/>
+  <a:schemeClr val="accent5"/>
+  <a:schemeClr val="accent6"/>
+  <cs:variation/>
+  <cs:variation>
+    <a:lumMod val="60000"/>
+  </cs:variation>
+  <cs:variation>
+    <a:lumMod val="80000"/>
+    <a:lumOff val="20000"/>
+  </cs:variation>
+  <cs:variation>
+    <a:lumMod val="80000"/>
+  </cs:variation>
+  <cs:variation>
+    <a:lumMod val="60000"/>
+    <a:lumOff val="40000"/>
+  </cs:variation>
+  <cs:variation>
+    <a:lumMod val="50000"/>
+  </cs:variation>
+  <cs:variation>
+    <a:lumMod val="70000"/>
+    <a:lumOff val="30000"/>
+  </cs:variation>
+  <cs:variation>
+    <a:lumMod val="70000"/>
+  </cs:variation>
+  <cs:variation>
+    <a:lumMod val="50000"/>
+    <a:lumOff val="50000"/>
+  </cs:variation>
+</cs:colorStyle>
+</file>
+
+<file path=ppt/charts/colors2.xml><?xml version="1.0" encoding="utf-8"?>
+<cs:colorStyle xmlns:cs="http://schemas.microsoft.com/office/drawing/2012/chartStyle" xmlns:a="http://schemas.openxmlformats.org/drawingml/2006/main" meth="cycle" id="10">
+  <a:schemeClr val="accent1"/>
+  <a:schemeClr val="accent2"/>
+  <a:schemeClr val="accent3"/>
+  <a:schemeClr val="accent4"/>
+  <a:schemeClr val="accent5"/>
+  <a:schemeClr val="accent6"/>
+  <cs:variation/>
+  <cs:variation>
+    <a:lumMod val="60000"/>
+  </cs:variation>
+  <cs:variation>
+    <a:lumMod val="80000"/>
+    <a:lumOff val="20000"/>
+  </cs:variation>
+  <cs:variation>
+    <a:lumMod val="80000"/>
+  </cs:variation>
+  <cs:variation>
+    <a:lumMod val="60000"/>
+    <a:lumOff val="40000"/>
+  </cs:variation>
+  <cs:variation>
+    <a:lumMod val="50000"/>
+  </cs:variation>
+  <cs:variation>
+    <a:lumMod val="70000"/>
+    <a:lumOff val="30000"/>
+  </cs:variation>
+  <cs:variation>
+    <a:lumMod val="70000"/>
+  </cs:variation>
+  <cs:variation>
+    <a:lumMod val="50000"/>
+    <a:lumOff val="50000"/>
+  </cs:variation>
+</cs:colorStyle>
+</file>
+
+<file path=ppt/charts/style1.xml><?xml version="1.0" encoding="utf-8"?>
+<cs:chartStyle xmlns:cs="http://schemas.microsoft.com/office/drawing/2012/chartStyle" xmlns:a="http://schemas.openxmlformats.org/drawingml/2006/main" id="240">
+  <cs:axisTitle>
+    <cs:lnRef idx="0"/>
+    <cs:fillRef idx="0"/>
+    <cs:effectRef idx="0"/>
+    <cs:fontRef idx="minor">
+      <a:schemeClr val="tx1">
+        <a:lumMod val="65000"/>
+        <a:lumOff val="35000"/>
+      </a:schemeClr>
+    </cs:fontRef>
+    <cs:defRPr sz="1000" kern="1200"/>
+  </cs:axisTitle>
+  <cs:categoryAxis>
+    <cs:lnRef idx="0"/>
+    <cs:fillRef idx="0"/>
+    <cs:effectRef idx="0"/>
+    <cs:fontRef idx="minor">
+      <a:schemeClr val="tx1">
+        <a:lumMod val="65000"/>
+        <a:lumOff val="35000"/>
+      </a:schemeClr>
+    </cs:fontRef>
+    <cs:spPr>
+      <a:ln w="9525" cap="flat" cmpd="sng" algn="ctr">
+        <a:solidFill>
+          <a:schemeClr val="tx1">
+            <a:lumMod val="25000"/>
+            <a:lumOff val="75000"/>
+          </a:schemeClr>
+        </a:solidFill>
+        <a:round/>
+      </a:ln>
+    </cs:spPr>
+    <cs:defRPr sz="900" kern="1200"/>
+  </cs:categoryAxis>
+  <cs:chartArea mods="allowNoFillOverride allowNoLineOverride">
+    <cs:lnRef idx="0"/>
+    <cs:fillRef idx="0"/>
+    <cs:effectRef idx="0"/>
+    <cs:fontRef idx="minor">
+      <a:schemeClr val="tx1"/>
+    </cs:fontRef>
+    <cs:spPr>
+      <a:solidFill>
+        <a:schemeClr val="bg1"/>
+      </a:solidFill>
+      <a:ln w="9525" cap="flat" cmpd="sng" algn="ctr">
+        <a:solidFill>
+          <a:schemeClr val="tx1">
+            <a:lumMod val="15000"/>
+            <a:lumOff val="85000"/>
+          </a:schemeClr>
+        </a:solidFill>
+        <a:round/>
+      </a:ln>
+    </cs:spPr>
+    <cs:defRPr sz="1000" kern="1200"/>
+  </cs:chartArea>
+  <cs:dataLabel>
+    <cs:lnRef idx="0"/>
+    <cs:fillRef idx="0"/>
+    <cs:effectRef idx="0"/>
+    <cs:fontRef idx="minor">
+      <a:schemeClr val="tx1">
+        <a:lumMod val="75000"/>
+        <a:lumOff val="25000"/>
+      </a:schemeClr>
+    </cs:fontRef>
+    <cs:defRPr sz="900" kern="1200"/>
+  </cs:dataLabel>
+  <cs:dataLabelCallout>
+    <cs:lnRef idx="0"/>
+    <cs:fillRef idx="0"/>
+    <cs:effectRef idx="0"/>
+    <cs:fontRef idx="minor">
+      <a:schemeClr val="dk1">
+        <a:lumMod val="65000"/>
+        <a:lumOff val="35000"/>
+      </a:schemeClr>
+    </cs:fontRef>
+    <cs:spPr>
+      <a:solidFill>
+        <a:schemeClr val="lt1"/>
+      </a:solidFill>
+      <a:ln>
+        <a:solidFill>
+          <a:schemeClr val="dk1">
+            <a:lumMod val="25000"/>
+            <a:lumOff val="75000"/>
+          </a:schemeClr>
+        </a:solidFill>
+      </a:ln>
+    </cs:spPr>
+    <cs:defRPr sz="900" kern="1200"/>
+    <cs:bodyPr rot="0" spcFirstLastPara="1" vertOverflow="clip" horzOverflow="clip" vert="horz" wrap="square" lIns="36576" tIns="18288" rIns="36576" bIns="18288" anchor="ctr" anchorCtr="1">
+      <a:spAutoFit/>
+    </cs:bodyPr>
+  </cs:dataLabelCallout>
+  <cs:dataPoint>
+    <cs:lnRef idx="0"/>
+    <cs:fillRef idx="1">
+      <cs:styleClr val="auto"/>
+    </cs:fillRef>
+    <cs:effectRef idx="0"/>
+    <cs:fontRef idx="minor">
+      <a:schemeClr val="tx1"/>
+    </cs:fontRef>
+  </cs:dataPoint>
+  <cs:dataPoint3D>
+    <cs:lnRef idx="0"/>
+    <cs:fillRef idx="1">
+      <cs:styleClr val="auto"/>
+    </cs:fillRef>
+    <cs:effectRef idx="0"/>
+    <cs:fontRef idx="minor">
+      <a:schemeClr val="tx1"/>
+    </cs:fontRef>
+  </cs:dataPoint3D>
+  <cs:dataPointLine>
+    <cs:lnRef idx="0">
+      <cs:styleClr val="auto"/>
+    </cs:lnRef>
+    <cs:fillRef idx="1"/>
+    <cs:effectRef idx="0"/>
+    <cs:fontRef idx="minor">
+      <a:schemeClr val="tx1"/>
+    </cs:fontRef>
+    <cs:spPr>
+      <a:ln w="19050" cap="rnd">
+        <a:solidFill>
+          <a:schemeClr val="phClr"/>
+        </a:solidFill>
+        <a:round/>
+      </a:ln>
+    </cs:spPr>
+  </cs:dataPointLine>
+  <cs:dataPointMarker>
+    <cs:lnRef idx="0">
+      <cs:styleClr val="auto"/>
+    </cs:lnRef>
+    <cs:fillRef idx="1">
+      <cs:styleClr val="auto"/>
+    </cs:fillRef>
+    <cs:effectRef idx="0"/>
+    <cs:fontRef idx="minor">
+      <a:schemeClr val="tx1"/>
+    </cs:fontRef>
+    <cs:spPr>
+      <a:ln w="9525">
+        <a:solidFill>
+          <a:schemeClr val="phClr"/>
+        </a:solidFill>
+      </a:ln>
+    </cs:spPr>
+  </cs:dataPointMarker>
+  <cs:dataPointMarkerLayout symbol="circle" size="5"/>
+  <cs:dataPointWireframe>
+    <cs:lnRef idx="0">
+      <cs:styleClr val="auto"/>
+    </cs:lnRef>
+    <cs:fillRef idx="0"/>
+    <cs:effectRef idx="0"/>
+    <cs:fontRef idx="minor">
+      <a:schemeClr val="dk1"/>
+    </cs:fontRef>
+    <cs:spPr>
+      <a:ln w="9525" cap="rnd">
+        <a:solidFill>
+          <a:schemeClr val="phClr"/>
+        </a:solidFill>
+        <a:round/>
+      </a:ln>
+    </cs:spPr>
+  </cs:dataPointWireframe>
+  <cs:dataTable>
+    <cs:lnRef idx="0"/>
+    <cs:fillRef idx="0"/>
+    <cs:effectRef idx="0"/>
+    <cs:fontRef idx="minor">
+      <a:schemeClr val="tx1">
+        <a:lumMod val="65000"/>
+        <a:lumOff val="35000"/>
+      </a:schemeClr>
+    </cs:fontRef>
+    <cs:spPr>
+      <a:noFill/>
+      <a:ln w="9525" cap="flat" cmpd="sng" algn="ctr">
+        <a:solidFill>
+          <a:schemeClr val="tx1">
+            <a:lumMod val="15000"/>
+            <a:lumOff val="85000"/>
+          </a:schemeClr>
+        </a:solidFill>
+        <a:round/>
+      </a:ln>
+    </cs:spPr>
+    <cs:defRPr sz="900" kern="1200"/>
+  </cs:dataTable>
+  <cs:downBar>
+    <cs:lnRef idx="0"/>
+    <cs:fillRef idx="0"/>
+    <cs:effectRef idx="0"/>
+    <cs:fontRef idx="minor">
+      <a:schemeClr val="tx1"/>
+    </cs:fontRef>
+    <cs:spPr>
+      <a:solidFill>
+        <a:schemeClr val="dk1">
+          <a:lumMod val="75000"/>
+          <a:lumOff val="25000"/>
+        </a:schemeClr>
+      </a:solidFill>
+      <a:ln w="9525" cap="flat" cmpd="sng" algn="ctr">
+        <a:solidFill>
+          <a:schemeClr val="tx1">
+            <a:lumMod val="65000"/>
+            <a:lumOff val="35000"/>
+          </a:schemeClr>
+        </a:solidFill>
+        <a:round/>
+      </a:ln>
+    </cs:spPr>
+  </cs:downBar>
+  <cs:dropLine>
+    <cs:lnRef idx="0"/>
+    <cs:fillRef idx="0"/>
+    <cs:effectRef idx="0"/>
+    <cs:fontRef idx="minor">
+      <a:schemeClr val="tx1"/>
+    </cs:fontRef>
+    <cs:spPr>
+      <a:ln w="9525" cap="flat" cmpd="sng" algn="ctr">
+        <a:solidFill>
+          <a:schemeClr val="tx1">
+            <a:lumMod val="35000"/>
+            <a:lumOff val="65000"/>
+          </a:schemeClr>
+        </a:solidFill>
+        <a:round/>
+      </a:ln>
+    </cs:spPr>
+  </cs:dropLine>
+  <cs:errorBar>
+    <cs:lnRef idx="0"/>
+    <cs:fillRef idx="0"/>
+    <cs:effectRef idx="0"/>
+    <cs:fontRef idx="minor">
+      <a:schemeClr val="tx1"/>
+    </cs:fontRef>
+    <cs:spPr>
+      <a:ln w="9525" cap="flat" cmpd="sng" algn="ctr">
+        <a:solidFill>
+          <a:schemeClr val="tx1">
+            <a:lumMod val="65000"/>
+            <a:lumOff val="35000"/>
+          </a:schemeClr>
+        </a:solidFill>
+        <a:round/>
+      </a:ln>
+    </cs:spPr>
+  </cs:errorBar>
+  <cs:floor>
+    <cs:lnRef idx="0"/>
+    <cs:fillRef idx="0"/>
+    <cs:effectRef idx="0"/>
+    <cs:fontRef idx="minor">
+      <a:schemeClr val="tx1"/>
+    </cs:fontRef>
+    <cs:spPr>
+      <a:noFill/>
+      <a:ln>
+        <a:noFill/>
+      </a:ln>
+    </cs:spPr>
+  </cs:floor>
+  <cs:gridlineMajor>
+    <cs:lnRef idx="0"/>
+    <cs:fillRef idx="0"/>
+    <cs:effectRef idx="0"/>
+    <cs:fontRef idx="minor">
+      <a:schemeClr val="tx1"/>
+    </cs:fontRef>
+    <cs:spPr>
+      <a:ln w="9525" cap="flat" cmpd="sng" algn="ctr">
+        <a:solidFill>
+          <a:schemeClr val="tx1">
+            <a:lumMod val="15000"/>
+            <a:lumOff val="85000"/>
+          </a:schemeClr>
+        </a:solidFill>
+        <a:round/>
+      </a:ln>
+    </cs:spPr>
+  </cs:gridlineMajor>
+  <cs:gridlineMinor>
+    <cs:lnRef idx="0"/>
+    <cs:fillRef idx="0"/>
+    <cs:effectRef idx="0"/>
+    <cs:fontRef idx="minor">
+      <a:schemeClr val="tx1"/>
+    </cs:fontRef>
+    <cs:spPr>
+      <a:ln w="9525" cap="flat" cmpd="sng" algn="ctr">
+        <a:solidFill>
+          <a:schemeClr val="tx1">
+            <a:lumMod val="5000"/>
+            <a:lumOff val="95000"/>
+          </a:schemeClr>
+        </a:solidFill>
+        <a:round/>
+      </a:ln>
+    </cs:spPr>
+  </cs:gridlineMinor>
+  <cs:hiLoLine>
+    <cs:lnRef idx="0"/>
+    <cs:fillRef idx="0"/>
+    <cs:effectRef idx="0"/>
+    <cs:fontRef idx="minor">
+      <a:schemeClr val="tx1"/>
+    </cs:fontRef>
+    <cs:spPr>
+      <a:ln w="9525" cap="flat" cmpd="sng" algn="ctr">
+        <a:solidFill>
+          <a:schemeClr val="tx1">
+            <a:lumMod val="50000"/>
+            <a:lumOff val="50000"/>
+          </a:schemeClr>
+        </a:solidFill>
+        <a:round/>
+      </a:ln>
+    </cs:spPr>
+  </cs:hiLoLine>
+  <cs:leaderLine>
+    <cs:lnRef idx="0"/>
+    <cs:fillRef idx="0"/>
+    <cs:effectRef idx="0"/>
+    <cs:fontRef idx="minor">
+      <a:schemeClr val="tx1"/>
+    </cs:fontRef>
+    <cs:spPr>
+      <a:ln w="9525" cap="flat" cmpd="sng" algn="ctr">
+        <a:solidFill>
+          <a:schemeClr val="tx1">
+            <a:lumMod val="35000"/>
+            <a:lumOff val="65000"/>
+          </a:schemeClr>
+        </a:solidFill>
+        <a:round/>
+      </a:ln>
+    </cs:spPr>
+  </cs:leaderLine>
+  <cs:legend>
+    <cs:lnRef idx="0"/>
+    <cs:fillRef idx="0"/>
+    <cs:effectRef idx="0"/>
+    <cs:fontRef idx="minor">
+      <a:schemeClr val="tx1">
+        <a:lumMod val="65000"/>
+        <a:lumOff val="35000"/>
+      </a:schemeClr>
+    </cs:fontRef>
+    <cs:defRPr sz="900" kern="1200"/>
+  </cs:legend>
+  <cs:plotArea mods="allowNoFillOverride allowNoLineOverride">
+    <cs:lnRef idx="0"/>
+    <cs:fillRef idx="0"/>
+    <cs:effectRef idx="0"/>
+    <cs:fontRef idx="minor">
+      <a:schemeClr val="tx1"/>
+    </cs:fontRef>
+  </cs:plotArea>
+  <cs:plotArea3D mods="allowNoFillOverride allowNoLineOverride">
+    <cs:lnRef idx="0"/>
+    <cs:fillRef idx="0"/>
+    <cs:effectRef idx="0"/>
+    <cs:fontRef idx="minor">
+      <a:schemeClr val="tx1"/>
+    </cs:fontRef>
+  </cs:plotArea3D>
+  <cs:seriesAxis>
+    <cs:lnRef idx="0"/>
+    <cs:fillRef idx="0"/>
+    <cs:effectRef idx="0"/>
+    <cs:fontRef idx="minor">
+      <a:schemeClr val="tx1">
+        <a:lumMod val="65000"/>
+        <a:lumOff val="35000"/>
+      </a:schemeClr>
+    </cs:fontRef>
+    <cs:defRPr sz="900" kern="1200"/>
+  </cs:seriesAxis>
+  <cs:seriesLine>
+    <cs:lnRef idx="0"/>
+    <cs:fillRef idx="0"/>
+    <cs:effectRef idx="0"/>
+    <cs:fontRef idx="minor">
+      <a:schemeClr val="tx1"/>
+    </cs:fontRef>
+    <cs:spPr>
+      <a:ln w="9525" cap="flat" cmpd="sng" algn="ctr">
+        <a:solidFill>
+          <a:schemeClr val="tx1">
+            <a:lumMod val="35000"/>
+            <a:lumOff val="65000"/>
+          </a:schemeClr>
+        </a:solidFill>
+        <a:round/>
+      </a:ln>
+    </cs:spPr>
+  </cs:seriesLine>
+  <cs:title>
+    <cs:lnRef idx="0"/>
+    <cs:fillRef idx="0"/>
+    <cs:effectRef idx="0"/>
+    <cs:fontRef idx="minor">
+      <a:schemeClr val="tx1">
+        <a:lumMod val="65000"/>
+        <a:lumOff val="35000"/>
+      </a:schemeClr>
+    </cs:fontRef>
+    <cs:defRPr sz="1400" b="0" kern="1200" spc="0" baseline="0"/>
+  </cs:title>
+  <cs:trendline>
+    <cs:lnRef idx="0">
+      <cs:styleClr val="auto"/>
+    </cs:lnRef>
+    <cs:fillRef idx="0"/>
+    <cs:effectRef idx="0"/>
+    <cs:fontRef idx="minor">
+      <a:schemeClr val="tx1"/>
+    </cs:fontRef>
+    <cs:spPr>
+      <a:ln w="19050" cap="rnd">
+        <a:solidFill>
+          <a:schemeClr val="phClr"/>
+        </a:solidFill>
+        <a:prstDash val="sysDot"/>
+      </a:ln>
+    </cs:spPr>
+  </cs:trendline>
+  <cs:trendlineLabel>
+    <cs:lnRef idx="0"/>
+    <cs:fillRef idx="0"/>
+    <cs:effectRef idx="0"/>
+    <cs:fontRef idx="minor">
+      <a:schemeClr val="tx1">
+        <a:lumMod val="65000"/>
+        <a:lumOff val="35000"/>
+      </a:schemeClr>
+    </cs:fontRef>
+    <cs:defRPr sz="900" kern="1200"/>
+  </cs:trendlineLabel>
+  <cs:upBar>
+    <cs:lnRef idx="0"/>
+    <cs:fillRef idx="0"/>
+    <cs:effectRef idx="0"/>
+    <cs:fontRef idx="minor">
+      <a:schemeClr val="tx1"/>
+    </cs:fontRef>
+    <cs:spPr>
+      <a:solidFill>
+        <a:schemeClr val="lt1"/>
+      </a:solidFill>
+      <a:ln w="9525" cap="flat" cmpd="sng" algn="ctr">
+        <a:solidFill>
+          <a:schemeClr val="tx1">
+            <a:lumMod val="65000"/>
+            <a:lumOff val="35000"/>
+          </a:schemeClr>
+        </a:solidFill>
+        <a:round/>
+      </a:ln>
+    </cs:spPr>
+  </cs:upBar>
+  <cs:valueAxis>
+    <cs:lnRef idx="0"/>
+    <cs:fillRef idx="0"/>
+    <cs:effectRef idx="0"/>
+    <cs:fontRef idx="minor">
+      <a:schemeClr val="tx1">
+        <a:lumMod val="65000"/>
+        <a:lumOff val="35000"/>
+      </a:schemeClr>
+    </cs:fontRef>
+    <cs:spPr>
+      <a:ln w="9525" cap="flat" cmpd="sng" algn="ctr">
+        <a:solidFill>
+          <a:schemeClr val="tx1">
+            <a:lumMod val="25000"/>
+            <a:lumOff val="75000"/>
+          </a:schemeClr>
+        </a:solidFill>
+        <a:round/>
+      </a:ln>
+    </cs:spPr>
+    <cs:defRPr sz="900" kern="1200"/>
+  </cs:valueAxis>
+  <cs:wall>
+    <cs:lnRef idx="0"/>
+    <cs:fillRef idx="0"/>
+    <cs:effectRef idx="0"/>
+    <cs:fontRef idx="minor">
+      <a:schemeClr val="tx1"/>
+    </cs:fontRef>
+    <cs:spPr>
+      <a:noFill/>
+      <a:ln>
+        <a:noFill/>
+      </a:ln>
+    </cs:spPr>
+  </cs:wall>
+</cs:chartStyle>
+</file>
+
+<file path=ppt/charts/style2.xml><?xml version="1.0" encoding="utf-8"?>
+<cs:chartStyle xmlns:cs="http://schemas.microsoft.com/office/drawing/2012/chartStyle" xmlns:a="http://schemas.openxmlformats.org/drawingml/2006/main" id="240">
+  <cs:axisTitle>
+    <cs:lnRef idx="0"/>
+    <cs:fillRef idx="0"/>
+    <cs:effectRef idx="0"/>
+    <cs:fontRef idx="minor">
+      <a:schemeClr val="tx1">
+        <a:lumMod val="65000"/>
+        <a:lumOff val="35000"/>
+      </a:schemeClr>
+    </cs:fontRef>
+    <cs:defRPr sz="1000" kern="1200"/>
+  </cs:axisTitle>
+  <cs:categoryAxis>
+    <cs:lnRef idx="0"/>
+    <cs:fillRef idx="0"/>
+    <cs:effectRef idx="0"/>
+    <cs:fontRef idx="minor">
+      <a:schemeClr val="tx1">
+        <a:lumMod val="65000"/>
+        <a:lumOff val="35000"/>
+      </a:schemeClr>
+    </cs:fontRef>
+    <cs:spPr>
+      <a:ln w="9525" cap="flat" cmpd="sng" algn="ctr">
+        <a:solidFill>
+          <a:schemeClr val="tx1">
+            <a:lumMod val="25000"/>
+            <a:lumOff val="75000"/>
+          </a:schemeClr>
+        </a:solidFill>
+        <a:round/>
+      </a:ln>
+    </cs:spPr>
+    <cs:defRPr sz="900" kern="1200"/>
+  </cs:categoryAxis>
+  <cs:chartArea mods="allowNoFillOverride allowNoLineOverride">
+    <cs:lnRef idx="0"/>
+    <cs:fillRef idx="0"/>
+    <cs:effectRef idx="0"/>
+    <cs:fontRef idx="minor">
+      <a:schemeClr val="tx1"/>
+    </cs:fontRef>
+    <cs:spPr>
+      <a:solidFill>
+        <a:schemeClr val="bg1"/>
+      </a:solidFill>
+      <a:ln w="9525" cap="flat" cmpd="sng" algn="ctr">
+        <a:solidFill>
+          <a:schemeClr val="tx1">
+            <a:lumMod val="15000"/>
+            <a:lumOff val="85000"/>
+          </a:schemeClr>
+        </a:solidFill>
+        <a:round/>
+      </a:ln>
+    </cs:spPr>
+    <cs:defRPr sz="1000" kern="1200"/>
+  </cs:chartArea>
+  <cs:dataLabel>
+    <cs:lnRef idx="0"/>
+    <cs:fillRef idx="0"/>
+    <cs:effectRef idx="0"/>
+    <cs:fontRef idx="minor">
+      <a:schemeClr val="tx1">
+        <a:lumMod val="75000"/>
+        <a:lumOff val="25000"/>
+      </a:schemeClr>
+    </cs:fontRef>
+    <cs:defRPr sz="900" kern="1200"/>
+  </cs:dataLabel>
+  <cs:dataLabelCallout>
+    <cs:lnRef idx="0"/>
+    <cs:fillRef idx="0"/>
+    <cs:effectRef idx="0"/>
+    <cs:fontRef idx="minor">
+      <a:schemeClr val="dk1">
+        <a:lumMod val="65000"/>
+        <a:lumOff val="35000"/>
+      </a:schemeClr>
+    </cs:fontRef>
+    <cs:spPr>
+      <a:solidFill>
+        <a:schemeClr val="lt1"/>
+      </a:solidFill>
+      <a:ln>
+        <a:solidFill>
+          <a:schemeClr val="dk1">
+            <a:lumMod val="25000"/>
+            <a:lumOff val="75000"/>
+          </a:schemeClr>
+        </a:solidFill>
+      </a:ln>
+    </cs:spPr>
+    <cs:defRPr sz="900" kern="1200"/>
+    <cs:bodyPr rot="0" spcFirstLastPara="1" vertOverflow="clip" horzOverflow="clip" vert="horz" wrap="square" lIns="36576" tIns="18288" rIns="36576" bIns="18288" anchor="ctr" anchorCtr="1">
+      <a:spAutoFit/>
+    </cs:bodyPr>
+  </cs:dataLabelCallout>
+  <cs:dataPoint>
+    <cs:lnRef idx="0"/>
+    <cs:fillRef idx="1">
+      <cs:styleClr val="auto"/>
+    </cs:fillRef>
+    <cs:effectRef idx="0"/>
+    <cs:fontRef idx="minor">
+      <a:schemeClr val="tx1"/>
+    </cs:fontRef>
+  </cs:dataPoint>
+  <cs:dataPoint3D>
+    <cs:lnRef idx="0"/>
+    <cs:fillRef idx="1">
+      <cs:styleClr val="auto"/>
+    </cs:fillRef>
+    <cs:effectRef idx="0"/>
+    <cs:fontRef idx="minor">
+      <a:schemeClr val="tx1"/>
+    </cs:fontRef>
+  </cs:dataPoint3D>
+  <cs:dataPointLine>
+    <cs:lnRef idx="0">
+      <cs:styleClr val="auto"/>
+    </cs:lnRef>
+    <cs:fillRef idx="1"/>
+    <cs:effectRef idx="0"/>
+    <cs:fontRef idx="minor">
+      <a:schemeClr val="tx1"/>
+    </cs:fontRef>
+    <cs:spPr>
+      <a:ln w="19050" cap="rnd">
+        <a:solidFill>
+          <a:schemeClr val="phClr"/>
+        </a:solidFill>
+        <a:round/>
+      </a:ln>
+    </cs:spPr>
+  </cs:dataPointLine>
+  <cs:dataPointMarker>
+    <cs:lnRef idx="0">
+      <cs:styleClr val="auto"/>
+    </cs:lnRef>
+    <cs:fillRef idx="1">
+      <cs:styleClr val="auto"/>
+    </cs:fillRef>
+    <cs:effectRef idx="0"/>
+    <cs:fontRef idx="minor">
+      <a:schemeClr val="tx1"/>
+    </cs:fontRef>
+    <cs:spPr>
+      <a:ln w="9525">
+        <a:solidFill>
+          <a:schemeClr val="phClr"/>
+        </a:solidFill>
+      </a:ln>
+    </cs:spPr>
+  </cs:dataPointMarker>
+  <cs:dataPointMarkerLayout symbol="circle" size="5"/>
+  <cs:dataPointWireframe>
+    <cs:lnRef idx="0">
+      <cs:styleClr val="auto"/>
+    </cs:lnRef>
+    <cs:fillRef idx="0"/>
+    <cs:effectRef idx="0"/>
+    <cs:fontRef idx="minor">
+      <a:schemeClr val="dk1"/>
+    </cs:fontRef>
+    <cs:spPr>
+      <a:ln w="9525" cap="rnd">
+        <a:solidFill>
+          <a:schemeClr val="phClr"/>
+        </a:solidFill>
+        <a:round/>
+      </a:ln>
+    </cs:spPr>
+  </cs:dataPointWireframe>
+  <cs:dataTable>
+    <cs:lnRef idx="0"/>
+    <cs:fillRef idx="0"/>
+    <cs:effectRef idx="0"/>
+    <cs:fontRef idx="minor">
+      <a:schemeClr val="tx1">
+        <a:lumMod val="65000"/>
+        <a:lumOff val="35000"/>
+      </a:schemeClr>
+    </cs:fontRef>
+    <cs:spPr>
+      <a:noFill/>
+      <a:ln w="9525" cap="flat" cmpd="sng" algn="ctr">
+        <a:solidFill>
+          <a:schemeClr val="tx1">
+            <a:lumMod val="15000"/>
+            <a:lumOff val="85000"/>
+          </a:schemeClr>
+        </a:solidFill>
+        <a:round/>
+      </a:ln>
+    </cs:spPr>
+    <cs:defRPr sz="900" kern="1200"/>
+  </cs:dataTable>
+  <cs:downBar>
+    <cs:lnRef idx="0"/>
+    <cs:fillRef idx="0"/>
+    <cs:effectRef idx="0"/>
+    <cs:fontRef idx="minor">
+      <a:schemeClr val="tx1"/>
+    </cs:fontRef>
+    <cs:spPr>
+      <a:solidFill>
+        <a:schemeClr val="dk1">
+          <a:lumMod val="75000"/>
+          <a:lumOff val="25000"/>
+        </a:schemeClr>
+      </a:solidFill>
+      <a:ln w="9525" cap="flat" cmpd="sng" algn="ctr">
+        <a:solidFill>
+          <a:schemeClr val="tx1">
+            <a:lumMod val="65000"/>
+            <a:lumOff val="35000"/>
+          </a:schemeClr>
+        </a:solidFill>
+        <a:round/>
+      </a:ln>
+    </cs:spPr>
+  </cs:downBar>
+  <cs:dropLine>
+    <cs:lnRef idx="0"/>
+    <cs:fillRef idx="0"/>
+    <cs:effectRef idx="0"/>
+    <cs:fontRef idx="minor">
+      <a:schemeClr val="tx1"/>
+    </cs:fontRef>
+    <cs:spPr>
+      <a:ln w="9525" cap="flat" cmpd="sng" algn="ctr">
+        <a:solidFill>
+          <a:schemeClr val="tx1">
+            <a:lumMod val="35000"/>
+            <a:lumOff val="65000"/>
+          </a:schemeClr>
+        </a:solidFill>
+        <a:round/>
+      </a:ln>
+    </cs:spPr>
+  </cs:dropLine>
+  <cs:errorBar>
+    <cs:lnRef idx="0"/>
+    <cs:fillRef idx="0"/>
+    <cs:effectRef idx="0"/>
+    <cs:fontRef idx="minor">
+      <a:schemeClr val="tx1"/>
+    </cs:fontRef>
+    <cs:spPr>
+      <a:ln w="9525" cap="flat" cmpd="sng" algn="ctr">
+        <a:solidFill>
+          <a:schemeClr val="tx1">
+            <a:lumMod val="65000"/>
+            <a:lumOff val="35000"/>
+          </a:schemeClr>
+        </a:solidFill>
+        <a:round/>
+      </a:ln>
+    </cs:spPr>
+  </cs:errorBar>
+  <cs:floor>
+    <cs:lnRef idx="0"/>
+    <cs:fillRef idx="0"/>
+    <cs:effectRef idx="0"/>
+    <cs:fontRef idx="minor">
+      <a:schemeClr val="tx1"/>
+    </cs:fontRef>
+    <cs:spPr>
+      <a:noFill/>
+      <a:ln>
+        <a:noFill/>
+      </a:ln>
+    </cs:spPr>
+  </cs:floor>
+  <cs:gridlineMajor>
+    <cs:lnRef idx="0"/>
+    <cs:fillRef idx="0"/>
+    <cs:effectRef idx="0"/>
+    <cs:fontRef idx="minor">
+      <a:schemeClr val="tx1"/>
+    </cs:fontRef>
+    <cs:spPr>
+      <a:ln w="9525" cap="flat" cmpd="sng" algn="ctr">
+        <a:solidFill>
+          <a:schemeClr val="tx1">
+            <a:lumMod val="15000"/>
+            <a:lumOff val="85000"/>
+          </a:schemeClr>
+        </a:solidFill>
+        <a:round/>
+      </a:ln>
+    </cs:spPr>
+  </cs:gridlineMajor>
+  <cs:gridlineMinor>
+    <cs:lnRef idx="0"/>
+    <cs:fillRef idx="0"/>
+    <cs:effectRef idx="0"/>
+    <cs:fontRef idx="minor">
+      <a:schemeClr val="tx1"/>
+    </cs:fontRef>
+    <cs:spPr>
+      <a:ln w="9525" cap="flat" cmpd="sng" algn="ctr">
+        <a:solidFill>
+          <a:schemeClr val="tx1">
+            <a:lumMod val="5000"/>
+            <a:lumOff val="95000"/>
+          </a:schemeClr>
+        </a:solidFill>
+        <a:round/>
+      </a:ln>
+    </cs:spPr>
+  </cs:gridlineMinor>
+  <cs:hiLoLine>
+    <cs:lnRef idx="0"/>
+    <cs:fillRef idx="0"/>
+    <cs:effectRef idx="0"/>
+    <cs:fontRef idx="minor">
+      <a:schemeClr val="tx1"/>
+    </cs:fontRef>
+    <cs:spPr>
+      <a:ln w="9525" cap="flat" cmpd="sng" algn="ctr">
+        <a:solidFill>
+          <a:schemeClr val="tx1">
+            <a:lumMod val="50000"/>
+            <a:lumOff val="50000"/>
+          </a:schemeClr>
+        </a:solidFill>
+        <a:round/>
+      </a:ln>
+    </cs:spPr>
+  </cs:hiLoLine>
+  <cs:leaderLine>
+    <cs:lnRef idx="0"/>
+    <cs:fillRef idx="0"/>
+    <cs:effectRef idx="0"/>
+    <cs:fontRef idx="minor">
+      <a:schemeClr val="tx1"/>
+    </cs:fontRef>
+    <cs:spPr>
+      <a:ln w="9525" cap="flat" cmpd="sng" algn="ctr">
+        <a:solidFill>
+          <a:schemeClr val="tx1">
+            <a:lumMod val="35000"/>
+            <a:lumOff val="65000"/>
+          </a:schemeClr>
+        </a:solidFill>
+        <a:round/>
+      </a:ln>
+    </cs:spPr>
+  </cs:leaderLine>
+  <cs:legend>
+    <cs:lnRef idx="0"/>
+    <cs:fillRef idx="0"/>
+    <cs:effectRef idx="0"/>
+    <cs:fontRef idx="minor">
+      <a:schemeClr val="tx1">
+        <a:lumMod val="65000"/>
+        <a:lumOff val="35000"/>
+      </a:schemeClr>
+    </cs:fontRef>
+    <cs:defRPr sz="900" kern="1200"/>
+  </cs:legend>
+  <cs:plotArea mods="allowNoFillOverride allowNoLineOverride">
+    <cs:lnRef idx="0"/>
+    <cs:fillRef idx="0"/>
+    <cs:effectRef idx="0"/>
+    <cs:fontRef idx="minor">
+      <a:schemeClr val="tx1"/>
+    </cs:fontRef>
+  </cs:plotArea>
+  <cs:plotArea3D mods="allowNoFillOverride allowNoLineOverride">
+    <cs:lnRef idx="0"/>
+    <cs:fillRef idx="0"/>
+    <cs:effectRef idx="0"/>
+    <cs:fontRef idx="minor">
+      <a:schemeClr val="tx1"/>
+    </cs:fontRef>
+  </cs:plotArea3D>
+  <cs:seriesAxis>
+    <cs:lnRef idx="0"/>
+    <cs:fillRef idx="0"/>
+    <cs:effectRef idx="0"/>
+    <cs:fontRef idx="minor">
+      <a:schemeClr val="tx1">
+        <a:lumMod val="65000"/>
+        <a:lumOff val="35000"/>
+      </a:schemeClr>
+    </cs:fontRef>
+    <cs:defRPr sz="900" kern="1200"/>
+  </cs:seriesAxis>
+  <cs:seriesLine>
+    <cs:lnRef idx="0"/>
+    <cs:fillRef idx="0"/>
+    <cs:effectRef idx="0"/>
+    <cs:fontRef idx="minor">
+      <a:schemeClr val="tx1"/>
+    </cs:fontRef>
+    <cs:spPr>
+      <a:ln w="9525" cap="flat" cmpd="sng" algn="ctr">
+        <a:solidFill>
+          <a:schemeClr val="tx1">
+            <a:lumMod val="35000"/>
+            <a:lumOff val="65000"/>
+          </a:schemeClr>
+        </a:solidFill>
+        <a:round/>
+      </a:ln>
+    </cs:spPr>
+  </cs:seriesLine>
+  <cs:title>
+    <cs:lnRef idx="0"/>
+    <cs:fillRef idx="0"/>
+    <cs:effectRef idx="0"/>
+    <cs:fontRef idx="minor">
+      <a:schemeClr val="tx1">
+        <a:lumMod val="65000"/>
+        <a:lumOff val="35000"/>
+      </a:schemeClr>
+    </cs:fontRef>
+    <cs:defRPr sz="1400" b="0" kern="1200" spc="0" baseline="0"/>
+  </cs:title>
+  <cs:trendline>
+    <cs:lnRef idx="0">
+      <cs:styleClr val="auto"/>
+    </cs:lnRef>
+    <cs:fillRef idx="0"/>
+    <cs:effectRef idx="0"/>
+    <cs:fontRef idx="minor">
+      <a:schemeClr val="tx1"/>
+    </cs:fontRef>
+    <cs:spPr>
+      <a:ln w="19050" cap="rnd">
+        <a:solidFill>
+          <a:schemeClr val="phClr"/>
+        </a:solidFill>
+        <a:prstDash val="sysDot"/>
+      </a:ln>
+    </cs:spPr>
+  </cs:trendline>
+  <cs:trendlineLabel>
+    <cs:lnRef idx="0"/>
+    <cs:fillRef idx="0"/>
+    <cs:effectRef idx="0"/>
+    <cs:fontRef idx="minor">
+      <a:schemeClr val="tx1">
+        <a:lumMod val="65000"/>
+        <a:lumOff val="35000"/>
+      </a:schemeClr>
+    </cs:fontRef>
+    <cs:defRPr sz="900" kern="1200"/>
+  </cs:trendlineLabel>
+  <cs:upBar>
+    <cs:lnRef idx="0"/>
+    <cs:fillRef idx="0"/>
+    <cs:effectRef idx="0"/>
+    <cs:fontRef idx="minor">
+      <a:schemeClr val="tx1"/>
+    </cs:fontRef>
+    <cs:spPr>
+      <a:solidFill>
+        <a:schemeClr val="lt1"/>
+      </a:solidFill>
+      <a:ln w="9525" cap="flat" cmpd="sng" algn="ctr">
+        <a:solidFill>
+          <a:schemeClr val="tx1">
+            <a:lumMod val="65000"/>
+            <a:lumOff val="35000"/>
+          </a:schemeClr>
+        </a:solidFill>
+        <a:round/>
+      </a:ln>
+    </cs:spPr>
+  </cs:upBar>
+  <cs:valueAxis>
+    <cs:lnRef idx="0"/>
+    <cs:fillRef idx="0"/>
+    <cs:effectRef idx="0"/>
+    <cs:fontRef idx="minor">
+      <a:schemeClr val="tx1">
+        <a:lumMod val="65000"/>
+        <a:lumOff val="35000"/>
+      </a:schemeClr>
+    </cs:fontRef>
+    <cs:spPr>
+      <a:ln w="9525" cap="flat" cmpd="sng" algn="ctr">
+        <a:solidFill>
+          <a:schemeClr val="tx1">
+            <a:lumMod val="25000"/>
+            <a:lumOff val="75000"/>
+          </a:schemeClr>
+        </a:solidFill>
+        <a:round/>
+      </a:ln>
+    </cs:spPr>
+    <cs:defRPr sz="900" kern="1200"/>
+  </cs:valueAxis>
+  <cs:wall>
+    <cs:lnRef idx="0"/>
+    <cs:fillRef idx="0"/>
+    <cs:effectRef idx="0"/>
+    <cs:fontRef idx="minor">
+      <a:schemeClr val="tx1"/>
+    </cs:fontRef>
+    <cs:spPr>
+      <a:noFill/>
+      <a:ln>
+        <a:noFill/>
+      </a:ln>
+    </cs:spPr>
+  </cs:wall>
+</cs:chartStyle>
 </file>
 
 <file path=ppt/ink/ink1.xml><?xml version="1.0" encoding="utf-8"?>
@@ -144,6 +3108,439 @@
   </inkml:definitions>
   <inkml:trace contextRef="#ctx0" brushRef="#br0">1 1 24575,'0'0'0</inkml:trace>
 </inkml:ink>
+</file>
+
+<file path=ppt/notesMasters/notesMaster1.xml><?xml version="1.0" encoding="utf-8"?>
+<p:notesMaster xmlns:a="http://schemas.openxmlformats.org/drawingml/2006/main" xmlns:r="http://schemas.openxmlformats.org/officeDocument/2006/relationships" xmlns:p="http://schemas.openxmlformats.org/presentationml/2006/main">
+  <p:cSld>
+    <p:bg>
+      <p:bgRef idx="1001">
+        <a:schemeClr val="bg1"/>
+      </p:bgRef>
+    </p:bg>
+    <p:spTree>
+      <p:nvGrpSpPr>
+        <p:cNvPr id="1" name=""/>
+        <p:cNvGrpSpPr/>
+        <p:nvPr/>
+      </p:nvGrpSpPr>
+      <p:grpSpPr>
+        <a:xfrm>
+          <a:off x="0" y="0"/>
+          <a:ext cx="0" cy="0"/>
+          <a:chOff x="0" y="0"/>
+          <a:chExt cx="0" cy="0"/>
+        </a:xfrm>
+      </p:grpSpPr>
+      <p:sp>
+        <p:nvSpPr>
+          <p:cNvPr id="2" name="Header Placeholder 1"/>
+          <p:cNvSpPr>
+            <a:spLocks noGrp="1"/>
+          </p:cNvSpPr>
+          <p:nvPr>
+            <p:ph type="hdr" sz="quarter"/>
+          </p:nvPr>
+        </p:nvSpPr>
+        <p:spPr>
+          <a:xfrm>
+            <a:off x="0" y="0"/>
+            <a:ext cx="2971800" cy="458788"/>
+          </a:xfrm>
+          <a:prstGeom prst="rect">
+            <a:avLst/>
+          </a:prstGeom>
+        </p:spPr>
+        <p:txBody>
+          <a:bodyPr vert="horz" lIns="91440" tIns="45720" rIns="91440" bIns="45720" rtlCol="0"/>
+          <a:lstStyle>
+            <a:lvl1pPr algn="l">
+              <a:defRPr sz="1200"/>
+            </a:lvl1pPr>
+          </a:lstStyle>
+          <a:p>
+            <a:endParaRPr lang="en-US"/>
+          </a:p>
+        </p:txBody>
+      </p:sp>
+      <p:sp>
+        <p:nvSpPr>
+          <p:cNvPr id="3" name="Date Placeholder 2"/>
+          <p:cNvSpPr>
+            <a:spLocks noGrp="1"/>
+          </p:cNvSpPr>
+          <p:nvPr>
+            <p:ph type="dt" idx="1"/>
+          </p:nvPr>
+        </p:nvSpPr>
+        <p:spPr>
+          <a:xfrm>
+            <a:off x="3884613" y="0"/>
+            <a:ext cx="2971800" cy="458788"/>
+          </a:xfrm>
+          <a:prstGeom prst="rect">
+            <a:avLst/>
+          </a:prstGeom>
+        </p:spPr>
+        <p:txBody>
+          <a:bodyPr vert="horz" lIns="91440" tIns="45720" rIns="91440" bIns="45720" rtlCol="0"/>
+          <a:lstStyle>
+            <a:lvl1pPr algn="r">
+              <a:defRPr sz="1200"/>
+            </a:lvl1pPr>
+          </a:lstStyle>
+          <a:p>
+            <a:fld id="{8FF49BDC-B5AD-3F4D-AAB5-A50E982BE5CA}" type="datetimeFigureOut">
+              <a:rPr lang="en-US" smtClean="0"/>
+              <a:t>5/11/23</a:t>
+            </a:fld>
+            <a:endParaRPr lang="en-US"/>
+          </a:p>
+        </p:txBody>
+      </p:sp>
+      <p:sp>
+        <p:nvSpPr>
+          <p:cNvPr id="4" name="Slide Image Placeholder 3"/>
+          <p:cNvSpPr>
+            <a:spLocks noGrp="1" noRot="1" noChangeAspect="1"/>
+          </p:cNvSpPr>
+          <p:nvPr>
+            <p:ph type="sldImg" idx="2"/>
+          </p:nvPr>
+        </p:nvSpPr>
+        <p:spPr>
+          <a:xfrm>
+            <a:off x="685800" y="1143000"/>
+            <a:ext cx="5486400" cy="3086100"/>
+          </a:xfrm>
+          <a:prstGeom prst="rect">
+            <a:avLst/>
+          </a:prstGeom>
+          <a:noFill/>
+          <a:ln w="12700">
+            <a:solidFill>
+              <a:prstClr val="black"/>
+            </a:solidFill>
+          </a:ln>
+        </p:spPr>
+        <p:txBody>
+          <a:bodyPr vert="horz" lIns="91440" tIns="45720" rIns="91440" bIns="45720" rtlCol="0" anchor="ctr"/>
+          <a:lstStyle/>
+          <a:p>
+            <a:endParaRPr lang="en-US"/>
+          </a:p>
+        </p:txBody>
+      </p:sp>
+      <p:sp>
+        <p:nvSpPr>
+          <p:cNvPr id="5" name="Notes Placeholder 4"/>
+          <p:cNvSpPr>
+            <a:spLocks noGrp="1"/>
+          </p:cNvSpPr>
+          <p:nvPr>
+            <p:ph type="body" sz="quarter" idx="3"/>
+          </p:nvPr>
+        </p:nvSpPr>
+        <p:spPr>
+          <a:xfrm>
+            <a:off x="685800" y="4400550"/>
+            <a:ext cx="5486400" cy="3600450"/>
+          </a:xfrm>
+          <a:prstGeom prst="rect">
+            <a:avLst/>
+          </a:prstGeom>
+        </p:spPr>
+        <p:txBody>
+          <a:bodyPr vert="horz" lIns="91440" tIns="45720" rIns="91440" bIns="45720" rtlCol="0"/>
+          <a:lstStyle/>
+          <a:p>
+            <a:pPr lvl="0"/>
+            <a:r>
+              <a:rPr lang="en-US"/>
+              <a:t>Click to edit Master text styles</a:t>
+            </a:r>
+          </a:p>
+          <a:p>
+            <a:pPr lvl="1"/>
+            <a:r>
+              <a:rPr lang="en-US"/>
+              <a:t>Second level</a:t>
+            </a:r>
+          </a:p>
+          <a:p>
+            <a:pPr lvl="2"/>
+            <a:r>
+              <a:rPr lang="en-US"/>
+              <a:t>Third level</a:t>
+            </a:r>
+          </a:p>
+          <a:p>
+            <a:pPr lvl="3"/>
+            <a:r>
+              <a:rPr lang="en-US"/>
+              <a:t>Fourth level</a:t>
+            </a:r>
+          </a:p>
+          <a:p>
+            <a:pPr lvl="4"/>
+            <a:r>
+              <a:rPr lang="en-US"/>
+              <a:t>Fifth level</a:t>
+            </a:r>
+          </a:p>
+        </p:txBody>
+      </p:sp>
+      <p:sp>
+        <p:nvSpPr>
+          <p:cNvPr id="6" name="Footer Placeholder 5"/>
+          <p:cNvSpPr>
+            <a:spLocks noGrp="1"/>
+          </p:cNvSpPr>
+          <p:nvPr>
+            <p:ph type="ftr" sz="quarter" idx="4"/>
+          </p:nvPr>
+        </p:nvSpPr>
+        <p:spPr>
+          <a:xfrm>
+            <a:off x="0" y="8685213"/>
+            <a:ext cx="2971800" cy="458787"/>
+          </a:xfrm>
+          <a:prstGeom prst="rect">
+            <a:avLst/>
+          </a:prstGeom>
+        </p:spPr>
+        <p:txBody>
+          <a:bodyPr vert="horz" lIns="91440" tIns="45720" rIns="91440" bIns="45720" rtlCol="0" anchor="b"/>
+          <a:lstStyle>
+            <a:lvl1pPr algn="l">
+              <a:defRPr sz="1200"/>
+            </a:lvl1pPr>
+          </a:lstStyle>
+          <a:p>
+            <a:endParaRPr lang="en-US"/>
+          </a:p>
+        </p:txBody>
+      </p:sp>
+      <p:sp>
+        <p:nvSpPr>
+          <p:cNvPr id="7" name="Slide Number Placeholder 6"/>
+          <p:cNvSpPr>
+            <a:spLocks noGrp="1"/>
+          </p:cNvSpPr>
+          <p:nvPr>
+            <p:ph type="sldNum" sz="quarter" idx="5"/>
+          </p:nvPr>
+        </p:nvSpPr>
+        <p:spPr>
+          <a:xfrm>
+            <a:off x="3884613" y="8685213"/>
+            <a:ext cx="2971800" cy="458787"/>
+          </a:xfrm>
+          <a:prstGeom prst="rect">
+            <a:avLst/>
+          </a:prstGeom>
+        </p:spPr>
+        <p:txBody>
+          <a:bodyPr vert="horz" lIns="91440" tIns="45720" rIns="91440" bIns="45720" rtlCol="0" anchor="b"/>
+          <a:lstStyle>
+            <a:lvl1pPr algn="r">
+              <a:defRPr sz="1200"/>
+            </a:lvl1pPr>
+          </a:lstStyle>
+          <a:p>
+            <a:fld id="{25571B5C-411A-4B4A-A125-5C4F5CB9112C}" type="slidenum">
+              <a:rPr lang="en-US" smtClean="0"/>
+              <a:t>‹#›</a:t>
+            </a:fld>
+            <a:endParaRPr lang="en-US"/>
+          </a:p>
+        </p:txBody>
+      </p:sp>
+    </p:spTree>
+    <p:extLst>
+      <p:ext uri="{BB962C8B-B14F-4D97-AF65-F5344CB8AC3E}">
+        <p14:creationId xmlns:p14="http://schemas.microsoft.com/office/powerpoint/2010/main" val="3319317503"/>
+      </p:ext>
+    </p:extLst>
+  </p:cSld>
+  <p:clrMap bg1="lt1" tx1="dk1" bg2="lt2" tx2="dk2" accent1="accent1" accent2="accent2" accent3="accent3" accent4="accent4" accent5="accent5" accent6="accent6" hlink="hlink" folHlink="folHlink"/>
+  <p:notesStyle>
+    <a:lvl1pPr marL="0" algn="l" defTabSz="914400" rtl="0" eaLnBrk="1" latinLnBrk="0" hangingPunct="1">
+      <a:defRPr sz="1200" kern="1200">
+        <a:solidFill>
+          <a:schemeClr val="tx1"/>
+        </a:solidFill>
+        <a:latin typeface="+mn-lt"/>
+        <a:ea typeface="+mn-ea"/>
+        <a:cs typeface="+mn-cs"/>
+      </a:defRPr>
+    </a:lvl1pPr>
+    <a:lvl2pPr marL="457200" algn="l" defTabSz="914400" rtl="0" eaLnBrk="1" latinLnBrk="0" hangingPunct="1">
+      <a:defRPr sz="1200" kern="1200">
+        <a:solidFill>
+          <a:schemeClr val="tx1"/>
+        </a:solidFill>
+        <a:latin typeface="+mn-lt"/>
+        <a:ea typeface="+mn-ea"/>
+        <a:cs typeface="+mn-cs"/>
+      </a:defRPr>
+    </a:lvl2pPr>
+    <a:lvl3pPr marL="914400" algn="l" defTabSz="914400" rtl="0" eaLnBrk="1" latinLnBrk="0" hangingPunct="1">
+      <a:defRPr sz="1200" kern="1200">
+        <a:solidFill>
+          <a:schemeClr val="tx1"/>
+        </a:solidFill>
+        <a:latin typeface="+mn-lt"/>
+        <a:ea typeface="+mn-ea"/>
+        <a:cs typeface="+mn-cs"/>
+      </a:defRPr>
+    </a:lvl3pPr>
+    <a:lvl4pPr marL="1371600" algn="l" defTabSz="914400" rtl="0" eaLnBrk="1" latinLnBrk="0" hangingPunct="1">
+      <a:defRPr sz="1200" kern="1200">
+        <a:solidFill>
+          <a:schemeClr val="tx1"/>
+        </a:solidFill>
+        <a:latin typeface="+mn-lt"/>
+        <a:ea typeface="+mn-ea"/>
+        <a:cs typeface="+mn-cs"/>
+      </a:defRPr>
+    </a:lvl4pPr>
+    <a:lvl5pPr marL="1828800" algn="l" defTabSz="914400" rtl="0" eaLnBrk="1" latinLnBrk="0" hangingPunct="1">
+      <a:defRPr sz="1200" kern="1200">
+        <a:solidFill>
+          <a:schemeClr val="tx1"/>
+        </a:solidFill>
+        <a:latin typeface="+mn-lt"/>
+        <a:ea typeface="+mn-ea"/>
+        <a:cs typeface="+mn-cs"/>
+      </a:defRPr>
+    </a:lvl5pPr>
+    <a:lvl6pPr marL="2286000" algn="l" defTabSz="914400" rtl="0" eaLnBrk="1" latinLnBrk="0" hangingPunct="1">
+      <a:defRPr sz="1200" kern="1200">
+        <a:solidFill>
+          <a:schemeClr val="tx1"/>
+        </a:solidFill>
+        <a:latin typeface="+mn-lt"/>
+        <a:ea typeface="+mn-ea"/>
+        <a:cs typeface="+mn-cs"/>
+      </a:defRPr>
+    </a:lvl6pPr>
+    <a:lvl7pPr marL="2743200" algn="l" defTabSz="914400" rtl="0" eaLnBrk="1" latinLnBrk="0" hangingPunct="1">
+      <a:defRPr sz="1200" kern="1200">
+        <a:solidFill>
+          <a:schemeClr val="tx1"/>
+        </a:solidFill>
+        <a:latin typeface="+mn-lt"/>
+        <a:ea typeface="+mn-ea"/>
+        <a:cs typeface="+mn-cs"/>
+      </a:defRPr>
+    </a:lvl7pPr>
+    <a:lvl8pPr marL="3200400" algn="l" defTabSz="914400" rtl="0" eaLnBrk="1" latinLnBrk="0" hangingPunct="1">
+      <a:defRPr sz="1200" kern="1200">
+        <a:solidFill>
+          <a:schemeClr val="tx1"/>
+        </a:solidFill>
+        <a:latin typeface="+mn-lt"/>
+        <a:ea typeface="+mn-ea"/>
+        <a:cs typeface="+mn-cs"/>
+      </a:defRPr>
+    </a:lvl8pPr>
+    <a:lvl9pPr marL="3657600" algn="l" defTabSz="914400" rtl="0" eaLnBrk="1" latinLnBrk="0" hangingPunct="1">
+      <a:defRPr sz="1200" kern="1200">
+        <a:solidFill>
+          <a:schemeClr val="tx1"/>
+        </a:solidFill>
+        <a:latin typeface="+mn-lt"/>
+        <a:ea typeface="+mn-ea"/>
+        <a:cs typeface="+mn-cs"/>
+      </a:defRPr>
+    </a:lvl9pPr>
+  </p:notesStyle>
+</p:notesMaster>
+</file>
+
+<file path=ppt/notesSlides/notesSlide1.xml><?xml version="1.0" encoding="utf-8"?>
+<p:notes xmlns:a="http://schemas.openxmlformats.org/drawingml/2006/main" xmlns:r="http://schemas.openxmlformats.org/officeDocument/2006/relationships" xmlns:p="http://schemas.openxmlformats.org/presentationml/2006/main">
+  <p:cSld>
+    <p:spTree>
+      <p:nvGrpSpPr>
+        <p:cNvPr id="1" name=""/>
+        <p:cNvGrpSpPr/>
+        <p:nvPr/>
+      </p:nvGrpSpPr>
+      <p:grpSpPr>
+        <a:xfrm>
+          <a:off x="0" y="0"/>
+          <a:ext cx="0" cy="0"/>
+          <a:chOff x="0" y="0"/>
+          <a:chExt cx="0" cy="0"/>
+        </a:xfrm>
+      </p:grpSpPr>
+      <p:sp>
+        <p:nvSpPr>
+          <p:cNvPr id="2" name="Slide Image Placeholder 1"/>
+          <p:cNvSpPr>
+            <a:spLocks noGrp="1" noRot="1" noChangeAspect="1"/>
+          </p:cNvSpPr>
+          <p:nvPr>
+            <p:ph type="sldImg"/>
+          </p:nvPr>
+        </p:nvSpPr>
+        <p:spPr/>
+      </p:sp>
+      <p:sp>
+        <p:nvSpPr>
+          <p:cNvPr id="3" name="Notes Placeholder 2"/>
+          <p:cNvSpPr>
+            <a:spLocks noGrp="1"/>
+          </p:cNvSpPr>
+          <p:nvPr>
+            <p:ph type="body" idx="1"/>
+          </p:nvPr>
+        </p:nvSpPr>
+        <p:spPr/>
+        <p:txBody>
+          <a:bodyPr/>
+          <a:lstStyle/>
+          <a:p>
+            <a:endParaRPr lang="en-US" dirty="0"/>
+          </a:p>
+        </p:txBody>
+      </p:sp>
+      <p:sp>
+        <p:nvSpPr>
+          <p:cNvPr id="4" name="Slide Number Placeholder 3"/>
+          <p:cNvSpPr>
+            <a:spLocks noGrp="1"/>
+          </p:cNvSpPr>
+          <p:nvPr>
+            <p:ph type="sldNum" sz="quarter" idx="5"/>
+          </p:nvPr>
+        </p:nvSpPr>
+        <p:spPr/>
+        <p:txBody>
+          <a:bodyPr/>
+          <a:lstStyle/>
+          <a:p>
+            <a:fld id="{25571B5C-411A-4B4A-A125-5C4F5CB9112C}" type="slidenum">
+              <a:rPr lang="en-US" smtClean="0"/>
+              <a:t>8</a:t>
+            </a:fld>
+            <a:endParaRPr lang="en-US"/>
+          </a:p>
+        </p:txBody>
+      </p:sp>
+    </p:spTree>
+    <p:extLst>
+      <p:ext uri="{BB962C8B-B14F-4D97-AF65-F5344CB8AC3E}">
+        <p14:creationId xmlns:p14="http://schemas.microsoft.com/office/powerpoint/2010/main" val="1077238325"/>
+      </p:ext>
+    </p:extLst>
+  </p:cSld>
+  <p:clrMapOvr>
+    <a:masterClrMapping/>
+  </p:clrMapOvr>
+</p:notes>
 </file>
 
 <file path=ppt/slideLayouts/slideLayout1.xml><?xml version="1.0" encoding="utf-8"?>
@@ -293,7 +3690,7 @@
           <a:p>
             <a:fld id="{F2F331F2-6115-6342-930B-F105F89E6611}" type="datetimeFigureOut">
               <a:rPr lang="en-US" smtClean="0"/>
-              <a:t>5/10/23</a:t>
+              <a:t>5/11/23</a:t>
             </a:fld>
             <a:endParaRPr lang="en-US"/>
           </a:p>
@@ -491,7 +3888,7 @@
           <a:p>
             <a:fld id="{F2F331F2-6115-6342-930B-F105F89E6611}" type="datetimeFigureOut">
               <a:rPr lang="en-US" smtClean="0"/>
-              <a:t>5/10/23</a:t>
+              <a:t>5/11/23</a:t>
             </a:fld>
             <a:endParaRPr lang="en-US"/>
           </a:p>
@@ -699,7 +4096,7 @@
           <a:p>
             <a:fld id="{F2F331F2-6115-6342-930B-F105F89E6611}" type="datetimeFigureOut">
               <a:rPr lang="en-US" smtClean="0"/>
-              <a:t>5/10/23</a:t>
+              <a:t>5/11/23</a:t>
             </a:fld>
             <a:endParaRPr lang="en-US"/>
           </a:p>
@@ -897,7 +4294,7 @@
           <a:p>
             <a:fld id="{F2F331F2-6115-6342-930B-F105F89E6611}" type="datetimeFigureOut">
               <a:rPr lang="en-US" smtClean="0"/>
-              <a:t>5/10/23</a:t>
+              <a:t>5/11/23</a:t>
             </a:fld>
             <a:endParaRPr lang="en-US"/>
           </a:p>
@@ -1172,7 +4569,7 @@
           <a:p>
             <a:fld id="{F2F331F2-6115-6342-930B-F105F89E6611}" type="datetimeFigureOut">
               <a:rPr lang="en-US" smtClean="0"/>
-              <a:t>5/10/23</a:t>
+              <a:t>5/11/23</a:t>
             </a:fld>
             <a:endParaRPr lang="en-US"/>
           </a:p>
@@ -1437,7 +4834,7 @@
           <a:p>
             <a:fld id="{F2F331F2-6115-6342-930B-F105F89E6611}" type="datetimeFigureOut">
               <a:rPr lang="en-US" smtClean="0"/>
-              <a:t>5/10/23</a:t>
+              <a:t>5/11/23</a:t>
             </a:fld>
             <a:endParaRPr lang="en-US"/>
           </a:p>
@@ -1849,7 +5246,7 @@
           <a:p>
             <a:fld id="{F2F331F2-6115-6342-930B-F105F89E6611}" type="datetimeFigureOut">
               <a:rPr lang="en-US" smtClean="0"/>
-              <a:t>5/10/23</a:t>
+              <a:t>5/11/23</a:t>
             </a:fld>
             <a:endParaRPr lang="en-US"/>
           </a:p>
@@ -1990,7 +5387,7 @@
           <a:p>
             <a:fld id="{F2F331F2-6115-6342-930B-F105F89E6611}" type="datetimeFigureOut">
               <a:rPr lang="en-US" smtClean="0"/>
-              <a:t>5/10/23</a:t>
+              <a:t>5/11/23</a:t>
             </a:fld>
             <a:endParaRPr lang="en-US"/>
           </a:p>
@@ -2103,7 +5500,7 @@
           <a:p>
             <a:fld id="{F2F331F2-6115-6342-930B-F105F89E6611}" type="datetimeFigureOut">
               <a:rPr lang="en-US" smtClean="0"/>
-              <a:t>5/10/23</a:t>
+              <a:t>5/11/23</a:t>
             </a:fld>
             <a:endParaRPr lang="en-US"/>
           </a:p>
@@ -2414,7 +5811,7 @@
           <a:p>
             <a:fld id="{F2F331F2-6115-6342-930B-F105F89E6611}" type="datetimeFigureOut">
               <a:rPr lang="en-US" smtClean="0"/>
-              <a:t>5/10/23</a:t>
+              <a:t>5/11/23</a:t>
             </a:fld>
             <a:endParaRPr lang="en-US"/>
           </a:p>
@@ -2702,7 +6099,7 @@
           <a:p>
             <a:fld id="{F2F331F2-6115-6342-930B-F105F89E6611}" type="datetimeFigureOut">
               <a:rPr lang="en-US" smtClean="0"/>
-              <a:t>5/10/23</a:t>
+              <a:t>5/11/23</a:t>
             </a:fld>
             <a:endParaRPr lang="en-US"/>
           </a:p>
@@ -2943,7 +6340,7 @@
           <a:p>
             <a:fld id="{F2F331F2-6115-6342-930B-F105F89E6611}" type="datetimeFigureOut">
               <a:rPr lang="en-US" smtClean="0"/>
-              <a:t>5/10/23</a:t>
+              <a:t>5/11/23</a:t>
             </a:fld>
             <a:endParaRPr lang="en-US"/>
           </a:p>
@@ -3461,6 +6858,64 @@
           </a:p>
         </p:txBody>
       </p:sp>
+      <p:pic>
+        <p:nvPicPr>
+          <p:cNvPr id="4" name="Picture 3">
+            <a:extLst>
+              <a:ext uri="{FF2B5EF4-FFF2-40B4-BE49-F238E27FC236}">
+                <a16:creationId xmlns:a16="http://schemas.microsoft.com/office/drawing/2014/main" id="{84356B5A-B5AC-0525-CF85-6E3D4BD40CFB}"/>
+              </a:ext>
+            </a:extLst>
+          </p:cNvPr>
+          <p:cNvPicPr>
+            <a:picLocks noChangeAspect="1"/>
+          </p:cNvPicPr>
+          <p:nvPr/>
+        </p:nvPicPr>
+        <p:blipFill rotWithShape="1">
+          <a:blip r:embed="rId2"/>
+          <a:srcRect l="5586"/>
+          <a:stretch/>
+        </p:blipFill>
+        <p:spPr>
+          <a:xfrm>
+            <a:off x="534074" y="1140691"/>
+            <a:ext cx="5435694" cy="4318000"/>
+          </a:xfrm>
+          <a:prstGeom prst="rect">
+            <a:avLst/>
+          </a:prstGeom>
+        </p:spPr>
+      </p:pic>
+      <p:pic>
+        <p:nvPicPr>
+          <p:cNvPr id="6" name="Picture 5">
+            <a:extLst>
+              <a:ext uri="{FF2B5EF4-FFF2-40B4-BE49-F238E27FC236}">
+                <a16:creationId xmlns:a16="http://schemas.microsoft.com/office/drawing/2014/main" id="{579E5698-37D1-6033-227A-4C798FA4AD7F}"/>
+              </a:ext>
+            </a:extLst>
+          </p:cNvPr>
+          <p:cNvPicPr>
+            <a:picLocks noChangeAspect="1"/>
+          </p:cNvPicPr>
+          <p:nvPr/>
+        </p:nvPicPr>
+        <p:blipFill rotWithShape="1">
+          <a:blip r:embed="rId3"/>
+          <a:srcRect l="3602"/>
+          <a:stretch/>
+        </p:blipFill>
+        <p:spPr>
+          <a:xfrm>
+            <a:off x="6433168" y="1140691"/>
+            <a:ext cx="5644921" cy="4391891"/>
+          </a:xfrm>
+          <a:prstGeom prst="rect">
+            <a:avLst/>
+          </a:prstGeom>
+        </p:spPr>
+      </p:pic>
       <p:sp>
         <p:nvSpPr>
           <p:cNvPr id="7" name="Title 1">
@@ -3511,17 +6966,17 @@
             <a:pPr algn="l"/>
             <a:r>
               <a:rPr lang="en-US" sz="4000" dirty="0"/>
-              <a:t>Normalized to 450</a:t>
+              <a:t>450 K as reference</a:t>
             </a:r>
           </a:p>
         </p:txBody>
       </p:sp>
       <p:sp>
         <p:nvSpPr>
-          <p:cNvPr id="11" name="Title 1">
-            <a:extLst>
-              <a:ext uri="{FF2B5EF4-FFF2-40B4-BE49-F238E27FC236}">
-                <a16:creationId xmlns:a16="http://schemas.microsoft.com/office/drawing/2014/main" id="{10149CBB-F703-37F3-0399-9F2B15DA2BA3}"/>
+          <p:cNvPr id="3" name="Title 1">
+            <a:extLst>
+              <a:ext uri="{FF2B5EF4-FFF2-40B4-BE49-F238E27FC236}">
+                <a16:creationId xmlns:a16="http://schemas.microsoft.com/office/drawing/2014/main" id="{3D019472-36EF-9330-BAB3-1B72808AC641}"/>
               </a:ext>
             </a:extLst>
           </p:cNvPr>
@@ -3532,7 +6987,7 @@
         </p:nvSpPr>
         <p:spPr>
           <a:xfrm>
-            <a:off x="7080485" y="5532582"/>
+            <a:off x="7378502" y="5532581"/>
             <a:ext cx="4294096" cy="698011"/>
           </a:xfrm>
           <a:prstGeom prst="rect">
@@ -3566,45 +7021,15 @@
             <a:pPr algn="l"/>
             <a:r>
               <a:rPr lang="en-US" sz="4000" dirty="0"/>
-              <a:t>Normalized to 490</a:t>
+              <a:t>490 K as reference</a:t>
             </a:r>
           </a:p>
         </p:txBody>
       </p:sp>
-      <p:pic>
-        <p:nvPicPr>
-          <p:cNvPr id="4" name="Picture 3">
-            <a:extLst>
-              <a:ext uri="{FF2B5EF4-FFF2-40B4-BE49-F238E27FC236}">
-                <a16:creationId xmlns:a16="http://schemas.microsoft.com/office/drawing/2014/main" id="{CB2F2EDF-1E89-3993-A483-53681953BA46}"/>
-              </a:ext>
-            </a:extLst>
-          </p:cNvPr>
-          <p:cNvPicPr>
-            <a:picLocks noChangeAspect="1"/>
-          </p:cNvPicPr>
-          <p:nvPr/>
-        </p:nvPicPr>
-        <p:blipFill>
-          <a:blip r:embed="rId2"/>
-          <a:stretch>
-            <a:fillRect/>
-          </a:stretch>
-        </p:blipFill>
-        <p:spPr>
-          <a:xfrm>
-            <a:off x="184727" y="896593"/>
-            <a:ext cx="6181319" cy="4635989"/>
-          </a:xfrm>
-          <a:prstGeom prst="rect">
-            <a:avLst/>
-          </a:prstGeom>
-        </p:spPr>
-      </p:pic>
     </p:spTree>
     <p:extLst>
       <p:ext uri="{BB962C8B-B14F-4D97-AF65-F5344CB8AC3E}">
-        <p14:creationId xmlns:p14="http://schemas.microsoft.com/office/powerpoint/2010/main" val="409759450"/>
+        <p14:creationId xmlns:p14="http://schemas.microsoft.com/office/powerpoint/2010/main" val="2323664191"/>
       </p:ext>
     </p:extLst>
   </p:cSld>
@@ -3649,8 +7074,8 @@
         </p:nvSpPr>
         <p:spPr>
           <a:xfrm>
-            <a:off x="3339946" y="3147579"/>
-            <a:ext cx="5955129" cy="698011"/>
+            <a:off x="437720" y="261256"/>
+            <a:ext cx="8438148" cy="698011"/>
           </a:xfrm>
         </p:spPr>
         <p:txBody>
@@ -3659,17 +7084,188 @@
           </a:bodyPr>
           <a:lstStyle/>
           <a:p>
+            <a:pPr algn="l"/>
             <a:r>
               <a:rPr lang="en-US" sz="4000" dirty="0"/>
-              <a:t>GERMAN PAPER DATA</a:t>
+              <a:t>Area - normalized</a:t>
             </a:r>
           </a:p>
         </p:txBody>
       </p:sp>
+      <p:sp>
+        <p:nvSpPr>
+          <p:cNvPr id="3" name="Title 1">
+            <a:extLst>
+              <a:ext uri="{FF2B5EF4-FFF2-40B4-BE49-F238E27FC236}">
+                <a16:creationId xmlns:a16="http://schemas.microsoft.com/office/drawing/2014/main" id="{A2DFE1D1-1A39-AF1A-258C-F6CE558232A4}"/>
+              </a:ext>
+            </a:extLst>
+          </p:cNvPr>
+          <p:cNvSpPr txBox="1">
+            <a:spLocks/>
+          </p:cNvSpPr>
+          <p:nvPr/>
+        </p:nvSpPr>
+        <p:spPr>
+          <a:xfrm>
+            <a:off x="712013" y="5532582"/>
+            <a:ext cx="4294096" cy="698011"/>
+          </a:xfrm>
+          <a:prstGeom prst="rect">
+            <a:avLst/>
+          </a:prstGeom>
+        </p:spPr>
+        <p:txBody>
+          <a:bodyPr vert="horz" lIns="91440" tIns="45720" rIns="91440" bIns="45720" rtlCol="0" anchor="b">
+            <a:normAutofit/>
+          </a:bodyPr>
+          <a:lstStyle>
+            <a:lvl1pPr algn="ctr" defTabSz="914400" rtl="0" eaLnBrk="1" latinLnBrk="0" hangingPunct="1">
+              <a:lnSpc>
+                <a:spcPct val="90000"/>
+              </a:lnSpc>
+              <a:spcBef>
+                <a:spcPct val="0"/>
+              </a:spcBef>
+              <a:buNone/>
+              <a:defRPr sz="6000" kern="1200">
+                <a:solidFill>
+                  <a:schemeClr val="tx1"/>
+                </a:solidFill>
+                <a:latin typeface="+mj-lt"/>
+                <a:ea typeface="+mj-ea"/>
+                <a:cs typeface="+mj-cs"/>
+              </a:defRPr>
+            </a:lvl1pPr>
+          </a:lstStyle>
+          <a:p>
+            <a:pPr algn="l"/>
+            <a:r>
+              <a:rPr lang="en-US" sz="4000" dirty="0"/>
+              <a:t>450 K as reference</a:t>
+            </a:r>
+          </a:p>
+        </p:txBody>
+      </p:sp>
+      <p:sp>
+        <p:nvSpPr>
+          <p:cNvPr id="4" name="Title 1">
+            <a:extLst>
+              <a:ext uri="{FF2B5EF4-FFF2-40B4-BE49-F238E27FC236}">
+                <a16:creationId xmlns:a16="http://schemas.microsoft.com/office/drawing/2014/main" id="{EF593644-16FF-6ED1-A11F-31B2AA225C70}"/>
+              </a:ext>
+            </a:extLst>
+          </p:cNvPr>
+          <p:cNvSpPr txBox="1">
+            <a:spLocks/>
+          </p:cNvSpPr>
+          <p:nvPr/>
+        </p:nvSpPr>
+        <p:spPr>
+          <a:xfrm>
+            <a:off x="7378502" y="5532581"/>
+            <a:ext cx="4294096" cy="698011"/>
+          </a:xfrm>
+          <a:prstGeom prst="rect">
+            <a:avLst/>
+          </a:prstGeom>
+        </p:spPr>
+        <p:txBody>
+          <a:bodyPr vert="horz" lIns="91440" tIns="45720" rIns="91440" bIns="45720" rtlCol="0" anchor="b">
+            <a:normAutofit/>
+          </a:bodyPr>
+          <a:lstStyle>
+            <a:lvl1pPr algn="ctr" defTabSz="914400" rtl="0" eaLnBrk="1" latinLnBrk="0" hangingPunct="1">
+              <a:lnSpc>
+                <a:spcPct val="90000"/>
+              </a:lnSpc>
+              <a:spcBef>
+                <a:spcPct val="0"/>
+              </a:spcBef>
+              <a:buNone/>
+              <a:defRPr sz="6000" kern="1200">
+                <a:solidFill>
+                  <a:schemeClr val="tx1"/>
+                </a:solidFill>
+                <a:latin typeface="+mj-lt"/>
+                <a:ea typeface="+mj-ea"/>
+                <a:cs typeface="+mj-cs"/>
+              </a:defRPr>
+            </a:lvl1pPr>
+          </a:lstStyle>
+          <a:p>
+            <a:pPr algn="l"/>
+            <a:r>
+              <a:rPr lang="en-US" sz="4000" dirty="0"/>
+              <a:t>490 K as reference</a:t>
+            </a:r>
+          </a:p>
+        </p:txBody>
+      </p:sp>
+      <p:pic>
+        <p:nvPicPr>
+          <p:cNvPr id="8" name="Picture 7">
+            <a:extLst>
+              <a:ext uri="{FF2B5EF4-FFF2-40B4-BE49-F238E27FC236}">
+                <a16:creationId xmlns:a16="http://schemas.microsoft.com/office/drawing/2014/main" id="{F0B96787-70C4-25F5-74DC-F8A38AB552C2}"/>
+              </a:ext>
+            </a:extLst>
+          </p:cNvPr>
+          <p:cNvPicPr>
+            <a:picLocks noChangeAspect="1"/>
+          </p:cNvPicPr>
+          <p:nvPr/>
+        </p:nvPicPr>
+        <p:blipFill>
+          <a:blip r:embed="rId2"/>
+          <a:stretch>
+            <a:fillRect/>
+          </a:stretch>
+        </p:blipFill>
+        <p:spPr>
+          <a:xfrm>
+            <a:off x="5997800" y="1111830"/>
+            <a:ext cx="5756136" cy="4317102"/>
+          </a:xfrm>
+          <a:prstGeom prst="rect">
+            <a:avLst/>
+          </a:prstGeom>
+        </p:spPr>
+      </p:pic>
+      <p:pic>
+        <p:nvPicPr>
+          <p:cNvPr id="12" name="Picture 11">
+            <a:extLst>
+              <a:ext uri="{FF2B5EF4-FFF2-40B4-BE49-F238E27FC236}">
+                <a16:creationId xmlns:a16="http://schemas.microsoft.com/office/drawing/2014/main" id="{5CE3CAE6-891A-210D-1481-10B7AD52B331}"/>
+              </a:ext>
+            </a:extLst>
+          </p:cNvPr>
+          <p:cNvPicPr>
+            <a:picLocks noChangeAspect="1"/>
+          </p:cNvPicPr>
+          <p:nvPr/>
+        </p:nvPicPr>
+        <p:blipFill>
+          <a:blip r:embed="rId3"/>
+          <a:stretch>
+            <a:fillRect/>
+          </a:stretch>
+        </p:blipFill>
+        <p:spPr>
+          <a:xfrm>
+            <a:off x="249955" y="1111830"/>
+            <a:ext cx="5690917" cy="4268188"/>
+          </a:xfrm>
+          <a:prstGeom prst="rect">
+            <a:avLst/>
+          </a:prstGeom>
+        </p:spPr>
+      </p:pic>
     </p:spTree>
     <p:extLst>
       <p:ext uri="{BB962C8B-B14F-4D97-AF65-F5344CB8AC3E}">
-        <p14:creationId xmlns:p14="http://schemas.microsoft.com/office/powerpoint/2010/main" val="574587389"/>
+        <p14:creationId xmlns:p14="http://schemas.microsoft.com/office/powerpoint/2010/main" val="1744569509"/>
       </p:ext>
     </p:extLst>
   </p:cSld>
@@ -3714,8 +7310,8 @@
         </p:nvSpPr>
         <p:spPr>
           <a:xfrm>
-            <a:off x="354375" y="225354"/>
-            <a:ext cx="2524851" cy="698011"/>
+            <a:off x="437720" y="261256"/>
+            <a:ext cx="8438148" cy="698011"/>
           </a:xfrm>
         </p:spPr>
         <p:txBody>
@@ -3727,98 +7323,17 @@
             <a:pPr algn="l"/>
             <a:r>
               <a:rPr lang="en-US" sz="4000" dirty="0"/>
-              <a:t>Digitized</a:t>
+              <a:t>Area - normalized</a:t>
             </a:r>
           </a:p>
         </p:txBody>
       </p:sp>
-      <p:pic>
-        <p:nvPicPr>
-          <p:cNvPr id="4" name="Picture 3" descr="A picture containing text, line, diagram, parallel&#10;&#10;Description automatically generated">
-            <a:extLst>
-              <a:ext uri="{FF2B5EF4-FFF2-40B4-BE49-F238E27FC236}">
-                <a16:creationId xmlns:a16="http://schemas.microsoft.com/office/drawing/2014/main" id="{52610252-8FA4-001C-7732-9E1B15DB72C3}"/>
-              </a:ext>
-            </a:extLst>
-          </p:cNvPr>
-          <p:cNvPicPr>
-            <a:picLocks noChangeAspect="1"/>
-          </p:cNvPicPr>
-          <p:nvPr/>
-        </p:nvPicPr>
-        <p:blipFill>
-          <a:blip r:embed="rId2"/>
-          <a:stretch>
-            <a:fillRect/>
-          </a:stretch>
-        </p:blipFill>
-        <p:spPr>
-          <a:xfrm>
-            <a:off x="112094" y="923365"/>
-            <a:ext cx="5285840" cy="4267750"/>
-          </a:xfrm>
-          <a:prstGeom prst="rect">
-            <a:avLst/>
-          </a:prstGeom>
-        </p:spPr>
-      </p:pic>
-      <mc:AlternateContent xmlns:mc="http://schemas.openxmlformats.org/markup-compatibility/2006">
-        <mc:Choice xmlns:p14="http://schemas.microsoft.com/office/powerpoint/2010/main" Requires="p14">
-          <p:contentPart p14:bwMode="auto" r:id="rId3">
-            <p14:nvContentPartPr>
-              <p14:cNvPr id="8" name="Ink 7">
-                <a:extLst>
-                  <a:ext uri="{FF2B5EF4-FFF2-40B4-BE49-F238E27FC236}">
-                    <a16:creationId xmlns:a16="http://schemas.microsoft.com/office/drawing/2014/main" id="{943BF415-5BD9-EDEE-03FC-68D25DFF32E7}"/>
-                  </a:ext>
-                </a:extLst>
-              </p14:cNvPr>
-              <p14:cNvContentPartPr/>
-              <p14:nvPr/>
-            </p14:nvContentPartPr>
-            <p14:xfrm>
-              <a:off x="10053013" y="3927907"/>
-              <a:ext cx="360" cy="360"/>
-            </p14:xfrm>
-          </p:contentPart>
-        </mc:Choice>
-        <mc:Fallback>
-          <p:pic>
-            <p:nvPicPr>
-              <p:cNvPr id="8" name="Ink 7">
-                <a:extLst>
-                  <a:ext uri="{FF2B5EF4-FFF2-40B4-BE49-F238E27FC236}">
-                    <a16:creationId xmlns:a16="http://schemas.microsoft.com/office/drawing/2014/main" id="{943BF415-5BD9-EDEE-03FC-68D25DFF32E7}"/>
-                  </a:ext>
-                </a:extLst>
-              </p:cNvPr>
-              <p:cNvPicPr/>
-              <p:nvPr/>
-            </p:nvPicPr>
-            <p:blipFill>
-              <a:blip r:embed="rId4"/>
-              <a:stretch>
-                <a:fillRect/>
-              </a:stretch>
-            </p:blipFill>
-            <p:spPr>
-              <a:xfrm>
-                <a:off x="10044373" y="3919267"/>
-                <a:ext cx="18000" cy="18000"/>
-              </a:xfrm>
-              <a:prstGeom prst="rect">
-                <a:avLst/>
-              </a:prstGeom>
-            </p:spPr>
-          </p:pic>
-        </mc:Fallback>
-      </mc:AlternateContent>
       <p:sp>
         <p:nvSpPr>
-          <p:cNvPr id="13" name="Title 1">
-            <a:extLst>
-              <a:ext uri="{FF2B5EF4-FFF2-40B4-BE49-F238E27FC236}">
-                <a16:creationId xmlns:a16="http://schemas.microsoft.com/office/drawing/2014/main" id="{46EB812E-76C5-5994-873A-DA0F2EE620A3}"/>
+          <p:cNvPr id="3" name="Title 1">
+            <a:extLst>
+              <a:ext uri="{FF2B5EF4-FFF2-40B4-BE49-F238E27FC236}">
+                <a16:creationId xmlns:a16="http://schemas.microsoft.com/office/drawing/2014/main" id="{06FFC03F-BE0E-40FF-A2B4-A8E99365964F}"/>
               </a:ext>
             </a:extLst>
           </p:cNvPr>
@@ -3829,145 +7344,8 @@
         </p:nvSpPr>
         <p:spPr>
           <a:xfrm>
-            <a:off x="6323969" y="104579"/>
-            <a:ext cx="2631105" cy="698011"/>
-          </a:xfrm>
-          <a:prstGeom prst="rect">
-            <a:avLst/>
-          </a:prstGeom>
-        </p:spPr>
-        <p:txBody>
-          <a:bodyPr vert="horz" lIns="91440" tIns="45720" rIns="91440" bIns="45720" rtlCol="0" anchor="b">
-            <a:normAutofit fontScale="92500"/>
-          </a:bodyPr>
-          <a:lstStyle>
-            <a:lvl1pPr algn="ctr" defTabSz="914400" rtl="0" eaLnBrk="1" latinLnBrk="0" hangingPunct="1">
-              <a:lnSpc>
-                <a:spcPct val="90000"/>
-              </a:lnSpc>
-              <a:spcBef>
-                <a:spcPct val="0"/>
-              </a:spcBef>
-              <a:buNone/>
-              <a:defRPr sz="6000" kern="1200">
-                <a:solidFill>
-                  <a:schemeClr val="tx1"/>
-                </a:solidFill>
-                <a:latin typeface="+mj-lt"/>
-                <a:ea typeface="+mj-ea"/>
-                <a:cs typeface="+mj-cs"/>
-              </a:defRPr>
-            </a:lvl1pPr>
-          </a:lstStyle>
-          <a:p>
-            <a:pPr algn="l"/>
-            <a:r>
-              <a:rPr lang="en-US" sz="4000" dirty="0"/>
-              <a:t>Interpolated</a:t>
-            </a:r>
-          </a:p>
-        </p:txBody>
-      </p:sp>
-      <p:pic>
-        <p:nvPicPr>
-          <p:cNvPr id="15" name="Picture 14">
-            <a:extLst>
-              <a:ext uri="{FF2B5EF4-FFF2-40B4-BE49-F238E27FC236}">
-                <a16:creationId xmlns:a16="http://schemas.microsoft.com/office/drawing/2014/main" id="{81E94A47-52CB-3318-8D12-6BAB1BBD5288}"/>
-              </a:ext>
-            </a:extLst>
-          </p:cNvPr>
-          <p:cNvPicPr>
-            <a:picLocks noChangeAspect="1"/>
-          </p:cNvPicPr>
-          <p:nvPr/>
-        </p:nvPicPr>
-        <p:blipFill>
-          <a:blip r:embed="rId5"/>
-          <a:stretch>
-            <a:fillRect/>
-          </a:stretch>
-        </p:blipFill>
-        <p:spPr>
-          <a:xfrm>
-            <a:off x="5506355" y="923365"/>
-            <a:ext cx="5894327" cy="4267750"/>
-          </a:xfrm>
-          <a:prstGeom prst="rect">
-            <a:avLst/>
-          </a:prstGeom>
-        </p:spPr>
-      </p:pic>
-      <p:sp>
-        <p:nvSpPr>
-          <p:cNvPr id="16" name="Rectangle 15">
-            <a:extLst>
-              <a:ext uri="{FF2B5EF4-FFF2-40B4-BE49-F238E27FC236}">
-                <a16:creationId xmlns:a16="http://schemas.microsoft.com/office/drawing/2014/main" id="{8353C99C-6FE9-FFEB-F857-699392B9B527}"/>
-              </a:ext>
-            </a:extLst>
-          </p:cNvPr>
-          <p:cNvSpPr/>
-          <p:nvPr/>
-        </p:nvSpPr>
-        <p:spPr>
-          <a:xfrm>
-            <a:off x="9060873" y="1118440"/>
-            <a:ext cx="513877" cy="3936490"/>
-          </a:xfrm>
-          <a:prstGeom prst="rect">
-            <a:avLst/>
-          </a:prstGeom>
-          <a:noFill/>
-          <a:ln w="38100">
-            <a:solidFill>
-              <a:srgbClr val="FF0000"/>
-            </a:solidFill>
-          </a:ln>
-        </p:spPr>
-        <p:style>
-          <a:lnRef idx="2">
-            <a:schemeClr val="accent1">
-              <a:shade val="50000"/>
-            </a:schemeClr>
-          </a:lnRef>
-          <a:fillRef idx="1">
-            <a:schemeClr val="accent1"/>
-          </a:fillRef>
-          <a:effectRef idx="0">
-            <a:schemeClr val="accent1"/>
-          </a:effectRef>
-          <a:fontRef idx="minor">
-            <a:schemeClr val="lt1"/>
-          </a:fontRef>
-        </p:style>
-        <p:txBody>
-          <a:bodyPr rtlCol="0" anchor="ctr"/>
-          <a:lstStyle/>
-          <a:p>
-            <a:pPr algn="ctr"/>
-            <a:endParaRPr lang="en-US"/>
-          </a:p>
-        </p:txBody>
-      </p:sp>
-      <p:sp>
-        <p:nvSpPr>
-          <p:cNvPr id="17" name="Title 1">
-            <a:extLst>
-              <a:ext uri="{FF2B5EF4-FFF2-40B4-BE49-F238E27FC236}">
-                <a16:creationId xmlns:a16="http://schemas.microsoft.com/office/drawing/2014/main" id="{7C255744-8944-34CF-5B54-6EA5C031063E}"/>
-              </a:ext>
-            </a:extLst>
-          </p:cNvPr>
-          <p:cNvSpPr txBox="1">
-            <a:spLocks/>
-          </p:cNvSpPr>
-          <p:nvPr/>
-        </p:nvSpPr>
-        <p:spPr>
-          <a:xfrm>
-            <a:off x="8093591" y="5523486"/>
-            <a:ext cx="2124154" cy="350428"/>
+            <a:off x="712013" y="5532582"/>
+            <a:ext cx="4294096" cy="698011"/>
           </a:xfrm>
           <a:prstGeom prst="rect">
             <a:avLst/>
@@ -3999,64 +7377,18 @@
           <a:p>
             <a:pPr algn="l"/>
             <a:r>
-              <a:rPr lang="en-US" sz="1800" dirty="0"/>
-              <a:t>Pressure of interest</a:t>
+              <a:rPr lang="en-US" sz="4000" dirty="0"/>
+              <a:t>450 K as reference</a:t>
             </a:r>
           </a:p>
         </p:txBody>
       </p:sp>
       <p:sp>
         <p:nvSpPr>
-          <p:cNvPr id="18" name="Right Arrow 17">
-            <a:extLst>
-              <a:ext uri="{FF2B5EF4-FFF2-40B4-BE49-F238E27FC236}">
-                <a16:creationId xmlns:a16="http://schemas.microsoft.com/office/drawing/2014/main" id="{0FDD6819-C4DB-7125-BC94-999891F73D81}"/>
-              </a:ext>
-            </a:extLst>
-          </p:cNvPr>
-          <p:cNvSpPr/>
-          <p:nvPr/>
-        </p:nvSpPr>
-        <p:spPr>
-          <a:xfrm rot="16838298">
-            <a:off x="9086325" y="5222627"/>
-            <a:ext cx="324270" cy="249382"/>
-          </a:xfrm>
-          <a:prstGeom prst="rightArrow">
-            <a:avLst/>
-          </a:prstGeom>
-        </p:spPr>
-        <p:style>
-          <a:lnRef idx="2">
-            <a:schemeClr val="accent1">
-              <a:shade val="50000"/>
-            </a:schemeClr>
-          </a:lnRef>
-          <a:fillRef idx="1">
-            <a:schemeClr val="accent1"/>
-          </a:fillRef>
-          <a:effectRef idx="0">
-            <a:schemeClr val="accent1"/>
-          </a:effectRef>
-          <a:fontRef idx="minor">
-            <a:schemeClr val="lt1"/>
-          </a:fontRef>
-        </p:style>
-        <p:txBody>
-          <a:bodyPr rtlCol="0" anchor="ctr"/>
-          <a:lstStyle/>
-          <a:p>
-            <a:pPr algn="ctr"/>
-            <a:endParaRPr lang="en-US"/>
-          </a:p>
-        </p:txBody>
-      </p:sp>
-      <p:sp>
-        <p:nvSpPr>
-          <p:cNvPr id="19" name="Title 1">
-            <a:extLst>
-              <a:ext uri="{FF2B5EF4-FFF2-40B4-BE49-F238E27FC236}">
-                <a16:creationId xmlns:a16="http://schemas.microsoft.com/office/drawing/2014/main" id="{274C205F-4448-6270-2469-524AF0BD225E}"/>
+          <p:cNvPr id="4" name="Title 1">
+            <a:extLst>
+              <a:ext uri="{FF2B5EF4-FFF2-40B4-BE49-F238E27FC236}">
+                <a16:creationId xmlns:a16="http://schemas.microsoft.com/office/drawing/2014/main" id="{66FC323E-E26A-64F5-F027-7C0624A6A98E}"/>
               </a:ext>
             </a:extLst>
           </p:cNvPr>
@@ -4067,8 +7399,8 @@
         </p:nvSpPr>
         <p:spPr>
           <a:xfrm>
-            <a:off x="4632491" y="6178484"/>
-            <a:ext cx="6922200" cy="350428"/>
+            <a:off x="7378502" y="5532581"/>
+            <a:ext cx="4294096" cy="698011"/>
           </a:xfrm>
           <a:prstGeom prst="rect">
             <a:avLst/>
@@ -4100,62 +7432,951 @@
           <a:p>
             <a:pPr algn="l"/>
             <a:r>
-              <a:rPr lang="en-US" sz="1800" dirty="0"/>
-              <a:t>We obtain expected coverage at saturation for each temperature.</a:t>
+              <a:rPr lang="en-US" sz="4000" dirty="0"/>
+              <a:t>490 K as reference</a:t>
             </a:r>
           </a:p>
         </p:txBody>
       </p:sp>
+      <p:pic>
+        <p:nvPicPr>
+          <p:cNvPr id="8" name="Picture 7">
+            <a:extLst>
+              <a:ext uri="{FF2B5EF4-FFF2-40B4-BE49-F238E27FC236}">
+                <a16:creationId xmlns:a16="http://schemas.microsoft.com/office/drawing/2014/main" id="{2207ED4A-1493-5FE9-9276-628FEF202906}"/>
+              </a:ext>
+            </a:extLst>
+          </p:cNvPr>
+          <p:cNvPicPr>
+            <a:picLocks noChangeAspect="1"/>
+          </p:cNvPicPr>
+          <p:nvPr/>
+        </p:nvPicPr>
+        <p:blipFill>
+          <a:blip r:embed="rId2"/>
+          <a:stretch>
+            <a:fillRect/>
+          </a:stretch>
+        </p:blipFill>
+        <p:spPr>
+          <a:xfrm>
+            <a:off x="373745" y="1161568"/>
+            <a:ext cx="5237763" cy="3928322"/>
+          </a:xfrm>
+          <a:prstGeom prst="rect">
+            <a:avLst/>
+          </a:prstGeom>
+        </p:spPr>
+      </p:pic>
+      <p:pic>
+        <p:nvPicPr>
+          <p:cNvPr id="12" name="Picture 11">
+            <a:extLst>
+              <a:ext uri="{FF2B5EF4-FFF2-40B4-BE49-F238E27FC236}">
+                <a16:creationId xmlns:a16="http://schemas.microsoft.com/office/drawing/2014/main" id="{020F16AC-50B5-10C9-95F1-04177F776059}"/>
+              </a:ext>
+            </a:extLst>
+          </p:cNvPr>
+          <p:cNvPicPr>
+            <a:picLocks noChangeAspect="1"/>
+          </p:cNvPicPr>
+          <p:nvPr/>
+        </p:nvPicPr>
+        <p:blipFill>
+          <a:blip r:embed="rId3"/>
+          <a:stretch>
+            <a:fillRect/>
+          </a:stretch>
+        </p:blipFill>
+        <p:spPr>
+          <a:xfrm>
+            <a:off x="6006328" y="1078871"/>
+            <a:ext cx="5458287" cy="4093715"/>
+          </a:xfrm>
+          <a:prstGeom prst="rect">
+            <a:avLst/>
+          </a:prstGeom>
+        </p:spPr>
+      </p:pic>
+    </p:spTree>
+    <p:extLst>
+      <p:ext uri="{BB962C8B-B14F-4D97-AF65-F5344CB8AC3E}">
+        <p14:creationId xmlns:p14="http://schemas.microsoft.com/office/powerpoint/2010/main" val="637507632"/>
+      </p:ext>
+    </p:extLst>
+  </p:cSld>
+  <p:clrMapOvr>
+    <a:masterClrMapping/>
+  </p:clrMapOvr>
+</p:sld>
+</file>
+
+<file path=ppt/slides/slide13.xml><?xml version="1.0" encoding="utf-8"?>
+<p:sld xmlns:a="http://schemas.openxmlformats.org/drawingml/2006/main" xmlns:r="http://schemas.openxmlformats.org/officeDocument/2006/relationships" xmlns:p="http://schemas.openxmlformats.org/presentationml/2006/main">
+  <p:cSld>
+    <p:spTree>
+      <p:nvGrpSpPr>
+        <p:cNvPr id="1" name=""/>
+        <p:cNvGrpSpPr/>
+        <p:nvPr/>
+      </p:nvGrpSpPr>
+      <p:grpSpPr>
+        <a:xfrm>
+          <a:off x="0" y="0"/>
+          <a:ext cx="0" cy="0"/>
+          <a:chOff x="0" y="0"/>
+          <a:chExt cx="0" cy="0"/>
+        </a:xfrm>
+      </p:grpSpPr>
+      <mc:AlternateContent xmlns:mc="http://schemas.openxmlformats.org/markup-compatibility/2006">
+        <mc:Choice xmlns:a14="http://schemas.microsoft.com/office/drawing/2010/main" Requires="a14">
+          <p:sp>
+            <p:nvSpPr>
+              <p:cNvPr id="2" name="Title 1">
+                <a:extLst>
+                  <a:ext uri="{FF2B5EF4-FFF2-40B4-BE49-F238E27FC236}">
+                    <a16:creationId xmlns:a16="http://schemas.microsoft.com/office/drawing/2014/main" id="{553BC310-260C-4BBC-FFDE-C32713BA6ECC}"/>
+                  </a:ext>
+                </a:extLst>
+              </p:cNvPr>
+              <p:cNvSpPr>
+                <a:spLocks noGrp="1"/>
+              </p:cNvSpPr>
+              <p:nvPr>
+                <p:ph type="ctrTitle"/>
+              </p:nvPr>
+            </p:nvSpPr>
+            <p:spPr>
+              <a:xfrm>
+                <a:off x="3118435" y="2249364"/>
+                <a:ext cx="5955129" cy="752782"/>
+              </a:xfrm>
+            </p:spPr>
+            <p:txBody>
+              <a:bodyPr>
+                <a:normAutofit fontScale="90000"/>
+              </a:bodyPr>
+              <a:lstStyle/>
+              <a:p>
+                <a14:m>
+                  <m:oMath xmlns:m="http://schemas.openxmlformats.org/officeDocument/2006/math">
+                    <m:r>
+                      <m:rPr>
+                        <m:sty m:val="p"/>
+                      </m:rPr>
+                      <a:rPr lang="en-US" sz="4000" b="0" i="1" smtClean="0">
+                        <a:latin typeface="Cambria Math" panose="02040503050406030204" pitchFamily="18" charset="0"/>
+                      </a:rPr>
+                      <m:t>ϵ</m:t>
+                    </m:r>
+                  </m:oMath>
+                </a14:m>
+                <a:r>
+                  <a:rPr lang="en-US" sz="4000" dirty="0"/>
+                  <a:t> - EXTINCTION  COEFFICIENT</a:t>
+                </a:r>
+              </a:p>
+            </p:txBody>
+          </p:sp>
+        </mc:Choice>
+        <mc:Fallback>
+          <p:sp>
+            <p:nvSpPr>
+              <p:cNvPr id="2" name="Title 1">
+                <a:extLst>
+                  <a:ext uri="{FF2B5EF4-FFF2-40B4-BE49-F238E27FC236}">
+                    <a16:creationId xmlns:a16="http://schemas.microsoft.com/office/drawing/2014/main" id="{553BC310-260C-4BBC-FFDE-C32713BA6ECC}"/>
+                  </a:ext>
+                </a:extLst>
+              </p:cNvPr>
+              <p:cNvSpPr>
+                <a:spLocks noGrp="1" noRot="1" noChangeAspect="1" noMove="1" noResize="1" noEditPoints="1" noAdjustHandles="1" noChangeArrowheads="1" noChangeShapeType="1" noTextEdit="1"/>
+              </p:cNvSpPr>
+              <p:nvPr>
+                <p:ph type="ctrTitle"/>
+              </p:nvPr>
+            </p:nvSpPr>
+            <p:spPr>
+              <a:xfrm>
+                <a:off x="3118435" y="2249364"/>
+                <a:ext cx="5955129" cy="752782"/>
+              </a:xfrm>
+              <a:blipFill>
+                <a:blip r:embed="rId2"/>
+                <a:stretch>
+                  <a:fillRect b="-30000"/>
+                </a:stretch>
+              </a:blipFill>
+            </p:spPr>
+            <p:txBody>
+              <a:bodyPr/>
+              <a:lstStyle/>
+              <a:p>
+                <a:r>
+                  <a:rPr lang="en-US">
+                    <a:noFill/>
+                  </a:rPr>
+                  <a:t> </a:t>
+                </a:r>
+              </a:p>
+            </p:txBody>
+          </p:sp>
+        </mc:Fallback>
+      </mc:AlternateContent>
+    </p:spTree>
+    <p:extLst>
+      <p:ext uri="{BB962C8B-B14F-4D97-AF65-F5344CB8AC3E}">
+        <p14:creationId xmlns:p14="http://schemas.microsoft.com/office/powerpoint/2010/main" val="1465684167"/>
+      </p:ext>
+    </p:extLst>
+  </p:cSld>
+  <p:clrMapOvr>
+    <a:masterClrMapping/>
+  </p:clrMapOvr>
+</p:sld>
+</file>
+
+<file path=ppt/slides/slide14.xml><?xml version="1.0" encoding="utf-8"?>
+<p:sld xmlns:a="http://schemas.openxmlformats.org/drawingml/2006/main" xmlns:r="http://schemas.openxmlformats.org/officeDocument/2006/relationships" xmlns:p="http://schemas.openxmlformats.org/presentationml/2006/main">
+  <p:cSld>
+    <p:spTree>
+      <p:nvGrpSpPr>
+        <p:cNvPr id="1" name=""/>
+        <p:cNvGrpSpPr/>
+        <p:nvPr/>
+      </p:nvGrpSpPr>
+      <p:grpSpPr>
+        <a:xfrm>
+          <a:off x="0" y="0"/>
+          <a:ext cx="0" cy="0"/>
+          <a:chOff x="0" y="0"/>
+          <a:chExt cx="0" cy="0"/>
+        </a:xfrm>
+      </p:grpSpPr>
+      <mc:AlternateContent xmlns:mc="http://schemas.openxmlformats.org/markup-compatibility/2006">
+        <mc:Choice xmlns:a14="http://schemas.microsoft.com/office/drawing/2010/main" Requires="a14">
+          <p:sp>
+            <p:nvSpPr>
+              <p:cNvPr id="2" name="Title 1">
+                <a:extLst>
+                  <a:ext uri="{FF2B5EF4-FFF2-40B4-BE49-F238E27FC236}">
+                    <a16:creationId xmlns:a16="http://schemas.microsoft.com/office/drawing/2014/main" id="{553BC310-260C-4BBC-FFDE-C32713BA6ECC}"/>
+                  </a:ext>
+                </a:extLst>
+              </p:cNvPr>
+              <p:cNvSpPr>
+                <a:spLocks noGrp="1"/>
+              </p:cNvSpPr>
+              <p:nvPr>
+                <p:ph type="ctrTitle"/>
+              </p:nvPr>
+            </p:nvSpPr>
+            <p:spPr>
+              <a:xfrm>
+                <a:off x="312893" y="816863"/>
+                <a:ext cx="2424609" cy="752782"/>
+              </a:xfrm>
+            </p:spPr>
+            <p:txBody>
+              <a:bodyPr>
+                <a:normAutofit/>
+              </a:bodyPr>
+              <a:lstStyle/>
+              <a:p>
+                <a14:m>
+                  <m:oMathPara xmlns:m="http://schemas.openxmlformats.org/officeDocument/2006/math">
+                    <m:oMathParaPr>
+                      <m:jc m:val="centerGroup"/>
+                    </m:oMathParaPr>
+                    <m:oMath xmlns:m="http://schemas.openxmlformats.org/officeDocument/2006/math">
+                      <m:r>
+                        <a:rPr lang="en-US" sz="4000" b="0" i="1" smtClean="0">
+                          <a:latin typeface="Cambria Math" panose="02040503050406030204" pitchFamily="18" charset="0"/>
+                        </a:rPr>
+                        <m:t>𝐴</m:t>
+                      </m:r>
+                      <m:r>
+                        <a:rPr lang="en-US" sz="4000" b="0" i="1" smtClean="0">
+                          <a:latin typeface="Cambria Math" panose="02040503050406030204" pitchFamily="18" charset="0"/>
+                        </a:rPr>
+                        <m:t>= </m:t>
+                      </m:r>
+                      <m:r>
+                        <m:rPr>
+                          <m:sty m:val="p"/>
+                        </m:rPr>
+                        <a:rPr lang="en-US" sz="4000" b="0" i="1" smtClean="0">
+                          <a:latin typeface="Cambria Math" panose="02040503050406030204" pitchFamily="18" charset="0"/>
+                        </a:rPr>
+                        <m:t>ϵθ</m:t>
+                      </m:r>
+                    </m:oMath>
+                  </m:oMathPara>
+                </a14:m>
+                <a:endParaRPr lang="en-US" sz="4000" dirty="0"/>
+              </a:p>
+            </p:txBody>
+          </p:sp>
+        </mc:Choice>
+        <mc:Fallback>
+          <p:sp>
+            <p:nvSpPr>
+              <p:cNvPr id="2" name="Title 1">
+                <a:extLst>
+                  <a:ext uri="{FF2B5EF4-FFF2-40B4-BE49-F238E27FC236}">
+                    <a16:creationId xmlns:a16="http://schemas.microsoft.com/office/drawing/2014/main" id="{553BC310-260C-4BBC-FFDE-C32713BA6ECC}"/>
+                  </a:ext>
+                </a:extLst>
+              </p:cNvPr>
+              <p:cNvSpPr>
+                <a:spLocks noGrp="1" noRot="1" noChangeAspect="1" noMove="1" noResize="1" noEditPoints="1" noAdjustHandles="1" noChangeArrowheads="1" noChangeShapeType="1" noTextEdit="1"/>
+              </p:cNvSpPr>
+              <p:nvPr>
+                <p:ph type="ctrTitle"/>
+              </p:nvPr>
+            </p:nvSpPr>
+            <p:spPr>
+              <a:xfrm>
+                <a:off x="312893" y="816863"/>
+                <a:ext cx="2424609" cy="752782"/>
+              </a:xfrm>
+              <a:blipFill>
+                <a:blip r:embed="rId2"/>
+                <a:stretch>
+                  <a:fillRect b="-25000"/>
+                </a:stretch>
+              </a:blipFill>
+            </p:spPr>
+            <p:txBody>
+              <a:bodyPr/>
+              <a:lstStyle/>
+              <a:p>
+                <a:r>
+                  <a:rPr lang="en-US">
+                    <a:noFill/>
+                  </a:rPr>
+                  <a:t> </a:t>
+                </a:r>
+              </a:p>
+            </p:txBody>
+          </p:sp>
+        </mc:Fallback>
+      </mc:AlternateContent>
       <p:sp>
         <p:nvSpPr>
-          <p:cNvPr id="20" name="Right Arrow 19">
-            <a:extLst>
-              <a:ext uri="{FF2B5EF4-FFF2-40B4-BE49-F238E27FC236}">
-                <a16:creationId xmlns:a16="http://schemas.microsoft.com/office/drawing/2014/main" id="{7158FDA6-64B7-CB00-9383-30CF94BD8189}"/>
-              </a:ext>
-            </a:extLst>
-          </p:cNvPr>
-          <p:cNvSpPr/>
+          <p:cNvPr id="4" name="TextBox 3">
+            <a:extLst>
+              <a:ext uri="{FF2B5EF4-FFF2-40B4-BE49-F238E27FC236}">
+                <a16:creationId xmlns:a16="http://schemas.microsoft.com/office/drawing/2014/main" id="{AE261EF3-E24D-9A93-6E50-59FE7455BB6D}"/>
+              </a:ext>
+            </a:extLst>
+          </p:cNvPr>
+          <p:cNvSpPr txBox="1"/>
           <p:nvPr/>
         </p:nvSpPr>
         <p:spPr>
-          <a:xfrm rot="7578836">
-            <a:off x="8797041" y="5901508"/>
-            <a:ext cx="324270" cy="249382"/>
+          <a:xfrm>
+            <a:off x="590719" y="283221"/>
+            <a:ext cx="4474895" cy="646331"/>
           </a:xfrm>
-          <a:prstGeom prst="rightArrow">
+          <a:prstGeom prst="rect">
+            <a:avLst/>
+          </a:prstGeom>
+          <a:noFill/>
+        </p:spPr>
+        <p:txBody>
+          <a:bodyPr wrap="square" rtlCol="0">
+            <a:spAutoFit/>
+          </a:bodyPr>
+          <a:lstStyle/>
+          <a:p>
+            <a:r>
+              <a:rPr lang="en-US" sz="3600" dirty="0"/>
+              <a:t>Beer’s Law</a:t>
+            </a:r>
+          </a:p>
+        </p:txBody>
+      </p:sp>
+      <mc:AlternateContent xmlns:mc="http://schemas.openxmlformats.org/markup-compatibility/2006">
+        <mc:Choice xmlns:a14="http://schemas.microsoft.com/office/drawing/2010/main" Requires="a14">
+          <p:sp>
+            <p:nvSpPr>
+              <p:cNvPr id="5" name="TextBox 4">
+                <a:extLst>
+                  <a:ext uri="{FF2B5EF4-FFF2-40B4-BE49-F238E27FC236}">
+                    <a16:creationId xmlns:a16="http://schemas.microsoft.com/office/drawing/2014/main" id="{A0D046A5-5DCB-A4F4-DA81-AD4EF38860ED}"/>
+                  </a:ext>
+                </a:extLst>
+              </p:cNvPr>
+              <p:cNvSpPr txBox="1"/>
+              <p:nvPr/>
+            </p:nvSpPr>
+            <p:spPr>
+              <a:xfrm>
+                <a:off x="4839038" y="401365"/>
+                <a:ext cx="7040070" cy="830997"/>
+              </a:xfrm>
+              <a:prstGeom prst="rect">
+                <a:avLst/>
+              </a:prstGeom>
+              <a:noFill/>
+            </p:spPr>
+            <p:txBody>
+              <a:bodyPr wrap="square" rtlCol="0">
+                <a:spAutoFit/>
+              </a:bodyPr>
+              <a:lstStyle/>
+              <a:p>
+                <a:r>
+                  <a:rPr lang="en-US" sz="2400" dirty="0"/>
+                  <a:t>Assuming we have the correct A, </a:t>
+                </a:r>
+                <a:r>
+                  <a:rPr lang="en-US" sz="2400" b="1" dirty="0"/>
+                  <a:t>we can obtain</a:t>
+                </a:r>
+                <a:r>
+                  <a:rPr lang="en-US" sz="2400" dirty="0"/>
+                  <a:t> </a:t>
+                </a:r>
+                <a14:m>
+                  <m:oMath xmlns:m="http://schemas.openxmlformats.org/officeDocument/2006/math">
+                    <m:r>
+                      <m:rPr>
+                        <m:sty m:val="p"/>
+                      </m:rPr>
+                      <a:rPr lang="en-US" sz="2400" b="0" i="1" smtClean="0">
+                        <a:latin typeface="Cambria Math" panose="02040503050406030204" pitchFamily="18" charset="0"/>
+                      </a:rPr>
+                      <m:t>ϵ</m:t>
+                    </m:r>
+                  </m:oMath>
+                </a14:m>
+                <a:r>
+                  <a:rPr lang="en-US" sz="2400" dirty="0"/>
+                  <a:t> at saturation and </a:t>
+                </a:r>
+                <a14:m>
+                  <m:oMath xmlns:m="http://schemas.openxmlformats.org/officeDocument/2006/math">
+                    <m:r>
+                      <m:rPr>
+                        <m:sty m:val="p"/>
+                      </m:rPr>
+                      <a:rPr lang="en-US" sz="2400" i="1">
+                        <a:latin typeface="Cambria Math" panose="02040503050406030204" pitchFamily="18" charset="0"/>
+                      </a:rPr>
+                      <m:t>ϵ</m:t>
+                    </m:r>
+                  </m:oMath>
+                </a14:m>
+                <a:r>
+                  <a:rPr lang="en-US" sz="2400" dirty="0"/>
+                  <a:t> at 1/3.</a:t>
+                </a:r>
+              </a:p>
+            </p:txBody>
+          </p:sp>
+        </mc:Choice>
+        <mc:Fallback>
+          <p:sp>
+            <p:nvSpPr>
+              <p:cNvPr id="5" name="TextBox 4">
+                <a:extLst>
+                  <a:ext uri="{FF2B5EF4-FFF2-40B4-BE49-F238E27FC236}">
+                    <a16:creationId xmlns:a16="http://schemas.microsoft.com/office/drawing/2014/main" id="{A0D046A5-5DCB-A4F4-DA81-AD4EF38860ED}"/>
+                  </a:ext>
+                </a:extLst>
+              </p:cNvPr>
+              <p:cNvSpPr txBox="1">
+                <a:spLocks noRot="1" noChangeAspect="1" noMove="1" noResize="1" noEditPoints="1" noAdjustHandles="1" noChangeArrowheads="1" noChangeShapeType="1" noTextEdit="1"/>
+              </p:cNvSpPr>
+              <p:nvPr/>
+            </p:nvSpPr>
+            <p:spPr>
+              <a:xfrm>
+                <a:off x="4839038" y="401365"/>
+                <a:ext cx="7040070" cy="830997"/>
+              </a:xfrm>
+              <a:prstGeom prst="rect">
+                <a:avLst/>
+              </a:prstGeom>
+              <a:blipFill>
+                <a:blip r:embed="rId3"/>
+                <a:stretch>
+                  <a:fillRect l="-1441" t="-4545" b="-16667"/>
+                </a:stretch>
+              </a:blipFill>
+            </p:spPr>
+            <p:txBody>
+              <a:bodyPr/>
+              <a:lstStyle/>
+              <a:p>
+                <a:r>
+                  <a:rPr lang="en-US">
+                    <a:noFill/>
+                  </a:rPr>
+                  <a:t> </a:t>
+                </a:r>
+              </a:p>
+            </p:txBody>
+          </p:sp>
+        </mc:Fallback>
+      </mc:AlternateContent>
+      <p:pic>
+        <p:nvPicPr>
+          <p:cNvPr id="7" name="Picture 6">
+            <a:extLst>
+              <a:ext uri="{FF2B5EF4-FFF2-40B4-BE49-F238E27FC236}">
+                <a16:creationId xmlns:a16="http://schemas.microsoft.com/office/drawing/2014/main" id="{45364317-71F2-E0C2-91A3-A8FD572355D9}"/>
+              </a:ext>
+            </a:extLst>
+          </p:cNvPr>
+          <p:cNvPicPr>
+            <a:picLocks noChangeAspect="1"/>
+          </p:cNvPicPr>
+          <p:nvPr/>
+        </p:nvPicPr>
+        <p:blipFill>
+          <a:blip r:embed="rId4"/>
+          <a:stretch>
+            <a:fillRect/>
+          </a:stretch>
+        </p:blipFill>
+        <p:spPr>
+          <a:xfrm>
+            <a:off x="108343" y="1549621"/>
+            <a:ext cx="6071045" cy="4457222"/>
+          </a:xfrm>
+          <a:prstGeom prst="rect">
             <a:avLst/>
           </a:prstGeom>
         </p:spPr>
-        <p:style>
-          <a:lnRef idx="2">
-            <a:schemeClr val="accent1">
-              <a:shade val="50000"/>
-            </a:schemeClr>
-          </a:lnRef>
-          <a:fillRef idx="1">
-            <a:schemeClr val="accent1"/>
-          </a:fillRef>
-          <a:effectRef idx="0">
-            <a:schemeClr val="accent1"/>
-          </a:effectRef>
-          <a:fontRef idx="minor">
-            <a:schemeClr val="lt1"/>
-          </a:fontRef>
-        </p:style>
-        <p:txBody>
-          <a:bodyPr rtlCol="0" anchor="ctr"/>
-          <a:lstStyle/>
-          <a:p>
-            <a:pPr algn="ctr"/>
-            <a:endParaRPr lang="en-US"/>
-          </a:p>
-        </p:txBody>
-      </p:sp>
+      </p:pic>
+      <mc:AlternateContent xmlns:mc="http://schemas.openxmlformats.org/markup-compatibility/2006">
+        <mc:Choice xmlns:a14="http://schemas.microsoft.com/office/drawing/2010/main" Requires="a14">
+          <p:sp>
+            <p:nvSpPr>
+              <p:cNvPr id="9" name="TextBox 8">
+                <a:extLst>
+                  <a:ext uri="{FF2B5EF4-FFF2-40B4-BE49-F238E27FC236}">
+                    <a16:creationId xmlns:a16="http://schemas.microsoft.com/office/drawing/2014/main" id="{69236977-0432-F542-C9FC-BE7779F51468}"/>
+                  </a:ext>
+                </a:extLst>
+              </p:cNvPr>
+              <p:cNvSpPr txBox="1"/>
+              <p:nvPr/>
+            </p:nvSpPr>
+            <p:spPr>
+              <a:xfrm>
+                <a:off x="6292677" y="1683743"/>
+                <a:ext cx="5510676" cy="1200329"/>
+              </a:xfrm>
+              <a:prstGeom prst="rect">
+                <a:avLst/>
+              </a:prstGeom>
+              <a:noFill/>
+            </p:spPr>
+            <p:txBody>
+              <a:bodyPr wrap="square" rtlCol="0">
+                <a:spAutoFit/>
+              </a:bodyPr>
+              <a:lstStyle/>
+              <a:p>
+                <a14:m>
+                  <m:oMath xmlns:m="http://schemas.openxmlformats.org/officeDocument/2006/math">
+                    <m:r>
+                      <m:rPr>
+                        <m:sty m:val="p"/>
+                      </m:rPr>
+                      <a:rPr lang="en-US" sz="2400" b="0" i="1" smtClean="0">
+                        <a:latin typeface="Cambria Math" panose="02040503050406030204" pitchFamily="18" charset="0"/>
+                      </a:rPr>
+                      <m:t>ϵ</m:t>
+                    </m:r>
+                    <m:r>
+                      <a:rPr lang="en-US" sz="2400" b="0" i="1" smtClean="0">
+                        <a:latin typeface="Cambria Math" panose="02040503050406030204" pitchFamily="18" charset="0"/>
+                      </a:rPr>
+                      <m:t> </m:t>
+                    </m:r>
+                  </m:oMath>
+                </a14:m>
+                <a:r>
+                  <a:rPr lang="en-US" sz="2400" dirty="0"/>
+                  <a:t>@ SATURATION: </a:t>
+                </a:r>
+                <a:r>
+                  <a:rPr lang="en-US" sz="2400" dirty="0">
+                    <a:solidFill>
+                      <a:schemeClr val="accent6">
+                        <a:lumMod val="75000"/>
+                      </a:schemeClr>
+                    </a:solidFill>
+                  </a:rPr>
+                  <a:t>green frame  </a:t>
+                </a:r>
+              </a:p>
+              <a:p>
+                <a:pPr marL="342900" indent="-342900">
+                  <a:buFontTx/>
+                  <a:buChar char="-"/>
+                </a:pPr>
+                <a:r>
+                  <a:rPr lang="en-US" sz="2400" dirty="0"/>
+                  <a:t>we take mean of area points</a:t>
+                </a:r>
+              </a:p>
+              <a:p>
+                <a:pPr marL="342900" indent="-342900">
+                  <a:buFontTx/>
+                  <a:buChar char="-"/>
+                </a:pPr>
+                <a:r>
+                  <a:rPr lang="en-US" sz="2400" dirty="0"/>
+                  <a:t>we have </a:t>
+                </a:r>
+                <a14:m>
+                  <m:oMath xmlns:m="http://schemas.openxmlformats.org/officeDocument/2006/math">
+                    <m:r>
+                      <m:rPr>
+                        <m:sty m:val="p"/>
+                      </m:rPr>
+                      <a:rPr lang="en-US" sz="2400" b="0" i="1" smtClean="0">
+                        <a:latin typeface="Cambria Math" panose="02040503050406030204" pitchFamily="18" charset="0"/>
+                      </a:rPr>
+                      <m:t>θ</m:t>
+                    </m:r>
+                  </m:oMath>
+                </a14:m>
+                <a:r>
+                  <a:rPr lang="en-US" sz="2400" dirty="0"/>
+                  <a:t> at SAT from German paper</a:t>
+                </a:r>
+              </a:p>
+            </p:txBody>
+          </p:sp>
+        </mc:Choice>
+        <mc:Fallback>
+          <p:sp>
+            <p:nvSpPr>
+              <p:cNvPr id="9" name="TextBox 8">
+                <a:extLst>
+                  <a:ext uri="{FF2B5EF4-FFF2-40B4-BE49-F238E27FC236}">
+                    <a16:creationId xmlns:a16="http://schemas.microsoft.com/office/drawing/2014/main" id="{69236977-0432-F542-C9FC-BE7779F51468}"/>
+                  </a:ext>
+                </a:extLst>
+              </p:cNvPr>
+              <p:cNvSpPr txBox="1">
+                <a:spLocks noRot="1" noChangeAspect="1" noMove="1" noResize="1" noEditPoints="1" noAdjustHandles="1" noChangeArrowheads="1" noChangeShapeType="1" noTextEdit="1"/>
+              </p:cNvSpPr>
+              <p:nvPr/>
+            </p:nvSpPr>
+            <p:spPr>
+              <a:xfrm>
+                <a:off x="6292677" y="1683743"/>
+                <a:ext cx="5510676" cy="1200329"/>
+              </a:xfrm>
+              <a:prstGeom prst="rect">
+                <a:avLst/>
+              </a:prstGeom>
+              <a:blipFill>
+                <a:blip r:embed="rId5"/>
+                <a:stretch>
+                  <a:fillRect l="-1609" t="-3125" b="-10417"/>
+                </a:stretch>
+              </a:blipFill>
+            </p:spPr>
+            <p:txBody>
+              <a:bodyPr/>
+              <a:lstStyle/>
+              <a:p>
+                <a:r>
+                  <a:rPr lang="en-US">
+                    <a:noFill/>
+                  </a:rPr>
+                  <a:t> </a:t>
+                </a:r>
+              </a:p>
+            </p:txBody>
+          </p:sp>
+        </mc:Fallback>
+      </mc:AlternateContent>
+      <mc:AlternateContent xmlns:mc="http://schemas.openxmlformats.org/markup-compatibility/2006">
+        <mc:Choice xmlns:a14="http://schemas.microsoft.com/office/drawing/2010/main" Requires="a14">
+          <p:sp>
+            <p:nvSpPr>
+              <p:cNvPr id="10" name="TextBox 9">
+                <a:extLst>
+                  <a:ext uri="{FF2B5EF4-FFF2-40B4-BE49-F238E27FC236}">
+                    <a16:creationId xmlns:a16="http://schemas.microsoft.com/office/drawing/2014/main" id="{682B203C-30DD-C195-898E-A5B6B257BE21}"/>
+                  </a:ext>
+                </a:extLst>
+              </p:cNvPr>
+              <p:cNvSpPr txBox="1"/>
+              <p:nvPr/>
+            </p:nvSpPr>
+            <p:spPr>
+              <a:xfrm>
+                <a:off x="6292677" y="3189099"/>
+                <a:ext cx="5510676" cy="1569660"/>
+              </a:xfrm>
+              <a:prstGeom prst="rect">
+                <a:avLst/>
+              </a:prstGeom>
+              <a:noFill/>
+            </p:spPr>
+            <p:txBody>
+              <a:bodyPr wrap="square" rtlCol="0">
+                <a:spAutoFit/>
+              </a:bodyPr>
+              <a:lstStyle/>
+              <a:p>
+                <a14:m>
+                  <m:oMath xmlns:m="http://schemas.openxmlformats.org/officeDocument/2006/math">
+                    <m:r>
+                      <m:rPr>
+                        <m:sty m:val="p"/>
+                      </m:rPr>
+                      <a:rPr lang="en-US" sz="2400" b="0" i="1" smtClean="0">
+                        <a:latin typeface="Cambria Math" panose="02040503050406030204" pitchFamily="18" charset="0"/>
+                      </a:rPr>
+                      <m:t>ϵ</m:t>
+                    </m:r>
+                    <m:r>
+                      <a:rPr lang="en-US" sz="2400" b="0" i="1" smtClean="0">
+                        <a:latin typeface="Cambria Math" panose="02040503050406030204" pitchFamily="18" charset="0"/>
+                      </a:rPr>
+                      <m:t> </m:t>
+                    </m:r>
+                  </m:oMath>
+                </a14:m>
+                <a:r>
+                  <a:rPr lang="en-US" sz="2400" dirty="0"/>
+                  <a:t>@ 1/3: </a:t>
+                </a:r>
+                <a:r>
+                  <a:rPr lang="en-US" sz="2400" dirty="0">
+                    <a:solidFill>
+                      <a:srgbClr val="0070C0"/>
+                    </a:solidFill>
+                  </a:rPr>
+                  <a:t>blue frame  </a:t>
+                </a:r>
+              </a:p>
+              <a:p>
+                <a:pPr marL="342900" indent="-342900">
+                  <a:buFontTx/>
+                  <a:buChar char="-"/>
+                </a:pPr>
+                <a:r>
+                  <a:rPr lang="en-US" sz="2400" dirty="0"/>
+                  <a:t>we take mean of area points</a:t>
+                </a:r>
+              </a:p>
+              <a:p>
+                <a:pPr marL="342900" indent="-342900">
+                  <a:buFontTx/>
+                  <a:buChar char="-"/>
+                </a:pPr>
+                <a:r>
+                  <a:rPr lang="en-US" sz="2400" dirty="0"/>
+                  <a:t>we have </a:t>
+                </a:r>
+                <a14:m>
+                  <m:oMath xmlns:m="http://schemas.openxmlformats.org/officeDocument/2006/math">
+                    <m:r>
+                      <m:rPr>
+                        <m:sty m:val="p"/>
+                      </m:rPr>
+                      <a:rPr lang="en-US" sz="2400" b="0" i="1" smtClean="0">
+                        <a:latin typeface="Cambria Math" panose="02040503050406030204" pitchFamily="18" charset="0"/>
+                      </a:rPr>
+                      <m:t>θ</m:t>
+                    </m:r>
+                  </m:oMath>
+                </a14:m>
+                <a:r>
+                  <a:rPr lang="en-US" sz="2400" dirty="0"/>
+                  <a:t> at 1/3 from </a:t>
+                </a:r>
+                <a14:m>
+                  <m:oMath xmlns:m="http://schemas.openxmlformats.org/officeDocument/2006/math">
+                    <m:r>
+                      <m:rPr>
+                        <m:sty m:val="p"/>
+                      </m:rPr>
+                      <a:rPr lang="en-US" sz="2400" i="1">
+                        <a:latin typeface="Cambria Math" panose="02040503050406030204" pitchFamily="18" charset="0"/>
+                      </a:rPr>
+                      <m:t>θ</m:t>
+                    </m:r>
+                  </m:oMath>
+                </a14:m>
+                <a:r>
+                  <a:rPr lang="en-US" sz="2400" dirty="0"/>
+                  <a:t>(</a:t>
+                </a:r>
+                <a:r>
+                  <a:rPr lang="en-US" sz="2400" dirty="0" err="1"/>
+                  <a:t>wv</a:t>
+                </a:r>
+                <a:r>
+                  <a:rPr lang="en-US" sz="2400" dirty="0"/>
+                  <a:t>) conversion (using plot in slide 8)</a:t>
+                </a:r>
+              </a:p>
+            </p:txBody>
+          </p:sp>
+        </mc:Choice>
+        <mc:Fallback>
+          <p:sp>
+            <p:nvSpPr>
+              <p:cNvPr id="10" name="TextBox 9">
+                <a:extLst>
+                  <a:ext uri="{FF2B5EF4-FFF2-40B4-BE49-F238E27FC236}">
+                    <a16:creationId xmlns:a16="http://schemas.microsoft.com/office/drawing/2014/main" id="{682B203C-30DD-C195-898E-A5B6B257BE21}"/>
+                  </a:ext>
+                </a:extLst>
+              </p:cNvPr>
+              <p:cNvSpPr txBox="1">
+                <a:spLocks noRot="1" noChangeAspect="1" noMove="1" noResize="1" noEditPoints="1" noAdjustHandles="1" noChangeArrowheads="1" noChangeShapeType="1" noTextEdit="1"/>
+              </p:cNvSpPr>
+              <p:nvPr/>
+            </p:nvSpPr>
+            <p:spPr>
+              <a:xfrm>
+                <a:off x="6292677" y="3189099"/>
+                <a:ext cx="5510676" cy="1569660"/>
+              </a:xfrm>
+              <a:prstGeom prst="rect">
+                <a:avLst/>
+              </a:prstGeom>
+              <a:blipFill>
+                <a:blip r:embed="rId6"/>
+                <a:stretch>
+                  <a:fillRect l="-1609" t="-2419" r="-1609" b="-8065"/>
+                </a:stretch>
+              </a:blipFill>
+            </p:spPr>
+            <p:txBody>
+              <a:bodyPr/>
+              <a:lstStyle/>
+              <a:p>
+                <a:r>
+                  <a:rPr lang="en-US">
+                    <a:noFill/>
+                  </a:rPr>
+                  <a:t> </a:t>
+                </a:r>
+              </a:p>
+            </p:txBody>
+          </p:sp>
+        </mc:Fallback>
+      </mc:AlternateContent>
+      <mc:AlternateContent xmlns:mc="http://schemas.openxmlformats.org/markup-compatibility/2006">
+        <mc:Choice xmlns:a14="http://schemas.microsoft.com/office/drawing/2010/main" Requires="a14">
+          <p:sp>
+            <p:nvSpPr>
+              <p:cNvPr id="11" name="TextBox 10">
+                <a:extLst>
+                  <a:ext uri="{FF2B5EF4-FFF2-40B4-BE49-F238E27FC236}">
+                    <a16:creationId xmlns:a16="http://schemas.microsoft.com/office/drawing/2014/main" id="{E6BD36C5-3C91-8700-87CC-A63B773B82E4}"/>
+                  </a:ext>
+                </a:extLst>
+              </p:cNvPr>
+              <p:cNvSpPr txBox="1"/>
+              <p:nvPr/>
+            </p:nvSpPr>
+            <p:spPr>
+              <a:xfrm>
+                <a:off x="6179387" y="5174257"/>
+                <a:ext cx="5623965" cy="830997"/>
+              </a:xfrm>
+              <a:prstGeom prst="rect">
+                <a:avLst/>
+              </a:prstGeom>
+              <a:noFill/>
+            </p:spPr>
+            <p:txBody>
+              <a:bodyPr wrap="square" rtlCol="0">
+                <a:spAutoFit/>
+              </a:bodyPr>
+              <a:lstStyle/>
+              <a:p>
+                <a:r>
+                  <a:rPr lang="en-US" sz="2400" dirty="0"/>
+                  <a:t>Note: we believe that </a:t>
+                </a:r>
+                <a14:m>
+                  <m:oMath xmlns:m="http://schemas.openxmlformats.org/officeDocument/2006/math">
+                    <m:r>
+                      <m:rPr>
+                        <m:sty m:val="p"/>
+                      </m:rPr>
+                      <a:rPr lang="en-US" sz="2400" b="0" i="1" smtClean="0">
+                        <a:latin typeface="Cambria Math" panose="02040503050406030204" pitchFamily="18" charset="0"/>
+                      </a:rPr>
+                      <m:t>ϵ</m:t>
+                    </m:r>
+                  </m:oMath>
+                </a14:m>
+                <a:r>
+                  <a:rPr lang="en-US" sz="2400" dirty="0"/>
+                  <a:t> is constant below 1/3 ML, but it varies between 1/3 and SAT.</a:t>
+                </a:r>
+              </a:p>
+            </p:txBody>
+          </p:sp>
+        </mc:Choice>
+        <mc:Fallback>
+          <p:sp>
+            <p:nvSpPr>
+              <p:cNvPr id="11" name="TextBox 10">
+                <a:extLst>
+                  <a:ext uri="{FF2B5EF4-FFF2-40B4-BE49-F238E27FC236}">
+                    <a16:creationId xmlns:a16="http://schemas.microsoft.com/office/drawing/2014/main" id="{E6BD36C5-3C91-8700-87CC-A63B773B82E4}"/>
+                  </a:ext>
+                </a:extLst>
+              </p:cNvPr>
+              <p:cNvSpPr txBox="1">
+                <a:spLocks noRot="1" noChangeAspect="1" noMove="1" noResize="1" noEditPoints="1" noAdjustHandles="1" noChangeArrowheads="1" noChangeShapeType="1" noTextEdit="1"/>
+              </p:cNvSpPr>
+              <p:nvPr/>
+            </p:nvSpPr>
+            <p:spPr>
+              <a:xfrm>
+                <a:off x="6179387" y="5174257"/>
+                <a:ext cx="5623965" cy="830997"/>
+              </a:xfrm>
+              <a:prstGeom prst="rect">
+                <a:avLst/>
+              </a:prstGeom>
+              <a:blipFill>
+                <a:blip r:embed="rId7"/>
+                <a:stretch>
+                  <a:fillRect l="-1577" t="-4545" b="-15152"/>
+                </a:stretch>
+              </a:blipFill>
+            </p:spPr>
+            <p:txBody>
+              <a:bodyPr/>
+              <a:lstStyle/>
+              <a:p>
+                <a:r>
+                  <a:rPr lang="en-US">
+                    <a:noFill/>
+                  </a:rPr>
+                  <a:t> </a:t>
+                </a:r>
+              </a:p>
+            </p:txBody>
+          </p:sp>
+        </mc:Fallback>
+      </mc:AlternateContent>
     </p:spTree>
     <p:extLst>
       <p:ext uri="{BB962C8B-B14F-4D97-AF65-F5344CB8AC3E}">
-        <p14:creationId xmlns:p14="http://schemas.microsoft.com/office/powerpoint/2010/main" val="4158367999"/>
+        <p14:creationId xmlns:p14="http://schemas.microsoft.com/office/powerpoint/2010/main" val="902235418"/>
       </p:ext>
     </p:extLst>
   </p:cSld>
@@ -4285,10 +8506,10 @@
       </p:sp>
       <p:pic>
         <p:nvPicPr>
-          <p:cNvPr id="5" name="Picture 4">
-            <a:extLst>
-              <a:ext uri="{FF2B5EF4-FFF2-40B4-BE49-F238E27FC236}">
-                <a16:creationId xmlns:a16="http://schemas.microsoft.com/office/drawing/2014/main" id="{60D09DCA-543A-84FC-0E1C-FAC19DA1BE93}"/>
+          <p:cNvPr id="4" name="Picture 3">
+            <a:extLst>
+              <a:ext uri="{FF2B5EF4-FFF2-40B4-BE49-F238E27FC236}">
+                <a16:creationId xmlns:a16="http://schemas.microsoft.com/office/drawing/2014/main" id="{E9592C58-6EE9-685A-DBC4-BEA412B1AD41}"/>
               </a:ext>
             </a:extLst>
           </p:cNvPr>
@@ -4305,8 +8526,8 @@
         </p:blipFill>
         <p:spPr>
           <a:xfrm>
-            <a:off x="250577" y="959267"/>
-            <a:ext cx="7112000" cy="5334000"/>
+            <a:off x="121318" y="899503"/>
+            <a:ext cx="7772400" cy="5307980"/>
           </a:xfrm>
           <a:prstGeom prst="rect">
             <a:avLst/>
@@ -4395,7 +8616,7 @@
         </p:nvSpPr>
         <p:spPr>
           <a:xfrm>
-            <a:off x="7051239" y="5411787"/>
+            <a:off x="6855382" y="5247396"/>
             <a:ext cx="4779870" cy="331823"/>
           </a:xfrm>
           <a:prstGeom prst="rect">
@@ -4450,7 +8671,7 @@
         </p:nvSpPr>
         <p:spPr>
           <a:xfrm>
-            <a:off x="1243151" y="5396810"/>
+            <a:off x="1065126" y="5228852"/>
             <a:ext cx="4779870" cy="331823"/>
           </a:xfrm>
           <a:prstGeom prst="rect">
@@ -4553,10 +8774,10 @@
       </p:sp>
       <p:pic>
         <p:nvPicPr>
-          <p:cNvPr id="12" name="Picture 11">
-            <a:extLst>
-              <a:ext uri="{FF2B5EF4-FFF2-40B4-BE49-F238E27FC236}">
-                <a16:creationId xmlns:a16="http://schemas.microsoft.com/office/drawing/2014/main" id="{959D98E8-7A46-644F-68DD-EEE223899BFD}"/>
+          <p:cNvPr id="4" name="Picture 3">
+            <a:extLst>
+              <a:ext uri="{FF2B5EF4-FFF2-40B4-BE49-F238E27FC236}">
+                <a16:creationId xmlns:a16="http://schemas.microsoft.com/office/drawing/2014/main" id="{96CCCFFB-72BB-D9C8-AABF-7A02068CF0B0}"/>
               </a:ext>
             </a:extLst>
           </p:cNvPr>
@@ -4573,8 +8794,8 @@
         </p:blipFill>
         <p:spPr>
           <a:xfrm>
-            <a:off x="5920627" y="1004185"/>
-            <a:ext cx="5910482" cy="4432861"/>
+            <a:off x="437720" y="1024702"/>
+            <a:ext cx="5518286" cy="4138715"/>
           </a:xfrm>
           <a:prstGeom prst="rect">
             <a:avLst/>
@@ -4583,10 +8804,10 @@
       </p:pic>
       <p:pic>
         <p:nvPicPr>
-          <p:cNvPr id="14" name="Picture 13">
-            <a:extLst>
-              <a:ext uri="{FF2B5EF4-FFF2-40B4-BE49-F238E27FC236}">
-                <a16:creationId xmlns:a16="http://schemas.microsoft.com/office/drawing/2014/main" id="{D495EB1E-86B4-B906-03FA-9D8F87C8A485}"/>
+          <p:cNvPr id="6" name="Picture 5">
+            <a:extLst>
+              <a:ext uri="{FF2B5EF4-FFF2-40B4-BE49-F238E27FC236}">
+                <a16:creationId xmlns:a16="http://schemas.microsoft.com/office/drawing/2014/main" id="{2505B4E5-F802-48F9-0955-6314B17873C8}"/>
               </a:ext>
             </a:extLst>
           </p:cNvPr>
@@ -4603,8 +8824,8 @@
         </p:blipFill>
         <p:spPr>
           <a:xfrm>
-            <a:off x="481082" y="1172928"/>
-            <a:ext cx="5541939" cy="4156454"/>
+            <a:off x="6060738" y="1024702"/>
+            <a:ext cx="5630259" cy="4222694"/>
           </a:xfrm>
           <a:prstGeom prst="rect">
             <a:avLst/>
@@ -4659,8 +8880,8 @@
         </p:nvSpPr>
         <p:spPr>
           <a:xfrm>
-            <a:off x="437720" y="261256"/>
-            <a:ext cx="8438148" cy="698011"/>
+            <a:off x="3339946" y="3147579"/>
+            <a:ext cx="5955129" cy="698011"/>
           </a:xfrm>
         </p:spPr>
         <p:txBody>
@@ -4669,180 +8890,9 @@
           </a:bodyPr>
           <a:lstStyle/>
           <a:p>
-            <a:pPr algn="l"/>
             <a:r>
               <a:rPr lang="en-US" sz="4000" dirty="0"/>
-              <a:t>Area - normalized</a:t>
-            </a:r>
-          </a:p>
-        </p:txBody>
-      </p:sp>
-      <p:pic>
-        <p:nvPicPr>
-          <p:cNvPr id="4" name="Picture 3">
-            <a:extLst>
-              <a:ext uri="{FF2B5EF4-FFF2-40B4-BE49-F238E27FC236}">
-                <a16:creationId xmlns:a16="http://schemas.microsoft.com/office/drawing/2014/main" id="{84356B5A-B5AC-0525-CF85-6E3D4BD40CFB}"/>
-              </a:ext>
-            </a:extLst>
-          </p:cNvPr>
-          <p:cNvPicPr>
-            <a:picLocks noChangeAspect="1"/>
-          </p:cNvPicPr>
-          <p:nvPr/>
-        </p:nvPicPr>
-        <p:blipFill>
-          <a:blip r:embed="rId2"/>
-          <a:stretch>
-            <a:fillRect/>
-          </a:stretch>
-        </p:blipFill>
-        <p:spPr>
-          <a:xfrm>
-            <a:off x="212435" y="1140691"/>
-            <a:ext cx="5757333" cy="4318000"/>
-          </a:xfrm>
-          <a:prstGeom prst="rect">
-            <a:avLst/>
-          </a:prstGeom>
-        </p:spPr>
-      </p:pic>
-      <p:pic>
-        <p:nvPicPr>
-          <p:cNvPr id="6" name="Picture 5">
-            <a:extLst>
-              <a:ext uri="{FF2B5EF4-FFF2-40B4-BE49-F238E27FC236}">
-                <a16:creationId xmlns:a16="http://schemas.microsoft.com/office/drawing/2014/main" id="{579E5698-37D1-6033-227A-4C798FA4AD7F}"/>
-              </a:ext>
-            </a:extLst>
-          </p:cNvPr>
-          <p:cNvPicPr>
-            <a:picLocks noChangeAspect="1"/>
-          </p:cNvPicPr>
-          <p:nvPr/>
-        </p:nvPicPr>
-        <p:blipFill>
-          <a:blip r:embed="rId3"/>
-          <a:stretch>
-            <a:fillRect/>
-          </a:stretch>
-        </p:blipFill>
-        <p:spPr>
-          <a:xfrm>
-            <a:off x="6222234" y="1140691"/>
-            <a:ext cx="5855855" cy="4391891"/>
-          </a:xfrm>
-          <a:prstGeom prst="rect">
-            <a:avLst/>
-          </a:prstGeom>
-        </p:spPr>
-      </p:pic>
-      <p:sp>
-        <p:nvSpPr>
-          <p:cNvPr id="7" name="Title 1">
-            <a:extLst>
-              <a:ext uri="{FF2B5EF4-FFF2-40B4-BE49-F238E27FC236}">
-                <a16:creationId xmlns:a16="http://schemas.microsoft.com/office/drawing/2014/main" id="{1FFF0D2A-2232-73DA-694C-8072E4F34693}"/>
-              </a:ext>
-            </a:extLst>
-          </p:cNvPr>
-          <p:cNvSpPr txBox="1">
-            <a:spLocks/>
-          </p:cNvSpPr>
-          <p:nvPr/>
-        </p:nvSpPr>
-        <p:spPr>
-          <a:xfrm>
-            <a:off x="712013" y="5532582"/>
-            <a:ext cx="4294096" cy="698011"/>
-          </a:xfrm>
-          <a:prstGeom prst="rect">
-            <a:avLst/>
-          </a:prstGeom>
-        </p:spPr>
-        <p:txBody>
-          <a:bodyPr vert="horz" lIns="91440" tIns="45720" rIns="91440" bIns="45720" rtlCol="0" anchor="b">
-            <a:normAutofit/>
-          </a:bodyPr>
-          <a:lstStyle>
-            <a:lvl1pPr algn="ctr" defTabSz="914400" rtl="0" eaLnBrk="1" latinLnBrk="0" hangingPunct="1">
-              <a:lnSpc>
-                <a:spcPct val="90000"/>
-              </a:lnSpc>
-              <a:spcBef>
-                <a:spcPct val="0"/>
-              </a:spcBef>
-              <a:buNone/>
-              <a:defRPr sz="6000" kern="1200">
-                <a:solidFill>
-                  <a:schemeClr val="tx1"/>
-                </a:solidFill>
-                <a:latin typeface="+mj-lt"/>
-                <a:ea typeface="+mj-ea"/>
-                <a:cs typeface="+mj-cs"/>
-              </a:defRPr>
-            </a:lvl1pPr>
-          </a:lstStyle>
-          <a:p>
-            <a:pPr algn="l"/>
-            <a:r>
-              <a:rPr lang="en-US" sz="4000" dirty="0"/>
-              <a:t>Normalized to 450</a:t>
-            </a:r>
-          </a:p>
-        </p:txBody>
-      </p:sp>
-      <p:sp>
-        <p:nvSpPr>
-          <p:cNvPr id="11" name="Title 1">
-            <a:extLst>
-              <a:ext uri="{FF2B5EF4-FFF2-40B4-BE49-F238E27FC236}">
-                <a16:creationId xmlns:a16="http://schemas.microsoft.com/office/drawing/2014/main" id="{10149CBB-F703-37F3-0399-9F2B15DA2BA3}"/>
-              </a:ext>
-            </a:extLst>
-          </p:cNvPr>
-          <p:cNvSpPr txBox="1">
-            <a:spLocks/>
-          </p:cNvSpPr>
-          <p:nvPr/>
-        </p:nvSpPr>
-        <p:spPr>
-          <a:xfrm>
-            <a:off x="7080485" y="5532582"/>
-            <a:ext cx="4294096" cy="698011"/>
-          </a:xfrm>
-          <a:prstGeom prst="rect">
-            <a:avLst/>
-          </a:prstGeom>
-        </p:spPr>
-        <p:txBody>
-          <a:bodyPr vert="horz" lIns="91440" tIns="45720" rIns="91440" bIns="45720" rtlCol="0" anchor="b">
-            <a:normAutofit/>
-          </a:bodyPr>
-          <a:lstStyle>
-            <a:lvl1pPr algn="ctr" defTabSz="914400" rtl="0" eaLnBrk="1" latinLnBrk="0" hangingPunct="1">
-              <a:lnSpc>
-                <a:spcPct val="90000"/>
-              </a:lnSpc>
-              <a:spcBef>
-                <a:spcPct val="0"/>
-              </a:spcBef>
-              <a:buNone/>
-              <a:defRPr sz="6000" kern="1200">
-                <a:solidFill>
-                  <a:schemeClr val="tx1"/>
-                </a:solidFill>
-                <a:latin typeface="+mj-lt"/>
-                <a:ea typeface="+mj-ea"/>
-                <a:cs typeface="+mj-cs"/>
-              </a:defRPr>
-            </a:lvl1pPr>
-          </a:lstStyle>
-          <a:p>
-            <a:pPr algn="l"/>
-            <a:r>
-              <a:rPr lang="en-US" sz="4000" dirty="0"/>
-              <a:t>Normalized to 490</a:t>
+              <a:t>GERMAN PAPER DATA</a:t>
             </a:r>
           </a:p>
         </p:txBody>
@@ -4850,7 +8900,7 @@
     </p:spTree>
     <p:extLst>
       <p:ext uri="{BB962C8B-B14F-4D97-AF65-F5344CB8AC3E}">
-        <p14:creationId xmlns:p14="http://schemas.microsoft.com/office/powerpoint/2010/main" val="1303950208"/>
+        <p14:creationId xmlns:p14="http://schemas.microsoft.com/office/powerpoint/2010/main" val="574587389"/>
       </p:ext>
     </p:extLst>
   </p:cSld>
@@ -4895,8 +8945,8 @@
         </p:nvSpPr>
         <p:spPr>
           <a:xfrm>
-            <a:off x="437720" y="261256"/>
-            <a:ext cx="8438148" cy="698011"/>
+            <a:off x="354375" y="225354"/>
+            <a:ext cx="2524851" cy="698011"/>
           </a:xfrm>
         </p:spPr>
         <p:txBody>
@@ -4908,17 +8958,98 @@
             <a:pPr algn="l"/>
             <a:r>
               <a:rPr lang="en-US" sz="4000" dirty="0"/>
-              <a:t>Area - normalized</a:t>
+              <a:t>Digitized</a:t>
             </a:r>
           </a:p>
         </p:txBody>
       </p:sp>
+      <p:pic>
+        <p:nvPicPr>
+          <p:cNvPr id="4" name="Picture 3" descr="A picture containing text, line, diagram, parallel&#10;&#10;Description automatically generated">
+            <a:extLst>
+              <a:ext uri="{FF2B5EF4-FFF2-40B4-BE49-F238E27FC236}">
+                <a16:creationId xmlns:a16="http://schemas.microsoft.com/office/drawing/2014/main" id="{52610252-8FA4-001C-7732-9E1B15DB72C3}"/>
+              </a:ext>
+            </a:extLst>
+          </p:cNvPr>
+          <p:cNvPicPr>
+            <a:picLocks noChangeAspect="1"/>
+          </p:cNvPicPr>
+          <p:nvPr/>
+        </p:nvPicPr>
+        <p:blipFill>
+          <a:blip r:embed="rId2"/>
+          <a:stretch>
+            <a:fillRect/>
+          </a:stretch>
+        </p:blipFill>
+        <p:spPr>
+          <a:xfrm>
+            <a:off x="112094" y="923365"/>
+            <a:ext cx="5285840" cy="4267750"/>
+          </a:xfrm>
+          <a:prstGeom prst="rect">
+            <a:avLst/>
+          </a:prstGeom>
+        </p:spPr>
+      </p:pic>
+      <mc:AlternateContent xmlns:mc="http://schemas.openxmlformats.org/markup-compatibility/2006" xmlns:p14="http://schemas.microsoft.com/office/powerpoint/2010/main">
+        <mc:Choice Requires="p14">
+          <p:contentPart p14:bwMode="auto" r:id="rId3">
+            <p14:nvContentPartPr>
+              <p14:cNvPr id="8" name="Ink 7">
+                <a:extLst>
+                  <a:ext uri="{FF2B5EF4-FFF2-40B4-BE49-F238E27FC236}">
+                    <a16:creationId xmlns:a16="http://schemas.microsoft.com/office/drawing/2014/main" id="{943BF415-5BD9-EDEE-03FC-68D25DFF32E7}"/>
+                  </a:ext>
+                </a:extLst>
+              </p14:cNvPr>
+              <p14:cNvContentPartPr/>
+              <p14:nvPr/>
+            </p14:nvContentPartPr>
+            <p14:xfrm>
+              <a:off x="10053013" y="3927907"/>
+              <a:ext cx="360" cy="360"/>
+            </p14:xfrm>
+          </p:contentPart>
+        </mc:Choice>
+        <mc:Fallback xmlns="">
+          <p:pic>
+            <p:nvPicPr>
+              <p:cNvPr id="8" name="Ink 7">
+                <a:extLst>
+                  <a:ext uri="{FF2B5EF4-FFF2-40B4-BE49-F238E27FC236}">
+                    <a16:creationId xmlns:a16="http://schemas.microsoft.com/office/drawing/2014/main" id="{943BF415-5BD9-EDEE-03FC-68D25DFF32E7}"/>
+                  </a:ext>
+                </a:extLst>
+              </p:cNvPr>
+              <p:cNvPicPr/>
+              <p:nvPr/>
+            </p:nvPicPr>
+            <p:blipFill>
+              <a:blip r:embed="rId4"/>
+              <a:stretch>
+                <a:fillRect/>
+              </a:stretch>
+            </p:blipFill>
+            <p:spPr>
+              <a:xfrm>
+                <a:off x="10044373" y="3919267"/>
+                <a:ext cx="18000" cy="18000"/>
+              </a:xfrm>
+              <a:prstGeom prst="rect">
+                <a:avLst/>
+              </a:prstGeom>
+            </p:spPr>
+          </p:pic>
+        </mc:Fallback>
+      </mc:AlternateContent>
       <p:sp>
         <p:nvSpPr>
-          <p:cNvPr id="7" name="Title 1">
-            <a:extLst>
-              <a:ext uri="{FF2B5EF4-FFF2-40B4-BE49-F238E27FC236}">
-                <a16:creationId xmlns:a16="http://schemas.microsoft.com/office/drawing/2014/main" id="{1FFF0D2A-2232-73DA-694C-8072E4F34693}"/>
+          <p:cNvPr id="13" name="Title 1">
+            <a:extLst>
+              <a:ext uri="{FF2B5EF4-FFF2-40B4-BE49-F238E27FC236}">
+                <a16:creationId xmlns:a16="http://schemas.microsoft.com/office/drawing/2014/main" id="{46EB812E-76C5-5994-873A-DA0F2EE620A3}"/>
               </a:ext>
             </a:extLst>
           </p:cNvPr>
@@ -4929,8 +9060,145 @@
         </p:nvSpPr>
         <p:spPr>
           <a:xfrm>
-            <a:off x="712013" y="5532582"/>
-            <a:ext cx="4294096" cy="698011"/>
+            <a:off x="6323969" y="104579"/>
+            <a:ext cx="2631105" cy="698011"/>
+          </a:xfrm>
+          <a:prstGeom prst="rect">
+            <a:avLst/>
+          </a:prstGeom>
+        </p:spPr>
+        <p:txBody>
+          <a:bodyPr vert="horz" lIns="91440" tIns="45720" rIns="91440" bIns="45720" rtlCol="0" anchor="b">
+            <a:normAutofit fontScale="92500"/>
+          </a:bodyPr>
+          <a:lstStyle>
+            <a:lvl1pPr algn="ctr" defTabSz="914400" rtl="0" eaLnBrk="1" latinLnBrk="0" hangingPunct="1">
+              <a:lnSpc>
+                <a:spcPct val="90000"/>
+              </a:lnSpc>
+              <a:spcBef>
+                <a:spcPct val="0"/>
+              </a:spcBef>
+              <a:buNone/>
+              <a:defRPr sz="6000" kern="1200">
+                <a:solidFill>
+                  <a:schemeClr val="tx1"/>
+                </a:solidFill>
+                <a:latin typeface="+mj-lt"/>
+                <a:ea typeface="+mj-ea"/>
+                <a:cs typeface="+mj-cs"/>
+              </a:defRPr>
+            </a:lvl1pPr>
+          </a:lstStyle>
+          <a:p>
+            <a:pPr algn="l"/>
+            <a:r>
+              <a:rPr lang="en-US" sz="4000" dirty="0"/>
+              <a:t>Interpolated</a:t>
+            </a:r>
+          </a:p>
+        </p:txBody>
+      </p:sp>
+      <p:pic>
+        <p:nvPicPr>
+          <p:cNvPr id="15" name="Picture 14">
+            <a:extLst>
+              <a:ext uri="{FF2B5EF4-FFF2-40B4-BE49-F238E27FC236}">
+                <a16:creationId xmlns:a16="http://schemas.microsoft.com/office/drawing/2014/main" id="{81E94A47-52CB-3318-8D12-6BAB1BBD5288}"/>
+              </a:ext>
+            </a:extLst>
+          </p:cNvPr>
+          <p:cNvPicPr>
+            <a:picLocks noChangeAspect="1"/>
+          </p:cNvPicPr>
+          <p:nvPr/>
+        </p:nvPicPr>
+        <p:blipFill>
+          <a:blip r:embed="rId5"/>
+          <a:stretch>
+            <a:fillRect/>
+          </a:stretch>
+        </p:blipFill>
+        <p:spPr>
+          <a:xfrm>
+            <a:off x="5506355" y="923365"/>
+            <a:ext cx="5894327" cy="4267750"/>
+          </a:xfrm>
+          <a:prstGeom prst="rect">
+            <a:avLst/>
+          </a:prstGeom>
+        </p:spPr>
+      </p:pic>
+      <p:sp>
+        <p:nvSpPr>
+          <p:cNvPr id="16" name="Rectangle 15">
+            <a:extLst>
+              <a:ext uri="{FF2B5EF4-FFF2-40B4-BE49-F238E27FC236}">
+                <a16:creationId xmlns:a16="http://schemas.microsoft.com/office/drawing/2014/main" id="{8353C99C-6FE9-FFEB-F857-699392B9B527}"/>
+              </a:ext>
+            </a:extLst>
+          </p:cNvPr>
+          <p:cNvSpPr/>
+          <p:nvPr/>
+        </p:nvSpPr>
+        <p:spPr>
+          <a:xfrm>
+            <a:off x="9060873" y="1118440"/>
+            <a:ext cx="513877" cy="3936490"/>
+          </a:xfrm>
+          <a:prstGeom prst="rect">
+            <a:avLst/>
+          </a:prstGeom>
+          <a:noFill/>
+          <a:ln w="38100">
+            <a:solidFill>
+              <a:srgbClr val="FF0000"/>
+            </a:solidFill>
+          </a:ln>
+        </p:spPr>
+        <p:style>
+          <a:lnRef idx="2">
+            <a:schemeClr val="accent1">
+              <a:shade val="50000"/>
+            </a:schemeClr>
+          </a:lnRef>
+          <a:fillRef idx="1">
+            <a:schemeClr val="accent1"/>
+          </a:fillRef>
+          <a:effectRef idx="0">
+            <a:schemeClr val="accent1"/>
+          </a:effectRef>
+          <a:fontRef idx="minor">
+            <a:schemeClr val="lt1"/>
+          </a:fontRef>
+        </p:style>
+        <p:txBody>
+          <a:bodyPr rtlCol="0" anchor="ctr"/>
+          <a:lstStyle/>
+          <a:p>
+            <a:pPr algn="ctr"/>
+            <a:endParaRPr lang="en-US"/>
+          </a:p>
+        </p:txBody>
+      </p:sp>
+      <p:sp>
+        <p:nvSpPr>
+          <p:cNvPr id="17" name="Title 1">
+            <a:extLst>
+              <a:ext uri="{FF2B5EF4-FFF2-40B4-BE49-F238E27FC236}">
+                <a16:creationId xmlns:a16="http://schemas.microsoft.com/office/drawing/2014/main" id="{7C255744-8944-34CF-5B54-6EA5C031063E}"/>
+              </a:ext>
+            </a:extLst>
+          </p:cNvPr>
+          <p:cNvSpPr txBox="1">
+            <a:spLocks/>
+          </p:cNvSpPr>
+          <p:nvPr/>
+        </p:nvSpPr>
+        <p:spPr>
+          <a:xfrm>
+            <a:off x="8093591" y="5523486"/>
+            <a:ext cx="2124154" cy="350428"/>
           </a:xfrm>
           <a:prstGeom prst="rect">
             <a:avLst/>
@@ -4962,18 +9230,64 @@
           <a:p>
             <a:pPr algn="l"/>
             <a:r>
-              <a:rPr lang="en-US" sz="4000" dirty="0"/>
-              <a:t>Normalized to 450</a:t>
+              <a:rPr lang="en-US" sz="1800" dirty="0"/>
+              <a:t>Pressure of interest</a:t>
             </a:r>
           </a:p>
         </p:txBody>
       </p:sp>
       <p:sp>
         <p:nvSpPr>
-          <p:cNvPr id="11" name="Title 1">
-            <a:extLst>
-              <a:ext uri="{FF2B5EF4-FFF2-40B4-BE49-F238E27FC236}">
-                <a16:creationId xmlns:a16="http://schemas.microsoft.com/office/drawing/2014/main" id="{10149CBB-F703-37F3-0399-9F2B15DA2BA3}"/>
+          <p:cNvPr id="18" name="Right Arrow 17">
+            <a:extLst>
+              <a:ext uri="{FF2B5EF4-FFF2-40B4-BE49-F238E27FC236}">
+                <a16:creationId xmlns:a16="http://schemas.microsoft.com/office/drawing/2014/main" id="{0FDD6819-C4DB-7125-BC94-999891F73D81}"/>
+              </a:ext>
+            </a:extLst>
+          </p:cNvPr>
+          <p:cNvSpPr/>
+          <p:nvPr/>
+        </p:nvSpPr>
+        <p:spPr>
+          <a:xfrm rot="16838298">
+            <a:off x="9086325" y="5222627"/>
+            <a:ext cx="324270" cy="249382"/>
+          </a:xfrm>
+          <a:prstGeom prst="rightArrow">
+            <a:avLst/>
+          </a:prstGeom>
+        </p:spPr>
+        <p:style>
+          <a:lnRef idx="2">
+            <a:schemeClr val="accent1">
+              <a:shade val="50000"/>
+            </a:schemeClr>
+          </a:lnRef>
+          <a:fillRef idx="1">
+            <a:schemeClr val="accent1"/>
+          </a:fillRef>
+          <a:effectRef idx="0">
+            <a:schemeClr val="accent1"/>
+          </a:effectRef>
+          <a:fontRef idx="minor">
+            <a:schemeClr val="lt1"/>
+          </a:fontRef>
+        </p:style>
+        <p:txBody>
+          <a:bodyPr rtlCol="0" anchor="ctr"/>
+          <a:lstStyle/>
+          <a:p>
+            <a:pPr algn="ctr"/>
+            <a:endParaRPr lang="en-US"/>
+          </a:p>
+        </p:txBody>
+      </p:sp>
+      <p:sp>
+        <p:nvSpPr>
+          <p:cNvPr id="19" name="Title 1">
+            <a:extLst>
+              <a:ext uri="{FF2B5EF4-FFF2-40B4-BE49-F238E27FC236}">
+                <a16:creationId xmlns:a16="http://schemas.microsoft.com/office/drawing/2014/main" id="{274C205F-4448-6270-2469-524AF0BD225E}"/>
               </a:ext>
             </a:extLst>
           </p:cNvPr>
@@ -4984,8 +9298,8 @@
         </p:nvSpPr>
         <p:spPr>
           <a:xfrm>
-            <a:off x="7080485" y="5532582"/>
-            <a:ext cx="4294096" cy="698011"/>
+            <a:off x="4632491" y="6178484"/>
+            <a:ext cx="6922200" cy="350428"/>
           </a:xfrm>
           <a:prstGeom prst="rect">
             <a:avLst/>
@@ -5017,76 +9331,62 @@
           <a:p>
             <a:pPr algn="l"/>
             <a:r>
-              <a:rPr lang="en-US" sz="4000" dirty="0"/>
-              <a:t>Normalized to 490</a:t>
+              <a:rPr lang="en-US" sz="1800" dirty="0"/>
+              <a:t>We obtain expected coverage at saturation for each temperature.</a:t>
             </a:r>
           </a:p>
         </p:txBody>
       </p:sp>
-      <p:pic>
-        <p:nvPicPr>
-          <p:cNvPr id="5" name="Picture 4">
-            <a:extLst>
-              <a:ext uri="{FF2B5EF4-FFF2-40B4-BE49-F238E27FC236}">
-                <a16:creationId xmlns:a16="http://schemas.microsoft.com/office/drawing/2014/main" id="{83BCC6AF-E3C6-F353-225D-58873BA3ADAA}"/>
-              </a:ext>
-            </a:extLst>
-          </p:cNvPr>
-          <p:cNvPicPr>
-            <a:picLocks noChangeAspect="1"/>
-          </p:cNvPicPr>
+      <p:sp>
+        <p:nvSpPr>
+          <p:cNvPr id="20" name="Right Arrow 19">
+            <a:extLst>
+              <a:ext uri="{FF2B5EF4-FFF2-40B4-BE49-F238E27FC236}">
+                <a16:creationId xmlns:a16="http://schemas.microsoft.com/office/drawing/2014/main" id="{7158FDA6-64B7-CB00-9383-30CF94BD8189}"/>
+              </a:ext>
+            </a:extLst>
+          </p:cNvPr>
+          <p:cNvSpPr/>
           <p:nvPr/>
-        </p:nvPicPr>
-        <p:blipFill>
-          <a:blip r:embed="rId2"/>
-          <a:stretch>
-            <a:fillRect/>
-          </a:stretch>
-        </p:blipFill>
+        </p:nvSpPr>
         <p:spPr>
-          <a:xfrm>
-            <a:off x="5760518" y="1025236"/>
-            <a:ext cx="6112826" cy="4584620"/>
+          <a:xfrm rot="7578836">
+            <a:off x="8797041" y="5901508"/>
+            <a:ext cx="324270" cy="249382"/>
           </a:xfrm>
-          <a:prstGeom prst="rect">
+          <a:prstGeom prst="rightArrow">
             <a:avLst/>
           </a:prstGeom>
         </p:spPr>
-      </p:pic>
-      <p:pic>
-        <p:nvPicPr>
-          <p:cNvPr id="9" name="Picture 8">
-            <a:extLst>
-              <a:ext uri="{FF2B5EF4-FFF2-40B4-BE49-F238E27FC236}">
-                <a16:creationId xmlns:a16="http://schemas.microsoft.com/office/drawing/2014/main" id="{FE54C48F-06C7-F8E7-A1A6-F1FC22C053A2}"/>
-              </a:ext>
-            </a:extLst>
-          </p:cNvPr>
-          <p:cNvPicPr>
-            <a:picLocks noChangeAspect="1"/>
-          </p:cNvPicPr>
-          <p:nvPr/>
-        </p:nvPicPr>
-        <p:blipFill>
-          <a:blip r:embed="rId3"/>
-          <a:stretch>
-            <a:fillRect/>
-          </a:stretch>
-        </p:blipFill>
-        <p:spPr>
-          <a:xfrm>
-            <a:off x="0" y="1076702"/>
-            <a:ext cx="5825067" cy="4368800"/>
-          </a:xfrm>
-          <a:prstGeom prst="rect">
-            <a:avLst/>
-          </a:prstGeom>
-        </p:spPr>
-      </p:pic>
+        <p:style>
+          <a:lnRef idx="2">
+            <a:schemeClr val="accent1">
+              <a:shade val="50000"/>
+            </a:schemeClr>
+          </a:lnRef>
+          <a:fillRef idx="1">
+            <a:schemeClr val="accent1"/>
+          </a:fillRef>
+          <a:effectRef idx="0">
+            <a:schemeClr val="accent1"/>
+          </a:effectRef>
+          <a:fontRef idx="minor">
+            <a:schemeClr val="lt1"/>
+          </a:fontRef>
+        </p:style>
+        <p:txBody>
+          <a:bodyPr rtlCol="0" anchor="ctr"/>
+          <a:lstStyle/>
+          <a:p>
+            <a:pPr algn="ctr"/>
+            <a:endParaRPr lang="en-US"/>
+          </a:p>
+        </p:txBody>
+      </p:sp>
     </p:spTree>
     <p:extLst>
       <p:ext uri="{BB962C8B-B14F-4D97-AF65-F5344CB8AC3E}">
-        <p14:creationId xmlns:p14="http://schemas.microsoft.com/office/powerpoint/2010/main" val="2252113520"/>
+        <p14:creationId xmlns:p14="http://schemas.microsoft.com/office/powerpoint/2010/main" val="4158367999"/>
       </p:ext>
     </p:extLst>
   </p:cSld>
@@ -5131,198 +9431,27 @@
         </p:nvSpPr>
         <p:spPr>
           <a:xfrm>
-            <a:off x="437720" y="261256"/>
-            <a:ext cx="8438148" cy="698011"/>
+            <a:off x="3364223" y="2241271"/>
+            <a:ext cx="5955129" cy="752782"/>
           </a:xfrm>
         </p:spPr>
         <p:txBody>
           <a:bodyPr>
-            <a:normAutofit/>
+            <a:normAutofit fontScale="90000"/>
           </a:bodyPr>
           <a:lstStyle/>
           <a:p>
-            <a:pPr algn="l"/>
             <a:r>
               <a:rPr lang="en-US" sz="4000" dirty="0"/>
-              <a:t>Area - normalized</a:t>
+              <a:t>COVERAGE vs WAVENUMBER</a:t>
             </a:r>
           </a:p>
         </p:txBody>
       </p:sp>
-      <p:sp>
-        <p:nvSpPr>
-          <p:cNvPr id="7" name="Title 1">
-            <a:extLst>
-              <a:ext uri="{FF2B5EF4-FFF2-40B4-BE49-F238E27FC236}">
-                <a16:creationId xmlns:a16="http://schemas.microsoft.com/office/drawing/2014/main" id="{1FFF0D2A-2232-73DA-694C-8072E4F34693}"/>
-              </a:ext>
-            </a:extLst>
-          </p:cNvPr>
-          <p:cNvSpPr txBox="1">
-            <a:spLocks/>
-          </p:cNvSpPr>
-          <p:nvPr/>
-        </p:nvSpPr>
-        <p:spPr>
-          <a:xfrm>
-            <a:off x="712013" y="5532582"/>
-            <a:ext cx="4294096" cy="698011"/>
-          </a:xfrm>
-          <a:prstGeom prst="rect">
-            <a:avLst/>
-          </a:prstGeom>
-        </p:spPr>
-        <p:txBody>
-          <a:bodyPr vert="horz" lIns="91440" tIns="45720" rIns="91440" bIns="45720" rtlCol="0" anchor="b">
-            <a:normAutofit/>
-          </a:bodyPr>
-          <a:lstStyle>
-            <a:lvl1pPr algn="ctr" defTabSz="914400" rtl="0" eaLnBrk="1" latinLnBrk="0" hangingPunct="1">
-              <a:lnSpc>
-                <a:spcPct val="90000"/>
-              </a:lnSpc>
-              <a:spcBef>
-                <a:spcPct val="0"/>
-              </a:spcBef>
-              <a:buNone/>
-              <a:defRPr sz="6000" kern="1200">
-                <a:solidFill>
-                  <a:schemeClr val="tx1"/>
-                </a:solidFill>
-                <a:latin typeface="+mj-lt"/>
-                <a:ea typeface="+mj-ea"/>
-                <a:cs typeface="+mj-cs"/>
-              </a:defRPr>
-            </a:lvl1pPr>
-          </a:lstStyle>
-          <a:p>
-            <a:pPr algn="l"/>
-            <a:r>
-              <a:rPr lang="en-US" sz="4000" dirty="0"/>
-              <a:t>Normalized to 450</a:t>
-            </a:r>
-          </a:p>
-        </p:txBody>
-      </p:sp>
-      <p:sp>
-        <p:nvSpPr>
-          <p:cNvPr id="11" name="Title 1">
-            <a:extLst>
-              <a:ext uri="{FF2B5EF4-FFF2-40B4-BE49-F238E27FC236}">
-                <a16:creationId xmlns:a16="http://schemas.microsoft.com/office/drawing/2014/main" id="{10149CBB-F703-37F3-0399-9F2B15DA2BA3}"/>
-              </a:ext>
-            </a:extLst>
-          </p:cNvPr>
-          <p:cNvSpPr txBox="1">
-            <a:spLocks/>
-          </p:cNvSpPr>
-          <p:nvPr/>
-        </p:nvSpPr>
-        <p:spPr>
-          <a:xfrm>
-            <a:off x="7080485" y="5532582"/>
-            <a:ext cx="4294096" cy="698011"/>
-          </a:xfrm>
-          <a:prstGeom prst="rect">
-            <a:avLst/>
-          </a:prstGeom>
-        </p:spPr>
-        <p:txBody>
-          <a:bodyPr vert="horz" lIns="91440" tIns="45720" rIns="91440" bIns="45720" rtlCol="0" anchor="b">
-            <a:normAutofit/>
-          </a:bodyPr>
-          <a:lstStyle>
-            <a:lvl1pPr algn="ctr" defTabSz="914400" rtl="0" eaLnBrk="1" latinLnBrk="0" hangingPunct="1">
-              <a:lnSpc>
-                <a:spcPct val="90000"/>
-              </a:lnSpc>
-              <a:spcBef>
-                <a:spcPct val="0"/>
-              </a:spcBef>
-              <a:buNone/>
-              <a:defRPr sz="6000" kern="1200">
-                <a:solidFill>
-                  <a:schemeClr val="tx1"/>
-                </a:solidFill>
-                <a:latin typeface="+mj-lt"/>
-                <a:ea typeface="+mj-ea"/>
-                <a:cs typeface="+mj-cs"/>
-              </a:defRPr>
-            </a:lvl1pPr>
-          </a:lstStyle>
-          <a:p>
-            <a:pPr algn="l"/>
-            <a:r>
-              <a:rPr lang="en-US" sz="4000" dirty="0"/>
-              <a:t>Normalized to 490</a:t>
-            </a:r>
-          </a:p>
-        </p:txBody>
-      </p:sp>
-      <p:pic>
-        <p:nvPicPr>
-          <p:cNvPr id="4" name="Picture 3">
-            <a:extLst>
-              <a:ext uri="{FF2B5EF4-FFF2-40B4-BE49-F238E27FC236}">
-                <a16:creationId xmlns:a16="http://schemas.microsoft.com/office/drawing/2014/main" id="{B8296E7D-C9BD-6388-BB09-0EC5A8DCDC22}"/>
-              </a:ext>
-            </a:extLst>
-          </p:cNvPr>
-          <p:cNvPicPr>
-            <a:picLocks noChangeAspect="1"/>
-          </p:cNvPicPr>
-          <p:nvPr/>
-        </p:nvPicPr>
-        <p:blipFill>
-          <a:blip r:embed="rId2"/>
-          <a:stretch>
-            <a:fillRect/>
-          </a:stretch>
-        </p:blipFill>
-        <p:spPr>
-          <a:xfrm>
-            <a:off x="326352" y="959267"/>
-            <a:ext cx="5769648" cy="4327236"/>
-          </a:xfrm>
-          <a:prstGeom prst="rect">
-            <a:avLst/>
-          </a:prstGeom>
-        </p:spPr>
-      </p:pic>
-      <p:pic>
-        <p:nvPicPr>
-          <p:cNvPr id="8" name="Picture 7">
-            <a:extLst>
-              <a:ext uri="{FF2B5EF4-FFF2-40B4-BE49-F238E27FC236}">
-                <a16:creationId xmlns:a16="http://schemas.microsoft.com/office/drawing/2014/main" id="{F7629378-5A89-8F43-1462-EBF951C2D2A4}"/>
-              </a:ext>
-            </a:extLst>
-          </p:cNvPr>
-          <p:cNvPicPr>
-            <a:picLocks noChangeAspect="1"/>
-          </p:cNvPicPr>
-          <p:nvPr/>
-        </p:nvPicPr>
-        <p:blipFill>
-          <a:blip r:embed="rId3"/>
-          <a:stretch>
-            <a:fillRect/>
-          </a:stretch>
-        </p:blipFill>
-        <p:spPr>
-          <a:xfrm>
-            <a:off x="6096000" y="959267"/>
-            <a:ext cx="5769648" cy="4327236"/>
-          </a:xfrm>
-          <a:prstGeom prst="rect">
-            <a:avLst/>
-          </a:prstGeom>
-        </p:spPr>
-      </p:pic>
     </p:spTree>
     <p:extLst>
       <p:ext uri="{BB962C8B-B14F-4D97-AF65-F5344CB8AC3E}">
-        <p14:creationId xmlns:p14="http://schemas.microsoft.com/office/powerpoint/2010/main" val="3044649868"/>
+        <p14:creationId xmlns:p14="http://schemas.microsoft.com/office/powerpoint/2010/main" val="3998980831"/>
       </p:ext>
     </p:extLst>
   </p:cSld>
@@ -5367,30 +9496,29 @@
         </p:nvSpPr>
         <p:spPr>
           <a:xfrm>
-            <a:off x="437720" y="261256"/>
-            <a:ext cx="8438148" cy="698011"/>
+            <a:off x="548195" y="412470"/>
+            <a:ext cx="5116230" cy="995543"/>
           </a:xfrm>
         </p:spPr>
         <p:txBody>
           <a:bodyPr>
-            <a:normAutofit/>
+            <a:normAutofit fontScale="90000"/>
           </a:bodyPr>
           <a:lstStyle/>
           <a:p>
-            <a:pPr algn="l"/>
             <a:r>
               <a:rPr lang="en-US" sz="4000" dirty="0"/>
-              <a:t>Area - normalized</a:t>
+              <a:t>Constant pressure experiment (our data)</a:t>
             </a:r>
           </a:p>
         </p:txBody>
       </p:sp>
       <p:sp>
         <p:nvSpPr>
-          <p:cNvPr id="7" name="Title 1">
-            <a:extLst>
-              <a:ext uri="{FF2B5EF4-FFF2-40B4-BE49-F238E27FC236}">
-                <a16:creationId xmlns:a16="http://schemas.microsoft.com/office/drawing/2014/main" id="{1FFF0D2A-2232-73DA-694C-8072E4F34693}"/>
+          <p:cNvPr id="3" name="Title 1">
+            <a:extLst>
+              <a:ext uri="{FF2B5EF4-FFF2-40B4-BE49-F238E27FC236}">
+                <a16:creationId xmlns:a16="http://schemas.microsoft.com/office/drawing/2014/main" id="{659A5BB1-323A-1A80-F78E-88D0AB5F99BA}"/>
               </a:ext>
             </a:extLst>
           </p:cNvPr>
@@ -5401,8 +9529,8 @@
         </p:nvSpPr>
         <p:spPr>
           <a:xfrm>
-            <a:off x="712013" y="5532582"/>
-            <a:ext cx="4294096" cy="698011"/>
+            <a:off x="6841816" y="307273"/>
+            <a:ext cx="4656332" cy="679955"/>
           </a:xfrm>
           <a:prstGeom prst="rect">
             <a:avLst/>
@@ -5410,7 +9538,7 @@
         </p:spPr>
         <p:txBody>
           <a:bodyPr vert="horz" lIns="91440" tIns="45720" rIns="91440" bIns="45720" rtlCol="0" anchor="b">
-            <a:normAutofit/>
+            <a:normAutofit fontScale="97500"/>
           </a:bodyPr>
           <a:lstStyle>
             <a:lvl1pPr algn="ctr" defTabSz="914400" rtl="0" eaLnBrk="1" latinLnBrk="0" hangingPunct="1">
@@ -5432,133 +9560,228 @@
             </a:lvl1pPr>
           </a:lstStyle>
           <a:p>
-            <a:pPr algn="l"/>
             <a:r>
               <a:rPr lang="en-US" sz="4000" dirty="0"/>
-              <a:t>Normalized to 450</a:t>
-            </a:r>
+              <a:t>COV vs WV results</a:t>
+            </a:r>
+          </a:p>
+        </p:txBody>
+      </p:sp>
+      <p:graphicFrame>
+        <p:nvGraphicFramePr>
+          <p:cNvPr id="6" name="Chart 5">
+            <a:extLst>
+              <a:ext uri="{FF2B5EF4-FFF2-40B4-BE49-F238E27FC236}">
+                <a16:creationId xmlns:a16="http://schemas.microsoft.com/office/drawing/2014/main" id="{C7E69BC0-EB37-23F6-1B64-ADC557D414BE}"/>
+              </a:ext>
+            </a:extLst>
+          </p:cNvPr>
+          <p:cNvGraphicFramePr>
+            <a:graphicFrameLocks noGrp="1"/>
+          </p:cNvGraphicFramePr>
+          <p:nvPr>
+            <p:extLst>
+              <p:ext uri="{D42A27DB-BD31-4B8C-83A1-F6EECF244321}">
+                <p14:modId xmlns:p14="http://schemas.microsoft.com/office/powerpoint/2010/main" val="194940698"/>
+              </p:ext>
+            </p:extLst>
+          </p:nvPr>
+        </p:nvGraphicFramePr>
+        <p:xfrm>
+          <a:off x="6096000" y="1712690"/>
+          <a:ext cx="5576742" cy="3964488"/>
+        </p:xfrm>
+        <a:graphic>
+          <a:graphicData uri="http://schemas.openxmlformats.org/drawingml/2006/chart">
+            <c:chart xmlns:c="http://schemas.openxmlformats.org/drawingml/2006/chart" xmlns:r="http://schemas.openxmlformats.org/officeDocument/2006/relationships" r:id="rId3"/>
+          </a:graphicData>
+        </a:graphic>
+      </p:graphicFrame>
+      <p:graphicFrame>
+        <p:nvGraphicFramePr>
+          <p:cNvPr id="7" name="Chart 6">
+            <a:extLst>
+              <a:ext uri="{FF2B5EF4-FFF2-40B4-BE49-F238E27FC236}">
+                <a16:creationId xmlns:a16="http://schemas.microsoft.com/office/drawing/2014/main" id="{DE3676C2-56EF-EE44-2A1C-039BBE2B3B7B}"/>
+              </a:ext>
+            </a:extLst>
+          </p:cNvPr>
+          <p:cNvGraphicFramePr>
+            <a:graphicFrameLocks/>
+          </p:cNvGraphicFramePr>
+          <p:nvPr>
+            <p:extLst>
+              <p:ext uri="{D42A27DB-BD31-4B8C-83A1-F6EECF244321}">
+                <p14:modId xmlns:p14="http://schemas.microsoft.com/office/powerpoint/2010/main" val="4245911200"/>
+              </p:ext>
+            </p:extLst>
+          </p:nvPr>
+        </p:nvGraphicFramePr>
+        <p:xfrm>
+          <a:off x="485522" y="1811023"/>
+          <a:ext cx="5178903" cy="4052271"/>
+        </p:xfrm>
+        <a:graphic>
+          <a:graphicData uri="http://schemas.openxmlformats.org/drawingml/2006/chart">
+            <c:chart xmlns:c="http://schemas.openxmlformats.org/drawingml/2006/chart" xmlns:r="http://schemas.openxmlformats.org/officeDocument/2006/relationships" r:id="rId4"/>
+          </a:graphicData>
+        </a:graphic>
+      </p:graphicFrame>
+      <p:sp>
+        <p:nvSpPr>
+          <p:cNvPr id="9" name="TextBox 8">
+            <a:extLst>
+              <a:ext uri="{FF2B5EF4-FFF2-40B4-BE49-F238E27FC236}">
+                <a16:creationId xmlns:a16="http://schemas.microsoft.com/office/drawing/2014/main" id="{BE06AE63-1821-4E86-016E-DC094402B409}"/>
+              </a:ext>
+            </a:extLst>
+          </p:cNvPr>
+          <p:cNvSpPr txBox="1"/>
+          <p:nvPr/>
+        </p:nvSpPr>
+        <p:spPr>
+          <a:xfrm>
+            <a:off x="6281284" y="6366061"/>
+            <a:ext cx="5777396" cy="369332"/>
+          </a:xfrm>
+          <a:prstGeom prst="rect">
+            <a:avLst/>
+          </a:prstGeom>
+          <a:noFill/>
+        </p:spPr>
+        <p:txBody>
+          <a:bodyPr wrap="square">
+            <a:spAutoFit/>
+          </a:bodyPr>
+          <a:lstStyle/>
+          <a:p>
+            <a:r>
+              <a:rPr lang="en-US" sz="1800" dirty="0"/>
+              <a:t>our WV </a:t>
+            </a:r>
+            <a:r>
+              <a:rPr lang="en-US" dirty="0"/>
+              <a:t>(</a:t>
+            </a:r>
+            <a:r>
+              <a:rPr lang="en-US" sz="1800" dirty="0"/>
+              <a:t>P)  data    +      COV (P) from </a:t>
+            </a:r>
+            <a:r>
+              <a:rPr lang="en-US" sz="1800" b="1" dirty="0"/>
+              <a:t>slide 6</a:t>
+            </a:r>
+            <a:r>
+              <a:rPr lang="en-US" sz="1800" dirty="0"/>
+              <a:t> (Germa</a:t>
+            </a:r>
+            <a:r>
+              <a:rPr lang="en-US" dirty="0"/>
+              <a:t>n paper)</a:t>
+            </a:r>
+            <a:endParaRPr lang="en-US" sz="1800" dirty="0"/>
           </a:p>
         </p:txBody>
       </p:sp>
       <p:sp>
         <p:nvSpPr>
-          <p:cNvPr id="11" name="Title 1">
-            <a:extLst>
-              <a:ext uri="{FF2B5EF4-FFF2-40B4-BE49-F238E27FC236}">
-                <a16:creationId xmlns:a16="http://schemas.microsoft.com/office/drawing/2014/main" id="{10149CBB-F703-37F3-0399-9F2B15DA2BA3}"/>
-              </a:ext>
-            </a:extLst>
-          </p:cNvPr>
-          <p:cNvSpPr txBox="1">
-            <a:spLocks/>
-          </p:cNvSpPr>
+          <p:cNvPr id="10" name="Right Arrow 9">
+            <a:extLst>
+              <a:ext uri="{FF2B5EF4-FFF2-40B4-BE49-F238E27FC236}">
+                <a16:creationId xmlns:a16="http://schemas.microsoft.com/office/drawing/2014/main" id="{00DF3312-8CC6-17B8-C139-B58382F8DACF}"/>
+              </a:ext>
+            </a:extLst>
+          </p:cNvPr>
+          <p:cNvSpPr/>
           <p:nvPr/>
         </p:nvSpPr>
         <p:spPr>
-          <a:xfrm>
-            <a:off x="7080485" y="5532582"/>
-            <a:ext cx="4294096" cy="698011"/>
+          <a:xfrm rot="2306553">
+            <a:off x="5501201" y="5885383"/>
+            <a:ext cx="747368" cy="222584"/>
           </a:xfrm>
-          <a:prstGeom prst="rect">
+          <a:prstGeom prst="rightArrow">
             <a:avLst/>
           </a:prstGeom>
         </p:spPr>
+        <p:style>
+          <a:lnRef idx="2">
+            <a:schemeClr val="accent1">
+              <a:shade val="50000"/>
+            </a:schemeClr>
+          </a:lnRef>
+          <a:fillRef idx="1">
+            <a:schemeClr val="accent1"/>
+          </a:fillRef>
+          <a:effectRef idx="0">
+            <a:schemeClr val="accent1"/>
+          </a:effectRef>
+          <a:fontRef idx="minor">
+            <a:schemeClr val="lt1"/>
+          </a:fontRef>
+        </p:style>
         <p:txBody>
-          <a:bodyPr vert="horz" lIns="91440" tIns="45720" rIns="91440" bIns="45720" rtlCol="0" anchor="b">
-            <a:normAutofit/>
-          </a:bodyPr>
-          <a:lstStyle>
-            <a:lvl1pPr algn="ctr" defTabSz="914400" rtl="0" eaLnBrk="1" latinLnBrk="0" hangingPunct="1">
-              <a:lnSpc>
-                <a:spcPct val="90000"/>
-              </a:lnSpc>
-              <a:spcBef>
-                <a:spcPct val="0"/>
-              </a:spcBef>
-              <a:buNone/>
-              <a:defRPr sz="6000" kern="1200">
-                <a:solidFill>
-                  <a:schemeClr val="tx1"/>
-                </a:solidFill>
-                <a:latin typeface="+mj-lt"/>
-                <a:ea typeface="+mj-ea"/>
-                <a:cs typeface="+mj-cs"/>
-              </a:defRPr>
-            </a:lvl1pPr>
-          </a:lstStyle>
-          <a:p>
-            <a:pPr algn="l"/>
-            <a:r>
-              <a:rPr lang="en-US" sz="4000" dirty="0"/>
-              <a:t>Normalized to 490</a:t>
-            </a:r>
+          <a:bodyPr rtlCol="0" anchor="ctr"/>
+          <a:lstStyle/>
+          <a:p>
+            <a:pPr algn="ctr"/>
+            <a:endParaRPr lang="en-US"/>
           </a:p>
         </p:txBody>
       </p:sp>
-      <p:pic>
-        <p:nvPicPr>
-          <p:cNvPr id="5" name="Picture 4">
-            <a:extLst>
-              <a:ext uri="{FF2B5EF4-FFF2-40B4-BE49-F238E27FC236}">
-                <a16:creationId xmlns:a16="http://schemas.microsoft.com/office/drawing/2014/main" id="{446E7D70-3277-A78D-0345-8EFEE1500A9E}"/>
-              </a:ext>
-            </a:extLst>
-          </p:cNvPr>
-          <p:cNvPicPr>
-            <a:picLocks noChangeAspect="1"/>
-          </p:cNvPicPr>
+      <p:sp>
+        <p:nvSpPr>
+          <p:cNvPr id="11" name="Left Brace 10">
+            <a:extLst>
+              <a:ext uri="{FF2B5EF4-FFF2-40B4-BE49-F238E27FC236}">
+                <a16:creationId xmlns:a16="http://schemas.microsoft.com/office/drawing/2014/main" id="{0585CF8B-F733-29DE-A362-41CA4BB703B1}"/>
+              </a:ext>
+            </a:extLst>
+          </p:cNvPr>
+          <p:cNvSpPr/>
           <p:nvPr/>
-        </p:nvPicPr>
-        <p:blipFill>
-          <a:blip r:embed="rId2"/>
-          <a:stretch>
-            <a:fillRect/>
-          </a:stretch>
-        </p:blipFill>
+        </p:nvSpPr>
         <p:spPr>
-          <a:xfrm>
-            <a:off x="207603" y="959267"/>
-            <a:ext cx="5888397" cy="4416297"/>
+          <a:xfrm rot="5400000">
+            <a:off x="8850484" y="3751998"/>
+            <a:ext cx="638996" cy="4514858"/>
           </a:xfrm>
-          <a:prstGeom prst="rect">
+          <a:prstGeom prst="leftBrace">
             <a:avLst/>
           </a:prstGeom>
+          <a:ln w="57150">
+            <a:solidFill>
+              <a:srgbClr val="C00000"/>
+            </a:solidFill>
+          </a:ln>
         </p:spPr>
-      </p:pic>
-      <p:pic>
-        <p:nvPicPr>
-          <p:cNvPr id="9" name="Picture 8">
-            <a:extLst>
-              <a:ext uri="{FF2B5EF4-FFF2-40B4-BE49-F238E27FC236}">
-                <a16:creationId xmlns:a16="http://schemas.microsoft.com/office/drawing/2014/main" id="{943AE76C-1F3D-0311-34F1-8C804825F5F2}"/>
-              </a:ext>
-            </a:extLst>
-          </p:cNvPr>
-          <p:cNvPicPr>
-            <a:picLocks noChangeAspect="1"/>
-          </p:cNvPicPr>
-          <p:nvPr/>
-        </p:nvPicPr>
-        <p:blipFill>
-          <a:blip r:embed="rId3"/>
-          <a:stretch>
-            <a:fillRect/>
-          </a:stretch>
-        </p:blipFill>
-        <p:spPr>
-          <a:xfrm>
-            <a:off x="5741501" y="812800"/>
-            <a:ext cx="6376608" cy="4782456"/>
-          </a:xfrm>
-          <a:prstGeom prst="rect">
-            <a:avLst/>
-          </a:prstGeom>
-        </p:spPr>
-      </p:pic>
+        <p:style>
+          <a:lnRef idx="1">
+            <a:schemeClr val="accent1"/>
+          </a:lnRef>
+          <a:fillRef idx="0">
+            <a:schemeClr val="accent1"/>
+          </a:fillRef>
+          <a:effectRef idx="0">
+            <a:schemeClr val="accent1"/>
+          </a:effectRef>
+          <a:fontRef idx="minor">
+            <a:schemeClr val="tx1"/>
+          </a:fontRef>
+        </p:style>
+        <p:txBody>
+          <a:bodyPr rtlCol="0" anchor="ctr"/>
+          <a:lstStyle/>
+          <a:p>
+            <a:pPr algn="ctr"/>
+            <a:endParaRPr lang="en-US"/>
+          </a:p>
+        </p:txBody>
+      </p:sp>
     </p:spTree>
     <p:extLst>
       <p:ext uri="{BB962C8B-B14F-4D97-AF65-F5344CB8AC3E}">
-        <p14:creationId xmlns:p14="http://schemas.microsoft.com/office/powerpoint/2010/main" val="3318635550"/>
+        <p14:creationId xmlns:p14="http://schemas.microsoft.com/office/powerpoint/2010/main" val="582917113"/>
       </p:ext>
     </p:extLst>
   </p:cSld>
@@ -5603,8 +9826,8 @@
         </p:nvSpPr>
         <p:spPr>
           <a:xfrm>
-            <a:off x="437720" y="261256"/>
-            <a:ext cx="8438148" cy="698011"/>
+            <a:off x="542166" y="294064"/>
+            <a:ext cx="10851420" cy="1559206"/>
           </a:xfrm>
         </p:spPr>
         <p:txBody>
@@ -5613,20 +9836,185 @@
           </a:bodyPr>
           <a:lstStyle/>
           <a:p>
-            <a:pPr algn="l"/>
-            <a:r>
-              <a:rPr lang="en-US" sz="4000" dirty="0"/>
-              <a:t>Area - normalized</a:t>
-            </a:r>
+            <a:r>
+              <a:rPr lang="en-US" sz="4400" dirty="0"/>
+              <a:t>Area normalized </a:t>
+            </a:r>
+            <a:br>
+              <a:rPr lang="en-US" sz="4400" dirty="0"/>
+            </a:br>
+            <a:r>
+              <a:rPr lang="en-US" sz="4400" dirty="0"/>
+              <a:t>(testing)</a:t>
+            </a:r>
+          </a:p>
+        </p:txBody>
+      </p:sp>
+      <p:pic>
+        <p:nvPicPr>
+          <p:cNvPr id="3" name="Picture 2" descr="A picture containing font, text, white, line&#10;&#10;Description automatically generated">
+            <a:extLst>
+              <a:ext uri="{FF2B5EF4-FFF2-40B4-BE49-F238E27FC236}">
+                <a16:creationId xmlns:a16="http://schemas.microsoft.com/office/drawing/2014/main" id="{4D568181-CB4C-BE27-3C0D-F2F76C5B501F}"/>
+              </a:ext>
+            </a:extLst>
+          </p:cNvPr>
+          <p:cNvPicPr>
+            <a:picLocks noChangeAspect="1"/>
+          </p:cNvPicPr>
+          <p:nvPr/>
+        </p:nvPicPr>
+        <p:blipFill>
+          <a:blip r:embed="rId2"/>
+          <a:stretch>
+            <a:fillRect/>
+          </a:stretch>
+        </p:blipFill>
+        <p:spPr>
+          <a:xfrm>
+            <a:off x="3816350" y="2171986"/>
+            <a:ext cx="4559300" cy="1917700"/>
+          </a:xfrm>
+          <a:prstGeom prst="rect">
+            <a:avLst/>
+          </a:prstGeom>
+        </p:spPr>
+      </p:pic>
+      <p:sp>
+        <p:nvSpPr>
+          <p:cNvPr id="4" name="TextBox 3">
+            <a:extLst>
+              <a:ext uri="{FF2B5EF4-FFF2-40B4-BE49-F238E27FC236}">
+                <a16:creationId xmlns:a16="http://schemas.microsoft.com/office/drawing/2014/main" id="{1DCDEE8C-94A2-BD68-C9A0-880ECC7E3132}"/>
+              </a:ext>
+            </a:extLst>
+          </p:cNvPr>
+          <p:cNvSpPr txBox="1"/>
+          <p:nvPr/>
+        </p:nvSpPr>
+        <p:spPr>
+          <a:xfrm>
+            <a:off x="7307108" y="4408403"/>
+            <a:ext cx="4337723" cy="1938992"/>
+          </a:xfrm>
+          <a:prstGeom prst="rect">
+            <a:avLst/>
+          </a:prstGeom>
+          <a:noFill/>
+        </p:spPr>
+        <p:txBody>
+          <a:bodyPr wrap="square" rtlCol="0">
+            <a:spAutoFit/>
+          </a:bodyPr>
+          <a:lstStyle/>
+          <a:p>
+            <a:r>
+              <a:rPr lang="en-US" sz="2400" dirty="0" err="1"/>
+              <a:t>i</a:t>
+            </a:r>
+            <a:r>
+              <a:rPr lang="en-US" sz="2400" dirty="0"/>
+              <a:t> – refers to temperature </a:t>
+            </a:r>
+            <a:r>
+              <a:rPr lang="en-US" sz="2400" dirty="0" err="1"/>
+              <a:t>T</a:t>
+            </a:r>
+            <a:r>
+              <a:rPr lang="en-US" sz="2400" baseline="-25000" dirty="0" err="1"/>
+              <a:t>i</a:t>
+            </a:r>
+            <a:endParaRPr lang="en-US" sz="2400" baseline="-25000" dirty="0"/>
+          </a:p>
+          <a:p>
+            <a:r>
+              <a:rPr lang="en-US" sz="2400" dirty="0"/>
+              <a:t>ref – temperature chosen as reference</a:t>
+            </a:r>
+          </a:p>
+          <a:p>
+            <a:r>
+              <a:rPr lang="en-US" sz="2400" dirty="0"/>
+              <a:t>SAT – at saturation</a:t>
+            </a:r>
+          </a:p>
+          <a:p>
+            <a:r>
+              <a:rPr lang="en-US" sz="2400" dirty="0"/>
+              <a:t>A</a:t>
+            </a:r>
+            <a:r>
+              <a:rPr lang="en-US" sz="2400" baseline="-25000" dirty="0"/>
+              <a:t>i</a:t>
+            </a:r>
+            <a:r>
+              <a:rPr lang="en-US" sz="2400" dirty="0"/>
+              <a:t> - area for temperature </a:t>
+            </a:r>
+            <a:r>
+              <a:rPr lang="en-US" sz="2400" dirty="0" err="1"/>
+              <a:t>T</a:t>
+            </a:r>
+            <a:r>
+              <a:rPr lang="en-US" sz="2400" baseline="-25000" dirty="0" err="1"/>
+              <a:t>i</a:t>
+            </a:r>
+            <a:endParaRPr lang="en-US" sz="2400" baseline="-25000" dirty="0"/>
           </a:p>
         </p:txBody>
       </p:sp>
       <p:sp>
         <p:nvSpPr>
-          <p:cNvPr id="7" name="Title 1">
-            <a:extLst>
-              <a:ext uri="{FF2B5EF4-FFF2-40B4-BE49-F238E27FC236}">
-                <a16:creationId xmlns:a16="http://schemas.microsoft.com/office/drawing/2014/main" id="{1FFF0D2A-2232-73DA-694C-8072E4F34693}"/>
+          <p:cNvPr id="5" name="Right Arrow 4">
+            <a:extLst>
+              <a:ext uri="{FF2B5EF4-FFF2-40B4-BE49-F238E27FC236}">
+                <a16:creationId xmlns:a16="http://schemas.microsoft.com/office/drawing/2014/main" id="{62BEC3BC-C5DD-BD9F-AE93-B65AE5A40C0D}"/>
+              </a:ext>
+            </a:extLst>
+          </p:cNvPr>
+          <p:cNvSpPr/>
+          <p:nvPr/>
+        </p:nvSpPr>
+        <p:spPr>
+          <a:xfrm rot="16838298">
+            <a:off x="3715757" y="3711121"/>
+            <a:ext cx="502693" cy="222079"/>
+          </a:xfrm>
+          <a:prstGeom prst="rightArrow">
+            <a:avLst/>
+          </a:prstGeom>
+        </p:spPr>
+        <p:style>
+          <a:lnRef idx="2">
+            <a:schemeClr val="accent1">
+              <a:shade val="50000"/>
+            </a:schemeClr>
+          </a:lnRef>
+          <a:fillRef idx="1">
+            <a:schemeClr val="accent1"/>
+          </a:fillRef>
+          <a:effectRef idx="0">
+            <a:schemeClr val="accent1"/>
+          </a:effectRef>
+          <a:fontRef idx="minor">
+            <a:schemeClr val="lt1"/>
+          </a:fontRef>
+        </p:style>
+        <p:txBody>
+          <a:bodyPr rtlCol="0" anchor="ctr"/>
+          <a:lstStyle/>
+          <a:p>
+            <a:pPr algn="ctr"/>
+            <a:endParaRPr lang="en-US"/>
+          </a:p>
+        </p:txBody>
+      </p:sp>
+      <p:sp>
+        <p:nvSpPr>
+          <p:cNvPr id="6" name="Title 1">
+            <a:extLst>
+              <a:ext uri="{FF2B5EF4-FFF2-40B4-BE49-F238E27FC236}">
+                <a16:creationId xmlns:a16="http://schemas.microsoft.com/office/drawing/2014/main" id="{8A341F61-97C8-DCA6-FDBE-865FB2D7AC35}"/>
               </a:ext>
             </a:extLst>
           </p:cNvPr>
@@ -5637,8 +10025,8 @@
         </p:nvSpPr>
         <p:spPr>
           <a:xfrm>
-            <a:off x="712012" y="5532582"/>
-            <a:ext cx="9152423" cy="698011"/>
+            <a:off x="2548004" y="3893381"/>
+            <a:ext cx="2476164" cy="698011"/>
           </a:xfrm>
           <a:prstGeom prst="rect">
             <a:avLst/>
@@ -5646,7 +10034,7 @@
         </p:spPr>
         <p:txBody>
           <a:bodyPr vert="horz" lIns="91440" tIns="45720" rIns="91440" bIns="45720" rtlCol="0" anchor="b">
-            <a:normAutofit/>
+            <a:normAutofit fontScale="97500"/>
           </a:bodyPr>
           <a:lstStyle>
             <a:lvl1pPr algn="ctr" defTabSz="914400" rtl="0" eaLnBrk="1" latinLnBrk="0" hangingPunct="1">
@@ -5668,48 +10056,17 @@
             </a:lvl1pPr>
           </a:lstStyle>
           <a:p>
-            <a:pPr algn="l"/>
-            <a:r>
-              <a:rPr lang="en-US" sz="4000" dirty="0"/>
-              <a:t>Normalized to 450 new way</a:t>
+            <a:r>
+              <a:rPr lang="en-US" sz="2800" dirty="0"/>
+              <a:t>Normalized area</a:t>
             </a:r>
           </a:p>
         </p:txBody>
       </p:sp>
-      <p:pic>
-        <p:nvPicPr>
-          <p:cNvPr id="4" name="Picture 3">
-            <a:extLst>
-              <a:ext uri="{FF2B5EF4-FFF2-40B4-BE49-F238E27FC236}">
-                <a16:creationId xmlns:a16="http://schemas.microsoft.com/office/drawing/2014/main" id="{DEFECAB4-1DCA-560D-80CF-3E1E04768930}"/>
-              </a:ext>
-            </a:extLst>
-          </p:cNvPr>
-          <p:cNvPicPr>
-            <a:picLocks noChangeAspect="1"/>
-          </p:cNvPicPr>
-          <p:nvPr/>
-        </p:nvPicPr>
-        <p:blipFill>
-          <a:blip r:embed="rId2"/>
-          <a:stretch>
-            <a:fillRect/>
-          </a:stretch>
-        </p:blipFill>
-        <p:spPr>
-          <a:xfrm>
-            <a:off x="143164" y="1040656"/>
-            <a:ext cx="6305647" cy="4491926"/>
-          </a:xfrm>
-          <a:prstGeom prst="rect">
-            <a:avLst/>
-          </a:prstGeom>
-        </p:spPr>
-      </p:pic>
     </p:spTree>
     <p:extLst>
       <p:ext uri="{BB962C8B-B14F-4D97-AF65-F5344CB8AC3E}">
-        <p14:creationId xmlns:p14="http://schemas.microsoft.com/office/powerpoint/2010/main" val="1901134603"/>
+        <p14:creationId xmlns:p14="http://schemas.microsoft.com/office/powerpoint/2010/main" val="4078976226"/>
       </p:ext>
     </p:extLst>
   </p:cSld>
@@ -6012,4 +10369,299 @@
     </a:ext>
   </a:extLst>
 </a:theme>
+</file>
+
+<file path=ppt/theme/theme2.xml><?xml version="1.0" encoding="utf-8"?>
+<a:theme xmlns:a="http://schemas.openxmlformats.org/drawingml/2006/main" name="Office Theme">
+  <a:themeElements>
+    <a:clrScheme name="Office">
+      <a:dk1>
+        <a:sysClr val="windowText" lastClr="000000"/>
+      </a:dk1>
+      <a:lt1>
+        <a:sysClr val="window" lastClr="FFFFFF"/>
+      </a:lt1>
+      <a:dk2>
+        <a:srgbClr val="44546A"/>
+      </a:dk2>
+      <a:lt2>
+        <a:srgbClr val="E7E6E6"/>
+      </a:lt2>
+      <a:accent1>
+        <a:srgbClr val="4472C4"/>
+      </a:accent1>
+      <a:accent2>
+        <a:srgbClr val="ED7D31"/>
+      </a:accent2>
+      <a:accent3>
+        <a:srgbClr val="A5A5A5"/>
+      </a:accent3>
+      <a:accent4>
+        <a:srgbClr val="FFC000"/>
+      </a:accent4>
+      <a:accent5>
+        <a:srgbClr val="5B9BD5"/>
+      </a:accent5>
+      <a:accent6>
+        <a:srgbClr val="70AD47"/>
+      </a:accent6>
+      <a:hlink>
+        <a:srgbClr val="0563C1"/>
+      </a:hlink>
+      <a:folHlink>
+        <a:srgbClr val="954F72"/>
+      </a:folHlink>
+    </a:clrScheme>
+    <a:fontScheme name="Office">
+      <a:majorFont>
+        <a:latin typeface="Calibri Light" panose="020F0302020204030204"/>
+        <a:ea typeface=""/>
+        <a:cs typeface=""/>
+        <a:font script="Jpan" typeface="游ゴシック Light"/>
+        <a:font script="Hang" typeface="맑은 고딕"/>
+        <a:font script="Hans" typeface="等线 Light"/>
+        <a:font script="Hant" typeface="新細明體"/>
+        <a:font script="Arab" typeface="Times New Roman"/>
+        <a:font script="Hebr" typeface="Times New Roman"/>
+        <a:font script="Thai" typeface="Angsana New"/>
+        <a:font script="Ethi" typeface="Nyala"/>
+        <a:font script="Beng" typeface="Vrinda"/>
+        <a:font script="Gujr" typeface="Shruti"/>
+        <a:font script="Khmr" typeface="MoolBoran"/>
+        <a:font script="Knda" typeface="Tunga"/>
+        <a:font script="Guru" typeface="Raavi"/>
+        <a:font script="Cans" typeface="Euphemia"/>
+        <a:font script="Cher" typeface="Plantagenet Cherokee"/>
+        <a:font script="Yiii" typeface="Microsoft Yi Baiti"/>
+        <a:font script="Tibt" typeface="Microsoft Himalaya"/>
+        <a:font script="Thaa" typeface="MV Boli"/>
+        <a:font script="Deva" typeface="Mangal"/>
+        <a:font script="Telu" typeface="Gautami"/>
+        <a:font script="Taml" typeface="Latha"/>
+        <a:font script="Syrc" typeface="Estrangelo Edessa"/>
+        <a:font script="Orya" typeface="Kalinga"/>
+        <a:font script="Mlym" typeface="Kartika"/>
+        <a:font script="Laoo" typeface="DokChampa"/>
+        <a:font script="Sinh" typeface="Iskoola Pota"/>
+        <a:font script="Mong" typeface="Mongolian Baiti"/>
+        <a:font script="Viet" typeface="Times New Roman"/>
+        <a:font script="Uigh" typeface="Microsoft Uighur"/>
+        <a:font script="Geor" typeface="Sylfaen"/>
+        <a:font script="Armn" typeface="Arial"/>
+        <a:font script="Bugi" typeface="Leelawadee UI"/>
+        <a:font script="Bopo" typeface="Microsoft JhengHei"/>
+        <a:font script="Java" typeface="Javanese Text"/>
+        <a:font script="Lisu" typeface="Segoe UI"/>
+        <a:font script="Mymr" typeface="Myanmar Text"/>
+        <a:font script="Nkoo" typeface="Ebrima"/>
+        <a:font script="Olck" typeface="Nirmala UI"/>
+        <a:font script="Osma" typeface="Ebrima"/>
+        <a:font script="Phag" typeface="Phagspa"/>
+        <a:font script="Syrn" typeface="Estrangelo Edessa"/>
+        <a:font script="Syrj" typeface="Estrangelo Edessa"/>
+        <a:font script="Syre" typeface="Estrangelo Edessa"/>
+        <a:font script="Sora" typeface="Nirmala UI"/>
+        <a:font script="Tale" typeface="Microsoft Tai Le"/>
+        <a:font script="Talu" typeface="Microsoft New Tai Lue"/>
+        <a:font script="Tfng" typeface="Ebrima"/>
+      </a:majorFont>
+      <a:minorFont>
+        <a:latin typeface="Calibri" panose="020F0502020204030204"/>
+        <a:ea typeface=""/>
+        <a:cs typeface=""/>
+        <a:font script="Jpan" typeface="游ゴシック"/>
+        <a:font script="Hang" typeface="맑은 고딕"/>
+        <a:font script="Hans" typeface="等线"/>
+        <a:font script="Hant" typeface="新細明體"/>
+        <a:font script="Arab" typeface="Arial"/>
+        <a:font script="Hebr" typeface="Arial"/>
+        <a:font script="Thai" typeface="Cordia New"/>
+        <a:font script="Ethi" typeface="Nyala"/>
+        <a:font script="Beng" typeface="Vrinda"/>
+        <a:font script="Gujr" typeface="Shruti"/>
+        <a:font script="Khmr" typeface="DaunPenh"/>
+        <a:font script="Knda" typeface="Tunga"/>
+        <a:font script="Guru" typeface="Raavi"/>
+        <a:font script="Cans" typeface="Euphemia"/>
+        <a:font script="Cher" typeface="Plantagenet Cherokee"/>
+        <a:font script="Yiii" typeface="Microsoft Yi Baiti"/>
+        <a:font script="Tibt" typeface="Microsoft Himalaya"/>
+        <a:font script="Thaa" typeface="MV Boli"/>
+        <a:font script="Deva" typeface="Mangal"/>
+        <a:font script="Telu" typeface="Gautami"/>
+        <a:font script="Taml" typeface="Latha"/>
+        <a:font script="Syrc" typeface="Estrangelo Edessa"/>
+        <a:font script="Orya" typeface="Kalinga"/>
+        <a:font script="Mlym" typeface="Kartika"/>
+        <a:font script="Laoo" typeface="DokChampa"/>
+        <a:font script="Sinh" typeface="Iskoola Pota"/>
+        <a:font script="Mong" typeface="Mongolian Baiti"/>
+        <a:font script="Viet" typeface="Arial"/>
+        <a:font script="Uigh" typeface="Microsoft Uighur"/>
+        <a:font script="Geor" typeface="Sylfaen"/>
+        <a:font script="Armn" typeface="Arial"/>
+        <a:font script="Bugi" typeface="Leelawadee UI"/>
+        <a:font script="Bopo" typeface="Microsoft JhengHei"/>
+        <a:font script="Java" typeface="Javanese Text"/>
+        <a:font script="Lisu" typeface="Segoe UI"/>
+        <a:font script="Mymr" typeface="Myanmar Text"/>
+        <a:font script="Nkoo" typeface="Ebrima"/>
+        <a:font script="Olck" typeface="Nirmala UI"/>
+        <a:font script="Osma" typeface="Ebrima"/>
+        <a:font script="Phag" typeface="Phagspa"/>
+        <a:font script="Syrn" typeface="Estrangelo Edessa"/>
+        <a:font script="Syrj" typeface="Estrangelo Edessa"/>
+        <a:font script="Syre" typeface="Estrangelo Edessa"/>
+        <a:font script="Sora" typeface="Nirmala UI"/>
+        <a:font script="Tale" typeface="Microsoft Tai Le"/>
+        <a:font script="Talu" typeface="Microsoft New Tai Lue"/>
+        <a:font script="Tfng" typeface="Ebrima"/>
+      </a:minorFont>
+    </a:fontScheme>
+    <a:fmtScheme name="Office">
+      <a:fillStyleLst>
+        <a:solidFill>
+          <a:schemeClr val="phClr"/>
+        </a:solidFill>
+        <a:gradFill rotWithShape="1">
+          <a:gsLst>
+            <a:gs pos="0">
+              <a:schemeClr val="phClr">
+                <a:lumMod val="110000"/>
+                <a:satMod val="105000"/>
+                <a:tint val="67000"/>
+              </a:schemeClr>
+            </a:gs>
+            <a:gs pos="50000">
+              <a:schemeClr val="phClr">
+                <a:lumMod val="105000"/>
+                <a:satMod val="103000"/>
+                <a:tint val="73000"/>
+              </a:schemeClr>
+            </a:gs>
+            <a:gs pos="100000">
+              <a:schemeClr val="phClr">
+                <a:lumMod val="105000"/>
+                <a:satMod val="109000"/>
+                <a:tint val="81000"/>
+              </a:schemeClr>
+            </a:gs>
+          </a:gsLst>
+          <a:lin ang="5400000" scaled="0"/>
+        </a:gradFill>
+        <a:gradFill rotWithShape="1">
+          <a:gsLst>
+            <a:gs pos="0">
+              <a:schemeClr val="phClr">
+                <a:satMod val="103000"/>
+                <a:lumMod val="102000"/>
+                <a:tint val="94000"/>
+              </a:schemeClr>
+            </a:gs>
+            <a:gs pos="50000">
+              <a:schemeClr val="phClr">
+                <a:satMod val="110000"/>
+                <a:lumMod val="100000"/>
+                <a:shade val="100000"/>
+              </a:schemeClr>
+            </a:gs>
+            <a:gs pos="100000">
+              <a:schemeClr val="phClr">
+                <a:lumMod val="99000"/>
+                <a:satMod val="120000"/>
+                <a:shade val="78000"/>
+              </a:schemeClr>
+            </a:gs>
+          </a:gsLst>
+          <a:lin ang="5400000" scaled="0"/>
+        </a:gradFill>
+      </a:fillStyleLst>
+      <a:lnStyleLst>
+        <a:ln w="6350" cap="flat" cmpd="sng" algn="ctr">
+          <a:solidFill>
+            <a:schemeClr val="phClr"/>
+          </a:solidFill>
+          <a:prstDash val="solid"/>
+          <a:miter lim="800000"/>
+        </a:ln>
+        <a:ln w="12700" cap="flat" cmpd="sng" algn="ctr">
+          <a:solidFill>
+            <a:schemeClr val="phClr"/>
+          </a:solidFill>
+          <a:prstDash val="solid"/>
+          <a:miter lim="800000"/>
+        </a:ln>
+        <a:ln w="19050" cap="flat" cmpd="sng" algn="ctr">
+          <a:solidFill>
+            <a:schemeClr val="phClr"/>
+          </a:solidFill>
+          <a:prstDash val="solid"/>
+          <a:miter lim="800000"/>
+        </a:ln>
+      </a:lnStyleLst>
+      <a:effectStyleLst>
+        <a:effectStyle>
+          <a:effectLst/>
+        </a:effectStyle>
+        <a:effectStyle>
+          <a:effectLst/>
+        </a:effectStyle>
+        <a:effectStyle>
+          <a:effectLst>
+            <a:outerShdw blurRad="57150" dist="19050" dir="5400000" algn="ctr" rotWithShape="0">
+              <a:srgbClr val="000000">
+                <a:alpha val="63000"/>
+              </a:srgbClr>
+            </a:outerShdw>
+          </a:effectLst>
+        </a:effectStyle>
+      </a:effectStyleLst>
+      <a:bgFillStyleLst>
+        <a:solidFill>
+          <a:schemeClr val="phClr"/>
+        </a:solidFill>
+        <a:solidFill>
+          <a:schemeClr val="phClr">
+            <a:tint val="95000"/>
+            <a:satMod val="170000"/>
+          </a:schemeClr>
+        </a:solidFill>
+        <a:gradFill rotWithShape="1">
+          <a:gsLst>
+            <a:gs pos="0">
+              <a:schemeClr val="phClr">
+                <a:tint val="93000"/>
+                <a:satMod val="150000"/>
+                <a:shade val="98000"/>
+                <a:lumMod val="102000"/>
+              </a:schemeClr>
+            </a:gs>
+            <a:gs pos="50000">
+              <a:schemeClr val="phClr">
+                <a:tint val="98000"/>
+                <a:satMod val="130000"/>
+                <a:shade val="90000"/>
+                <a:lumMod val="103000"/>
+              </a:schemeClr>
+            </a:gs>
+            <a:gs pos="100000">
+              <a:schemeClr val="phClr">
+                <a:shade val="63000"/>
+                <a:satMod val="120000"/>
+              </a:schemeClr>
+            </a:gs>
+          </a:gsLst>
+          <a:lin ang="5400000" scaled="0"/>
+        </a:gradFill>
+      </a:bgFillStyleLst>
+    </a:fmtScheme>
+  </a:themeElements>
+  <a:objectDefaults/>
+  <a:extraClrSchemeLst/>
+  <a:extLst>
+    <a:ext uri="{05A4C25C-085E-4340-85A3-A5531E510DB2}">
+      <thm15:themeFamily xmlns:thm15="http://schemas.microsoft.com/office/thememl/2012/main" name="Office Theme" id="{62F939B6-93AF-4DB8-9C6B-D6C7DFDC589F}" vid="{4A3C46E8-61CC-4603-A589-7422A47A8E4A}"/>
+    </a:ext>
+  </a:extLst>
+</a:theme>
 </file>